--- a/ComputerMath/PPT/第02讲 描述空间的工具—向量.pptx
+++ b/ComputerMath/PPT/第02讲 描述空间的工具—向量.pptx
@@ -265,7 +265,7 @@
           <a:p>
             <a:fld id="{87DCD449-0720-4299-8DE9-69CE28848277}" type="datetimeFigureOut">
               <a:rPr lang="zh-CN" altLang="en-US" smtClean="0"/>
-              <a:t>2020-2-26</a:t>
+              <a:t>2020-2-27</a:t>
             </a:fld>
             <a:endParaRPr lang="zh-CN" altLang="en-US"/>
           </a:p>
@@ -6043,8 +6043,8 @@
               <a:t>第</a:t>
             </a:r>
             <a:r>
-              <a:rPr lang="en-US" altLang="zh-CN" sz="3200" dirty="0"/>
-              <a:t>2</a:t>
+              <a:rPr lang="en-US" altLang="zh-CN" sz="3200"/>
+              <a:t>02</a:t>
             </a:r>
             <a:r>
               <a:rPr lang="zh-CN" altLang="en-US" sz="3200" dirty="0"/>
@@ -28005,8 +28005,8 @@
           </a:p>
         </p:txBody>
       </p:sp>
-      <mc:AlternateContent xmlns:mc="http://schemas.openxmlformats.org/markup-compatibility/2006">
-        <mc:Choice xmlns:a14="http://schemas.microsoft.com/office/drawing/2010/main" Requires="a14">
+      <mc:AlternateContent xmlns:mc="http://schemas.openxmlformats.org/markup-compatibility/2006" xmlns:a14="http://schemas.microsoft.com/office/drawing/2010/main">
+        <mc:Choice Requires="a14">
           <p:sp>
             <p:nvSpPr>
               <p:cNvPr id="2" name="内容占位符 1">
@@ -28151,7 +28151,7 @@
             </p:txBody>
           </p:sp>
         </mc:Choice>
-        <mc:Fallback>
+        <mc:Fallback xmlns="">
           <p:sp>
             <p:nvSpPr>
               <p:cNvPr id="2" name="内容占位符 1">
@@ -36402,8 +36402,8 @@
           </a:p>
         </p:txBody>
       </p:sp>
-      <mc:AlternateContent xmlns:mc="http://schemas.openxmlformats.org/markup-compatibility/2006">
-        <mc:Choice xmlns:a14="http://schemas.microsoft.com/office/drawing/2010/main" Requires="a14">
+      <mc:AlternateContent xmlns:mc="http://schemas.openxmlformats.org/markup-compatibility/2006" xmlns:a14="http://schemas.microsoft.com/office/drawing/2010/main">
+        <mc:Choice Requires="a14">
           <p:sp>
             <p:nvSpPr>
               <p:cNvPr id="5" name="内容占位符 4">
@@ -36983,7 +36983,7 @@
             </p:txBody>
           </p:sp>
         </mc:Choice>
-        <mc:Fallback>
+        <mc:Fallback xmlns="">
           <p:sp>
             <p:nvSpPr>
               <p:cNvPr id="5" name="内容占位符 4">

--- a/ComputerMath/PPT/第02讲 描述空间的工具—向量.pptx
+++ b/ComputerMath/PPT/第02讲 描述空间的工具—向量.pptx
@@ -265,7 +265,7 @@
           <a:p>
             <a:fld id="{87DCD449-0720-4299-8DE9-69CE28848277}" type="datetimeFigureOut">
               <a:rPr lang="zh-CN" altLang="en-US" smtClean="0"/>
-              <a:t>2020-2-27</a:t>
+              <a:t>2020-3-15</a:t>
             </a:fld>
             <a:endParaRPr lang="zh-CN" altLang="en-US"/>
           </a:p>
@@ -8025,8 +8025,8 @@
           </a:p>
         </p:txBody>
       </p:sp>
-      <mc:AlternateContent xmlns:mc="http://schemas.openxmlformats.org/markup-compatibility/2006" xmlns:a14="http://schemas.microsoft.com/office/drawing/2010/main">
-        <mc:Choice Requires="a14">
+      <mc:AlternateContent xmlns:mc="http://schemas.openxmlformats.org/markup-compatibility/2006">
+        <mc:Choice xmlns:a14="http://schemas.microsoft.com/office/drawing/2010/main" Requires="a14">
           <p:sp>
             <p:nvSpPr>
               <p:cNvPr id="9" name="Rectangle 1">
@@ -8045,8 +8045,8 @@
             </p:nvSpPr>
             <p:spPr bwMode="auto">
               <a:xfrm>
-                <a:off x="0" y="1733550"/>
-                <a:ext cx="6857999" cy="3295660"/>
+                <a:off x="1" y="1815624"/>
+                <a:ext cx="6781800" cy="3131512"/>
               </a:xfrm>
               <a:prstGeom prst="rect">
                 <a:avLst/>
@@ -8216,7 +8216,7 @@
                 </a:lvl9pPr>
               </a:lstStyle>
               <a:p>
-                <a:pPr marL="285750" lvl="0" indent="-285750" algn="l" rtl="0">
+                <a:pPr marL="285750" lvl="0" indent="-285750" rtl="0">
                   <a:buFont typeface="Wingdings" panose="05000000000000000000" pitchFamily="2" charset="2"/>
                   <a:buChar char="l"/>
                 </a:pPr>
@@ -8260,36 +8260,25 @@
                   <a:t>来表示一个数据时，可以表示为: </a:t>
                 </a:r>
                 <a:r>
-                  <a:rPr lang="zh-CN" altLang="en-US" sz="1600" dirty="0"/>
-                  <a:t> </a:t>
+                  <a:rPr lang="zh-CN" altLang="zh-CN" sz="1600" b="1" dirty="0">
+                    <a:solidFill>
+                      <a:schemeClr val="accent6">
+                        <a:lumMod val="75000"/>
+                      </a:schemeClr>
+                    </a:solidFill>
+                    <a:ea typeface="STIXMathJax_Normal-italic"/>
+                  </a:rPr>
+                  <a:t>𝑎</a:t>
                 </a:r>
-                <a14:m>
-                  <m:oMath xmlns:m="http://schemas.openxmlformats.org/officeDocument/2006/math">
-                    <m:acc>
-                      <m:accPr>
-                        <m:chr m:val="⃗"/>
-                        <m:ctrlPr>
-                          <a:rPr lang="zh-CN" altLang="en-US" sz="1600" i="1">
-                            <a:latin typeface="Cambria Math" panose="02040503050406030204" pitchFamily="18" charset="0"/>
-                          </a:rPr>
-                        </m:ctrlPr>
-                      </m:accPr>
-                      <m:e>
-                        <m:r>
-                          <m:rPr>
-                            <m:sty m:val="p"/>
-                          </m:rPr>
-                          <a:rPr lang="en-US" altLang="zh-CN" sz="1600" i="1">
-                            <a:latin typeface="Cambria Math" panose="02040503050406030204" pitchFamily="18" charset="0"/>
-                          </a:rPr>
-                          <m:t>A</m:t>
-                        </m:r>
-                      </m:e>
-                    </m:acc>
-                  </m:oMath>
-                </a14:m>
                 <a:r>
-                  <a:rPr lang="zh-CN" altLang="en-US" sz="1600" i="1" dirty="0"/>
+                  <a:rPr lang="en-US" altLang="zh-CN" sz="1600" dirty="0">
+                    <a:solidFill>
+                      <a:schemeClr val="accent6">
+                        <a:lumMod val="75000"/>
+                      </a:schemeClr>
+                    </a:solidFill>
+                    <a:ea typeface="STIXMathJax_Normal-italic"/>
+                  </a:rPr>
                   <a:t> </a:t>
                 </a:r>
                 <a:r>
@@ -8305,7 +8294,37 @@
                     <a:effectLst/>
                     <a:ea typeface="STIXMathJax_Main"/>
                   </a:rPr>
-                  <a:t>=[</a:t>
+                  <a:t>=</a:t>
+                </a:r>
+                <a:r>
+                  <a:rPr kumimoji="0" lang="en-US" altLang="zh-CN" sz="1600" b="0" i="0" u="none" strike="noStrike" cap="none" normalizeH="0" baseline="0" dirty="0">
+                    <a:ln>
+                      <a:noFill/>
+                    </a:ln>
+                    <a:solidFill>
+                      <a:schemeClr val="accent6">
+                        <a:lumMod val="75000"/>
+                      </a:schemeClr>
+                    </a:solidFill>
+                    <a:effectLst/>
+                    <a:ea typeface="STIXMathJax_Main"/>
+                  </a:rPr>
+                  <a:t> </a:t>
+                </a:r>
+                <a:r>
+                  <a:rPr kumimoji="0" lang="zh-CN" altLang="zh-CN" sz="1600" b="0" i="0" u="none" strike="noStrike" cap="none" normalizeH="0" baseline="0" dirty="0">
+                    <a:ln>
+                      <a:noFill/>
+                    </a:ln>
+                    <a:solidFill>
+                      <a:schemeClr val="accent6">
+                        <a:lumMod val="75000"/>
+                      </a:schemeClr>
+                    </a:solidFill>
+                    <a:effectLst/>
+                    <a:ea typeface="STIXMathJax_Main"/>
+                  </a:rPr>
+                  <a:t>[</a:t>
                 </a:r>
                 <a:r>
                   <a:rPr kumimoji="0" lang="zh-CN" altLang="zh-CN" sz="1600" b="0" i="0" u="none" strike="noStrike" cap="none" normalizeH="0" baseline="0" dirty="0">
@@ -8468,35 +8487,28 @@
                     <a:effectLst/>
                     <a:ea typeface="-apple-system"/>
                   </a:rPr>
-                  <a:t> 此时，</a:t>
+                  <a:t> 此时</a:t>
                 </a:r>
-                <a14:m>
-                  <m:oMath xmlns:m="http://schemas.openxmlformats.org/officeDocument/2006/math">
-                    <m:acc>
-                      <m:accPr>
-                        <m:chr m:val="⃗"/>
-                        <m:ctrlPr>
-                          <a:rPr lang="zh-CN" altLang="en-US" sz="1600" i="1">
-                            <a:latin typeface="Cambria Math" panose="02040503050406030204" pitchFamily="18" charset="0"/>
-                          </a:rPr>
-                        </m:ctrlPr>
-                      </m:accPr>
-                      <m:e>
-                        <m:r>
-                          <m:rPr>
-                            <m:sty m:val="p"/>
-                          </m:rPr>
-                          <a:rPr lang="en-US" altLang="zh-CN" sz="1600" i="1" smtClean="0">
-                            <a:latin typeface="Cambria Math" panose="02040503050406030204" pitchFamily="18" charset="0"/>
-                          </a:rPr>
-                          <m:t>A</m:t>
-                        </m:r>
-                      </m:e>
-                    </m:acc>
-                  </m:oMath>
-                </a14:m>
                 <a:r>
-                  <a:rPr lang="zh-CN" altLang="en-US" sz="1600" i="1" dirty="0"/>
+                  <a:rPr lang="zh-CN" altLang="zh-CN" sz="1600" b="1" dirty="0">
+                    <a:solidFill>
+                      <a:schemeClr val="accent6">
+                        <a:lumMod val="75000"/>
+                      </a:schemeClr>
+                    </a:solidFill>
+                    <a:ea typeface="STIXMathJax_Normal-italic"/>
+                  </a:rPr>
+                  <a:t>𝑎</a:t>
+                </a:r>
+                <a:r>
+                  <a:rPr lang="en-US" altLang="zh-CN" sz="1600" b="1" dirty="0">
+                    <a:solidFill>
+                      <a:schemeClr val="accent6">
+                        <a:lumMod val="75000"/>
+                      </a:schemeClr>
+                    </a:solidFill>
+                    <a:ea typeface="STIXMathJax_Normal-italic"/>
+                  </a:rPr>
                   <a:t> </a:t>
                 </a:r>
                 <a:r>
@@ -8540,7 +8552,7 @@
                 </a:r>
               </a:p>
               <a:p>
-                <a:pPr marL="285750" lvl="0" indent="-285750" algn="l" rtl="0">
+                <a:pPr marL="285750" lvl="0" indent="-285750" rtl="0">
                   <a:buFont typeface="Wingdings" panose="05000000000000000000" pitchFamily="2" charset="2"/>
                   <a:buChar char="l"/>
                 </a:pPr>
@@ -8585,39 +8597,23 @@
                 </a:r>
                 <a14:m>
                   <m:oMath xmlns:m="http://schemas.openxmlformats.org/officeDocument/2006/math">
-                    <m:acc>
-                      <m:accPr>
-                        <m:chr m:val="⃗"/>
-                        <m:ctrlPr>
-                          <a:rPr lang="zh-CN" altLang="en-US" sz="1600" i="1">
-                            <a:latin typeface="Cambria Math" panose="02040503050406030204" pitchFamily="18" charset="0"/>
-                          </a:rPr>
-                        </m:ctrlPr>
-                      </m:accPr>
-                      <m:e>
-                        <m:r>
-                          <m:rPr>
-                            <m:sty m:val="p"/>
-                          </m:rPr>
-                          <a:rPr lang="en-US" altLang="zh-CN" sz="1600" i="1">
-                            <a:latin typeface="Cambria Math" panose="02040503050406030204" pitchFamily="18" charset="0"/>
-                          </a:rPr>
-                          <m:t>A</m:t>
-                        </m:r>
-                        <m:r>
-                          <a:rPr lang="en-US" altLang="zh-CN" sz="1600" i="1" baseline="-25000">
-                            <a:latin typeface="Cambria Math" panose="02040503050406030204" pitchFamily="18" charset="0"/>
-                          </a:rPr>
-                          <m:t>2</m:t>
-                        </m:r>
-                      </m:e>
-                    </m:acc>
+                    <m:r>
+                      <m:rPr>
+                        <m:sty m:val="p"/>
+                      </m:rPr>
+                      <a:rPr lang="en-US" altLang="zh-CN" sz="1600" i="1">
+                        <a:latin typeface="Cambria Math" panose="02040503050406030204" pitchFamily="18" charset="0"/>
+                      </a:rPr>
+                      <m:t>A</m:t>
+                    </m:r>
+                    <m:r>
+                      <a:rPr lang="en-US" altLang="zh-CN" sz="1600" i="1" baseline="-25000">
+                        <a:latin typeface="Cambria Math" panose="02040503050406030204" pitchFamily="18" charset="0"/>
+                      </a:rPr>
+                      <m:t>2 </m:t>
+                    </m:r>
                   </m:oMath>
                 </a14:m>
-                <a:r>
-                  <a:rPr lang="zh-CN" altLang="en-US" sz="1600" i="1" dirty="0"/>
-                  <a:t> </a:t>
-                </a:r>
                 <a:r>
                   <a:rPr lang="zh-CN" altLang="zh-CN" sz="1600" dirty="0">
                     <a:ea typeface="-apple-system"/>
@@ -8815,45 +8811,22 @@
                   </a:rPr>
                   <a:t>此时 </a:t>
                 </a:r>
-                <a:r>
-                  <a:rPr lang="zh-CN" altLang="en-US" sz="1600" dirty="0"/>
-                  <a:t> </a:t>
-                </a:r>
                 <a14:m>
                   <m:oMath xmlns:m="http://schemas.openxmlformats.org/officeDocument/2006/math">
-                    <m:acc>
-                      <m:accPr>
-                        <m:chr m:val="⃗"/>
-                        <m:ctrlPr>
-                          <a:rPr lang="zh-CN" altLang="en-US" sz="1600" i="1">
-                            <a:latin typeface="Cambria Math" panose="02040503050406030204" pitchFamily="18" charset="0"/>
-                          </a:rPr>
-                        </m:ctrlPr>
-                      </m:accPr>
-                      <m:e>
-                        <m:r>
-                          <m:rPr>
-                            <m:sty m:val="p"/>
-                          </m:rPr>
-                          <a:rPr lang="en-US" altLang="zh-CN" sz="1600" i="1">
-                            <a:latin typeface="Cambria Math" panose="02040503050406030204" pitchFamily="18" charset="0"/>
-                          </a:rPr>
-                          <m:t>A</m:t>
-                        </m:r>
-                        <m:r>
-                          <a:rPr lang="en-US" altLang="zh-CN" sz="1600" i="1" baseline="-25000" smtClean="0">
-                            <a:latin typeface="Cambria Math" panose="02040503050406030204" pitchFamily="18" charset="0"/>
-                          </a:rPr>
-                          <m:t>2</m:t>
-                        </m:r>
-                      </m:e>
-                    </m:acc>
+                    <m:r>
+                      <a:rPr lang="en-US" altLang="zh-CN" sz="1600" i="1">
+                        <a:latin typeface="Cambria Math" panose="02040503050406030204" pitchFamily="18" charset="0"/>
+                      </a:rPr>
+                      <m:t>𝐴</m:t>
+                    </m:r>
+                    <m:r>
+                      <a:rPr lang="en-US" altLang="zh-CN" sz="1600" i="1" baseline="-25000">
+                        <a:latin typeface="Cambria Math" panose="02040503050406030204" pitchFamily="18" charset="0"/>
+                      </a:rPr>
+                      <m:t>2</m:t>
+                    </m:r>
                   </m:oMath>
                 </a14:m>
-                <a:r>
-                  <a:rPr lang="zh-CN" altLang="en-US" sz="1600" i="1" dirty="0"/>
-                  <a:t> </a:t>
-                </a:r>
                 <a:r>
                   <a:rPr kumimoji="0" lang="zh-CN" altLang="zh-CN" sz="1600" b="0" i="0" u="none" strike="noStrike" cap="none" normalizeH="0" baseline="0" dirty="0">
                     <a:ln>
@@ -9013,7 +8986,7 @@
                 </a:r>
               </a:p>
               <a:p>
-                <a:pPr marL="285750" lvl="0" indent="-285750" algn="l" rtl="0">
+                <a:pPr marL="285750" lvl="0" indent="-285750" rtl="0">
                   <a:buFont typeface="Wingdings" panose="05000000000000000000" pitchFamily="2" charset="2"/>
                   <a:buChar char="l"/>
                 </a:pPr>
@@ -9086,39 +9059,20 @@
                 </a:r>
                 <a14:m>
                   <m:oMath xmlns:m="http://schemas.openxmlformats.org/officeDocument/2006/math">
-                    <m:acc>
-                      <m:accPr>
-                        <m:chr m:val="⃗"/>
-                        <m:ctrlPr>
-                          <a:rPr lang="zh-CN" altLang="en-US" sz="1600" i="1">
-                            <a:latin typeface="Cambria Math" panose="02040503050406030204" pitchFamily="18" charset="0"/>
-                          </a:rPr>
-                        </m:ctrlPr>
-                      </m:accPr>
-                      <m:e>
-                        <m:r>
-                          <m:rPr>
-                            <m:sty m:val="p"/>
-                          </m:rPr>
-                          <a:rPr lang="en-US" altLang="zh-CN" sz="1600" i="1">
-                            <a:latin typeface="Cambria Math" panose="02040503050406030204" pitchFamily="18" charset="0"/>
-                          </a:rPr>
-                          <m:t>A</m:t>
-                        </m:r>
-                        <m:r>
-                          <a:rPr lang="en-US" altLang="zh-CN" sz="1600" i="1" baseline="-25000">
-                            <a:latin typeface="Cambria Math" panose="02040503050406030204" pitchFamily="18" charset="0"/>
-                          </a:rPr>
-                          <m:t>2</m:t>
-                        </m:r>
-                      </m:e>
-                    </m:acc>
+                    <m:r>
+                      <a:rPr lang="en-US" altLang="zh-CN" sz="1600" i="1">
+                        <a:latin typeface="Cambria Math" panose="02040503050406030204" pitchFamily="18" charset="0"/>
+                      </a:rPr>
+                      <m:t>𝐴</m:t>
+                    </m:r>
+                    <m:r>
+                      <a:rPr lang="en-US" altLang="zh-CN" sz="1600" i="1" baseline="-25000">
+                        <a:latin typeface="Cambria Math" panose="02040503050406030204" pitchFamily="18" charset="0"/>
+                      </a:rPr>
+                      <m:t>2</m:t>
+                    </m:r>
                   </m:oMath>
                 </a14:m>
-                <a:r>
-                  <a:rPr lang="zh-CN" altLang="en-US" sz="1600" i="1" dirty="0"/>
-                  <a:t> </a:t>
-                </a:r>
                 <a:r>
                   <a:rPr lang="zh-CN" altLang="zh-CN" sz="1600" dirty="0">
                     <a:ea typeface="-apple-system"/>
@@ -9136,49 +9090,28 @@
                     <a:effectLst/>
                     <a:ea typeface="-apple-system"/>
                   </a:rPr>
-                  <a:t> 将转变为一个列向量 </a:t>
+                  <a:t> 将转变为一个列向量</a:t>
+                </a:r>
+                <a:r>
+                  <a:rPr lang="en-US" altLang="zh-CN" sz="1600" dirty="0"/>
+                  <a:t> </a:t>
                 </a:r>
                 <a14:m>
                   <m:oMath xmlns:m="http://schemas.openxmlformats.org/officeDocument/2006/math">
-                    <m:acc>
-                      <m:accPr>
-                        <m:chr m:val="⃗"/>
-                        <m:ctrlPr>
-                          <a:rPr lang="zh-CN" altLang="en-US" sz="1600" i="1">
-                            <a:latin typeface="Cambria Math" panose="02040503050406030204" pitchFamily="18" charset="0"/>
-                          </a:rPr>
-                        </m:ctrlPr>
-                      </m:accPr>
-                      <m:e>
-                        <m:r>
-                          <m:rPr>
-                            <m:sty m:val="p"/>
-                          </m:rPr>
-                          <a:rPr lang="en-US" altLang="zh-CN" sz="1600" i="1" smtClean="0">
-                            <a:latin typeface="Cambria Math" panose="02040503050406030204" pitchFamily="18" charset="0"/>
-                          </a:rPr>
-                          <m:t>B</m:t>
-                        </m:r>
-                        <m:r>
-                          <a:rPr lang="en-US" altLang="zh-CN" sz="1600" i="1" baseline="-25000">
-                            <a:latin typeface="Cambria Math" panose="02040503050406030204" pitchFamily="18" charset="0"/>
-                          </a:rPr>
-                          <m:t>2</m:t>
-                        </m:r>
-                      </m:e>
-                    </m:acc>
+                    <m:r>
+                      <a:rPr lang="en-US" altLang="zh-CN" sz="1600" b="0" i="1" smtClean="0">
+                        <a:latin typeface="Cambria Math" panose="02040503050406030204" pitchFamily="18" charset="0"/>
+                      </a:rPr>
+                      <m:t>𝐵</m:t>
+                    </m:r>
+                    <m:r>
+                      <a:rPr lang="en-US" altLang="zh-CN" sz="1600" i="1" baseline="-25000">
+                        <a:latin typeface="Cambria Math" panose="02040503050406030204" pitchFamily="18" charset="0"/>
+                      </a:rPr>
+                      <m:t>2 </m:t>
+                    </m:r>
                   </m:oMath>
                 </a14:m>
-                <a:r>
-                  <a:rPr lang="zh-CN" altLang="en-US" sz="1600" i="1" dirty="0"/>
-                  <a:t> </a:t>
-                </a:r>
-                <a:r>
-                  <a:rPr lang="zh-CN" altLang="zh-CN" sz="1600" dirty="0">
-                    <a:ea typeface="-apple-system"/>
-                  </a:rPr>
-                  <a:t> </a:t>
-                </a:r>
                 <a:r>
                   <a:rPr kumimoji="0" lang="zh-CN" altLang="zh-CN" sz="1600" b="0" i="0" u="none" strike="noStrike" cap="none" normalizeH="0" baseline="0" dirty="0">
                     <a:ln>
@@ -9190,7 +9123,7 @@
                     <a:effectLst/>
                     <a:ea typeface="-apple-system"/>
                   </a:rPr>
-                  <a:t> ，</a:t>
+                  <a:t>，</a:t>
                 </a:r>
                 <a:r>
                   <a:rPr kumimoji="0" lang="zh-CN" altLang="zh-CN" sz="1600" b="0" i="1" u="none" strike="noStrike" cap="none" normalizeH="0" baseline="0" dirty="0">
@@ -9272,47 +9205,32 @@
                   </a:rPr>
                   <a:t> (4, 1) ，表示为: </a:t>
                 </a:r>
+                <a:r>
+                  <a:rPr lang="en-US" altLang="zh-CN" sz="1600" dirty="0"/>
+                  <a:t> </a:t>
+                </a:r>
                 <a14:m>
                   <m:oMath xmlns:m="http://schemas.openxmlformats.org/officeDocument/2006/math">
-                    <m:acc>
-                      <m:accPr>
-                        <m:chr m:val="⃗"/>
-                        <m:ctrlPr>
-                          <a:rPr lang="zh-CN" altLang="en-US" sz="1600" i="1">
-                            <a:latin typeface="Cambria Math" panose="02040503050406030204" pitchFamily="18" charset="0"/>
-                          </a:rPr>
-                        </m:ctrlPr>
-                      </m:accPr>
-                      <m:e>
-                        <m:r>
-                          <m:rPr>
-                            <m:sty m:val="p"/>
-                          </m:rPr>
-                          <a:rPr lang="en-US" altLang="zh-CN" sz="1600" i="1">
-                            <a:latin typeface="Cambria Math" panose="02040503050406030204" pitchFamily="18" charset="0"/>
-                          </a:rPr>
-                          <m:t>A</m:t>
-                        </m:r>
-                        <m:r>
-                          <a:rPr lang="en-US" altLang="zh-CN" sz="1600" b="0" i="1" baseline="-25000" smtClean="0">
-                            <a:latin typeface="Cambria Math" panose="02040503050406030204" pitchFamily="18" charset="0"/>
-                          </a:rPr>
-                          <m:t>3</m:t>
-                        </m:r>
-                      </m:e>
-                    </m:acc>
+                    <m:r>
+                      <a:rPr lang="en-US" altLang="zh-CN" sz="1600" i="1">
+                        <a:latin typeface="Cambria Math" panose="02040503050406030204" pitchFamily="18" charset="0"/>
+                      </a:rPr>
+                      <m:t>𝐴</m:t>
+                    </m:r>
+                    <m:r>
+                      <a:rPr lang="en-US" altLang="zh-CN" sz="1600" b="0" i="1" baseline="-25000" smtClean="0">
+                        <a:latin typeface="Cambria Math" panose="02040503050406030204" pitchFamily="18" charset="0"/>
+                      </a:rPr>
+                      <m:t>3</m:t>
+                    </m:r>
+                    <m:r>
+                      <a:rPr lang="en-US" altLang="zh-CN" sz="1600" i="1" baseline="-25000">
+                        <a:latin typeface="Cambria Math" panose="02040503050406030204" pitchFamily="18" charset="0"/>
+                      </a:rPr>
+                      <m:t> </m:t>
+                    </m:r>
                   </m:oMath>
                 </a14:m>
-                <a:r>
-                  <a:rPr lang="zh-CN" altLang="en-US" sz="1600" i="1" dirty="0"/>
-                  <a:t> </a:t>
-                </a:r>
-                <a:r>
-                  <a:rPr lang="zh-CN" altLang="zh-CN" sz="1600" dirty="0">
-                    <a:ea typeface="-apple-system"/>
-                  </a:rPr>
-                  <a:t> </a:t>
-                </a:r>
                 <a:r>
                   <a:rPr kumimoji="0" lang="zh-CN" altLang="zh-CN" sz="1600" b="0" i="0" u="none" strike="noStrike" cap="none" normalizeH="0" baseline="0" dirty="0">
                     <a:ln>
@@ -9540,7 +9458,7 @@
             </p:txBody>
           </p:sp>
         </mc:Choice>
-        <mc:Fallback xmlns="">
+        <mc:Fallback>
           <p:sp>
             <p:nvSpPr>
               <p:cNvPr id="9" name="Rectangle 1">
@@ -9559,8 +9477,8 @@
             </p:nvSpPr>
             <p:spPr bwMode="auto">
               <a:xfrm>
-                <a:off x="0" y="1733550"/>
-                <a:ext cx="6857999" cy="3295660"/>
+                <a:off x="1" y="1815624"/>
+                <a:ext cx="6781800" cy="3131512"/>
               </a:xfrm>
               <a:prstGeom prst="rect">
                 <a:avLst/>
@@ -9568,7 +9486,7 @@
               <a:blipFill>
                 <a:blip r:embed="rId2"/>
                 <a:stretch>
-                  <a:fillRect l="-356"/>
+                  <a:fillRect l="-359" r="-359"/>
                 </a:stretch>
               </a:blipFill>
               <a:ln>
@@ -10221,10 +10139,10 @@
       </p:sp>
       <p:pic>
         <p:nvPicPr>
-          <p:cNvPr id="12" name="图片 11">
+          <p:cNvPr id="4" name="图片 3">
             <a:extLst>
               <a:ext uri="{FF2B5EF4-FFF2-40B4-BE49-F238E27FC236}">
-                <a16:creationId xmlns:a16="http://schemas.microsoft.com/office/drawing/2014/main" id="{2A1456A1-4C28-4083-B778-5EF12AEFD337}"/>
+                <a16:creationId xmlns:a16="http://schemas.microsoft.com/office/drawing/2014/main" id="{481B068C-D3CA-4B91-8829-2BA26DE59644}"/>
               </a:ext>
             </a:extLst>
           </p:cNvPr>
@@ -10235,13 +10153,71 @@
         </p:nvPicPr>
         <p:blipFill rotWithShape="1">
           <a:blip r:embed="rId2"/>
-          <a:srcRect l="6638" r="2279" b="2298"/>
+          <a:srcRect b="60370"/>
           <a:stretch/>
         </p:blipFill>
         <p:spPr>
           <a:xfrm>
-            <a:off x="533400" y="1047822"/>
-            <a:ext cx="6246481" cy="3954635"/>
+            <a:off x="152400" y="1170688"/>
+            <a:ext cx="5803357" cy="2038350"/>
+          </a:xfrm>
+          <a:prstGeom prst="rect">
+            <a:avLst/>
+          </a:prstGeom>
+        </p:spPr>
+      </p:pic>
+      <p:pic>
+        <p:nvPicPr>
+          <p:cNvPr id="6" name="图片 5">
+            <a:extLst>
+              <a:ext uri="{FF2B5EF4-FFF2-40B4-BE49-F238E27FC236}">
+                <a16:creationId xmlns:a16="http://schemas.microsoft.com/office/drawing/2014/main" id="{6D7E9364-C762-48D6-BD77-51D8D523F7F2}"/>
+              </a:ext>
+            </a:extLst>
+          </p:cNvPr>
+          <p:cNvPicPr>
+            <a:picLocks noChangeAspect="1"/>
+          </p:cNvPicPr>
+          <p:nvPr/>
+        </p:nvPicPr>
+        <p:blipFill rotWithShape="1">
+          <a:blip r:embed="rId2"/>
+          <a:srcRect t="37723" r="68487" b="22647"/>
+          <a:stretch/>
+        </p:blipFill>
+        <p:spPr>
+          <a:xfrm>
+            <a:off x="4107363" y="1318733"/>
+            <a:ext cx="1828800" cy="2038350"/>
+          </a:xfrm>
+          <a:prstGeom prst="rect">
+            <a:avLst/>
+          </a:prstGeom>
+        </p:spPr>
+      </p:pic>
+      <p:pic>
+        <p:nvPicPr>
+          <p:cNvPr id="7" name="图片 6">
+            <a:extLst>
+              <a:ext uri="{FF2B5EF4-FFF2-40B4-BE49-F238E27FC236}">
+                <a16:creationId xmlns:a16="http://schemas.microsoft.com/office/drawing/2014/main" id="{5AD29081-3A5C-421E-BC7F-BC4C2660B0CC}"/>
+              </a:ext>
+            </a:extLst>
+          </p:cNvPr>
+          <p:cNvPicPr>
+            <a:picLocks noChangeAspect="1"/>
+          </p:cNvPicPr>
+          <p:nvPr/>
+        </p:nvPicPr>
+        <p:blipFill rotWithShape="1">
+          <a:blip r:embed="rId2"/>
+          <a:srcRect t="77037"/>
+          <a:stretch/>
+        </p:blipFill>
+        <p:spPr>
+          <a:xfrm>
+            <a:off x="152400" y="3382262"/>
+            <a:ext cx="5803357" cy="1181100"/>
           </a:xfrm>
           <a:prstGeom prst="rect">
             <a:avLst/>
@@ -10258,92 +10234,6 @@
   <p:clrMapOvr>
     <a:masterClrMapping/>
   </p:clrMapOvr>
-  <p:timing>
-    <p:tnLst>
-      <p:par>
-        <p:cTn id="1" dur="indefinite" restart="never" nodeType="tmRoot">
-          <p:childTnLst>
-            <p:seq concurrent="1" nextAc="seek">
-              <p:cTn id="2" dur="indefinite" nodeType="mainSeq">
-                <p:childTnLst>
-                  <p:par>
-                    <p:cTn id="3" fill="hold">
-                      <p:stCondLst>
-                        <p:cond delay="indefinite"/>
-                        <p:cond evt="onBegin" delay="0">
-                          <p:tn val="2"/>
-                        </p:cond>
-                      </p:stCondLst>
-                      <p:childTnLst>
-                        <p:par>
-                          <p:cTn id="4" fill="hold">
-                            <p:stCondLst>
-                              <p:cond delay="0"/>
-                            </p:stCondLst>
-                            <p:childTnLst>
-                              <p:par>
-                                <p:cTn id="5" presetID="22" presetClass="entr" presetSubtype="4" fill="hold" nodeType="afterEffect">
-                                  <p:stCondLst>
-                                    <p:cond delay="0"/>
-                                  </p:stCondLst>
-                                  <p:childTnLst>
-                                    <p:set>
-                                      <p:cBhvr>
-                                        <p:cTn id="6" dur="1" fill="hold">
-                                          <p:stCondLst>
-                                            <p:cond delay="0"/>
-                                          </p:stCondLst>
-                                        </p:cTn>
-                                        <p:tgtEl>
-                                          <p:spTgt spid="12"/>
-                                        </p:tgtEl>
-                                        <p:attrNameLst>
-                                          <p:attrName>style.visibility</p:attrName>
-                                        </p:attrNameLst>
-                                      </p:cBhvr>
-                                      <p:to>
-                                        <p:strVal val="visible"/>
-                                      </p:to>
-                                    </p:set>
-                                    <p:animEffect transition="in" filter="wipe(down)">
-                                      <p:cBhvr>
-                                        <p:cTn id="7" dur="500"/>
-                                        <p:tgtEl>
-                                          <p:spTgt spid="12"/>
-                                        </p:tgtEl>
-                                      </p:cBhvr>
-                                    </p:animEffect>
-                                  </p:childTnLst>
-                                </p:cTn>
-                              </p:par>
-                            </p:childTnLst>
-                          </p:cTn>
-                        </p:par>
-                      </p:childTnLst>
-                    </p:cTn>
-                  </p:par>
-                </p:childTnLst>
-              </p:cTn>
-              <p:prevCondLst>
-                <p:cond evt="onPrev" delay="0">
-                  <p:tgtEl>
-                    <p:sldTgt/>
-                  </p:tgtEl>
-                </p:cond>
-              </p:prevCondLst>
-              <p:nextCondLst>
-                <p:cond evt="onNext" delay="0">
-                  <p:tgtEl>
-                    <p:sldTgt/>
-                  </p:tgtEl>
-                </p:cond>
-              </p:nextCondLst>
-            </p:seq>
-          </p:childTnLst>
-        </p:cTn>
-      </p:par>
-    </p:tnLst>
-  </p:timing>
 </p:sld>
 </file>
 
@@ -10401,8 +10291,8 @@
           </a:p>
         </p:txBody>
       </p:sp>
-      <mc:AlternateContent xmlns:mc="http://schemas.openxmlformats.org/markup-compatibility/2006" xmlns:a14="http://schemas.microsoft.com/office/drawing/2010/main">
-        <mc:Choice Requires="a14">
+      <mc:AlternateContent xmlns:mc="http://schemas.openxmlformats.org/markup-compatibility/2006">
+        <mc:Choice xmlns:a14="http://schemas.microsoft.com/office/drawing/2010/main" Requires="a14">
           <p:sp>
             <p:nvSpPr>
               <p:cNvPr id="7" name="Rectangle 1">
@@ -10422,7 +10312,7 @@
             <p:spPr>
               <a:xfrm>
                 <a:off x="0" y="1047822"/>
-                <a:ext cx="6858000" cy="3725086"/>
+                <a:ext cx="6858000" cy="3565427"/>
               </a:xfrm>
             </p:spPr>
             <p:txBody>
@@ -10567,40 +10457,16 @@
                   <a:rPr lang="zh-CN" altLang="zh-CN" sz="1800" dirty="0"/>
                   <a:t>原始的一维向量</a:t>
                 </a:r>
-                <a14:m>
-                  <m:oMath xmlns:m="http://schemas.openxmlformats.org/officeDocument/2006/math">
-                    <m:r>
-                      <a:rPr lang="en-US" altLang="zh-CN" sz="1800" b="0" i="0" smtClean="0">
-                        <a:latin typeface="Cambria Math" panose="02040503050406030204" pitchFamily="18" charset="0"/>
-                      </a:rPr>
-                      <m:t> </m:t>
-                    </m:r>
-                    <m:acc>
-                      <m:accPr>
-                        <m:chr m:val="⃗"/>
-                        <m:ctrlPr>
-                          <a:rPr lang="zh-CN" altLang="en-US" sz="1800" i="1">
-                            <a:latin typeface="Cambria Math" panose="02040503050406030204" pitchFamily="18" charset="0"/>
-                          </a:rPr>
-                        </m:ctrlPr>
-                      </m:accPr>
-                      <m:e>
-                        <m:r>
-                          <m:rPr>
-                            <m:sty m:val="p"/>
-                          </m:rPr>
-                          <a:rPr lang="en-US" altLang="zh-CN" sz="1800" i="1">
-                            <a:latin typeface="Cambria Math" panose="02040503050406030204" pitchFamily="18" charset="0"/>
-                          </a:rPr>
-                          <m:t>A</m:t>
-                        </m:r>
-                      </m:e>
-                    </m:acc>
-                  </m:oMath>
-                </a14:m>
                 <a:r>
-                  <a:rPr lang="en-US" altLang="zh-CN" sz="1800" dirty="0"/>
-                  <a:t> </a:t>
+                  <a:rPr lang="zh-CN" altLang="zh-CN" sz="1800" b="1" dirty="0">
+                    <a:solidFill>
+                      <a:schemeClr val="accent6">
+                        <a:lumMod val="75000"/>
+                      </a:schemeClr>
+                    </a:solidFill>
+                    <a:ea typeface="STIXMathJax_Normal-italic"/>
+                  </a:rPr>
+                  <a:t>𝑎</a:t>
                 </a:r>
                 <a:r>
                   <a:rPr lang="zh-CN" altLang="zh-CN" sz="1800" dirty="0"/>
@@ -10612,11 +10478,11 @@
                       <a:srgbClr val="FFFF00"/>
                     </a:highlight>
                   </a:rPr>
-                  <a:t> .transpose()</a:t>
+                  <a:t>.transpose()</a:t>
                 </a:r>
                 <a:r>
-                  <a:rPr lang="zh-CN" altLang="zh-CN" sz="1800" dirty="0"/>
-                  <a:t>和</a:t>
+                  <a:rPr lang="zh-CN" altLang="en-US" sz="1800" dirty="0"/>
+                  <a:t>或</a:t>
                 </a:r>
                 <a:r>
                   <a:rPr lang="zh-CN" altLang="zh-CN" sz="1800" dirty="0">
@@ -10630,69 +10496,27 @@
                   <a:rPr lang="zh-CN" altLang="zh-CN" sz="1800" dirty="0"/>
                   <a:t>转换后的向量</a:t>
                 </a:r>
-                <a:r>
-                  <a:rPr lang="en-US" altLang="zh-CN" sz="1800" dirty="0"/>
-                  <a:t> </a:t>
-                </a:r>
                 <a14:m>
                   <m:oMath xmlns:m="http://schemas.openxmlformats.org/officeDocument/2006/math">
-                    <m:acc>
-                      <m:accPr>
-                        <m:chr m:val="⃗"/>
-                        <m:ctrlPr>
-                          <a:rPr lang="zh-CN" altLang="en-US" sz="1800" i="1">
-                            <a:latin typeface="Cambria Math" panose="02040503050406030204" pitchFamily="18" charset="0"/>
-                          </a:rPr>
-                        </m:ctrlPr>
-                      </m:accPr>
-                      <m:e>
-                        <m:r>
-                          <a:rPr lang="en-US" altLang="zh-CN" sz="1800" b="0" i="1" smtClean="0">
-                            <a:latin typeface="Cambria Math" panose="02040503050406030204" pitchFamily="18" charset="0"/>
-                          </a:rPr>
-                          <m:t>𝐵</m:t>
-                        </m:r>
-                      </m:e>
-                    </m:acc>
+                    <m:r>
+                      <a:rPr lang="en-US" altLang="zh-CN" sz="1800" b="1" i="1" smtClean="0">
+                        <a:latin typeface="Cambria Math" panose="02040503050406030204" pitchFamily="18" charset="0"/>
+                      </a:rPr>
+                      <m:t>𝒃</m:t>
+                    </m:r>
                   </m:oMath>
                 </a14:m>
-                <a:r>
-                  <a:rPr lang="en-US" altLang="zh-CN" sz="1800" dirty="0"/>
-                  <a:t> </a:t>
-                </a:r>
                 <a:r>
                   <a:rPr lang="zh-CN" altLang="zh-CN" sz="1800" dirty="0"/>
                   <a:t>和</a:t>
                 </a:r>
-                <a:r>
-                  <a:rPr lang="en-US" altLang="zh-CN" sz="1800" dirty="0"/>
-                  <a:t> </a:t>
-                </a:r>
                 <a14:m>
                   <m:oMath xmlns:m="http://schemas.openxmlformats.org/officeDocument/2006/math">
-                    <m:acc>
-                      <m:accPr>
-                        <m:chr m:val="⃗"/>
-                        <m:ctrlPr>
-                          <a:rPr lang="zh-CN" altLang="en-US" sz="1800" i="1">
-                            <a:latin typeface="Cambria Math" panose="02040503050406030204" pitchFamily="18" charset="0"/>
-                          </a:rPr>
-                        </m:ctrlPr>
-                      </m:accPr>
-                      <m:e>
-                        <m:r>
-                          <a:rPr lang="en-US" altLang="zh-CN" sz="1800" b="0" i="1" smtClean="0">
-                            <a:latin typeface="Cambria Math" panose="02040503050406030204" pitchFamily="18" charset="0"/>
-                          </a:rPr>
-                          <m:t>𝐶</m:t>
-                        </m:r>
-                      </m:e>
-                    </m:acc>
                     <m:r>
-                      <a:rPr lang="en-US" altLang="zh-CN" sz="1800" i="1" baseline="-25000">
+                      <a:rPr lang="en-US" altLang="zh-CN" sz="1800" b="1" i="1" dirty="0">
                         <a:latin typeface="Cambria Math" panose="02040503050406030204" pitchFamily="18" charset="0"/>
                       </a:rPr>
-                      <m:t> </m:t>
+                      <m:t>𝒄</m:t>
                     </m:r>
                   </m:oMath>
                 </a14:m>
@@ -10738,38 +10562,26 @@
                 </a:r>
                 <a14:m>
                   <m:oMath xmlns:m="http://schemas.openxmlformats.org/officeDocument/2006/math">
-                    <m:acc>
-                      <m:accPr>
-                        <m:chr m:val="⃗"/>
-                        <m:ctrlPr>
-                          <a:rPr lang="zh-CN" altLang="en-US" sz="1800" i="1">
-                            <a:latin typeface="Cambria Math" panose="02040503050406030204" pitchFamily="18" charset="0"/>
-                          </a:rPr>
-                        </m:ctrlPr>
-                      </m:accPr>
-                      <m:e>
-                        <m:r>
-                          <m:rPr>
-                            <m:sty m:val="p"/>
-                          </m:rPr>
-                          <a:rPr lang="en-US" altLang="zh-CN" sz="1800" i="1">
-                            <a:latin typeface="Cambria Math" panose="02040503050406030204" pitchFamily="18" charset="0"/>
-                          </a:rPr>
-                          <m:t>A</m:t>
-                        </m:r>
-                        <m:r>
-                          <a:rPr lang="en-US" altLang="zh-CN" sz="1800" i="1" baseline="-25000">
-                            <a:latin typeface="Cambria Math" panose="02040503050406030204" pitchFamily="18" charset="0"/>
-                          </a:rPr>
-                          <m:t>2</m:t>
-                        </m:r>
-                      </m:e>
-                    </m:acc>
+                    <m:r>
+                      <m:rPr>
+                        <m:sty m:val="p"/>
+                      </m:rPr>
+                      <a:rPr lang="en-US" altLang="zh-CN" sz="1800" i="1">
+                        <a:latin typeface="Cambria Math" panose="02040503050406030204" pitchFamily="18" charset="0"/>
+                      </a:rPr>
+                      <m:t>A</m:t>
+                    </m:r>
+                    <m:r>
+                      <a:rPr lang="en-US" altLang="zh-CN" sz="1800" i="1" baseline="-25000">
+                        <a:latin typeface="Cambria Math" panose="02040503050406030204" pitchFamily="18" charset="0"/>
+                      </a:rPr>
+                      <m:t>2</m:t>
+                    </m:r>
                   </m:oMath>
                 </a14:m>
                 <a:r>
                   <a:rPr lang="zh-CN" altLang="en-US" sz="1800" dirty="0"/>
-                  <a:t>是一个 </a:t>
+                  <a:t>是一个</a:t>
                 </a:r>
                 <a:r>
                   <a:rPr lang="en-US" altLang="zh-CN" sz="1800" dirty="0">
@@ -10924,7 +10736,7 @@
             </p:txBody>
           </p:sp>
         </mc:Choice>
-        <mc:Fallback xmlns="">
+        <mc:Fallback>
           <p:sp>
             <p:nvSpPr>
               <p:cNvPr id="7" name="Rectangle 1">
@@ -10944,7 +10756,7 @@
             <p:spPr>
               <a:xfrm>
                 <a:off x="0" y="1047822"/>
-                <a:ext cx="6858000" cy="3725086"/>
+                <a:ext cx="6858000" cy="3565427"/>
               </a:xfrm>
               <a:blipFill>
                 <a:blip r:embed="rId2"/>
@@ -11126,15 +10938,24 @@
                                   </p:childTnLst>
                                 </p:cTn>
                               </p:par>
+                            </p:childTnLst>
+                          </p:cTn>
+                        </p:par>
+                        <p:par>
+                          <p:cTn id="10" fill="hold">
+                            <p:stCondLst>
+                              <p:cond delay="1000"/>
+                            </p:stCondLst>
+                            <p:childTnLst>
                               <p:par>
-                                <p:cTn id="10" presetID="42" presetClass="entr" presetSubtype="0" fill="hold" nodeType="withEffect">
+                                <p:cTn id="11" presetID="42" presetClass="entr" presetSubtype="0" fill="hold" nodeType="afterEffect">
                                   <p:stCondLst>
                                     <p:cond delay="0"/>
                                   </p:stCondLst>
                                   <p:childTnLst>
                                     <p:set>
                                       <p:cBhvr>
-                                        <p:cTn id="11" dur="1" fill="hold">
+                                        <p:cTn id="12" dur="1" fill="hold">
                                           <p:stCondLst>
                                             <p:cond delay="0"/>
                                           </p:stCondLst>
@@ -11156,7 +10977,7 @@
                                     </p:set>
                                     <p:animEffect transition="in" filter="fade">
                                       <p:cBhvr>
-                                        <p:cTn id="12" dur="1000"/>
+                                        <p:cTn id="13" dur="1000"/>
                                         <p:tgtEl>
                                           <p:spTgt spid="7">
                                             <p:txEl>
@@ -11168,7 +10989,7 @@
                                     </p:animEffect>
                                     <p:anim calcmode="lin" valueType="num">
                                       <p:cBhvr>
-                                        <p:cTn id="13" dur="1000" fill="hold"/>
+                                        <p:cTn id="14" dur="1000" fill="hold"/>
                                         <p:tgtEl>
                                           <p:spTgt spid="7">
                                             <p:txEl>
@@ -11195,7 +11016,7 @@
                                     </p:anim>
                                     <p:anim calcmode="lin" valueType="num">
                                       <p:cBhvr>
-                                        <p:cTn id="14" dur="1000" fill="hold"/>
+                                        <p:cTn id="15" dur="1000" fill="hold"/>
                                         <p:tgtEl>
                                           <p:spTgt spid="7">
                                             <p:txEl>
@@ -11527,7 +11348,31 @@
             </a:r>
             <a:r>
               <a:rPr lang="zh-CN" altLang="en-US" sz="1800" dirty="0"/>
-              <a:t>就可以实现从一维到二维的转换。</a:t>
+              <a:t>就可以实现从</a:t>
+            </a:r>
+            <a:r>
+              <a:rPr lang="zh-CN" altLang="en-US" sz="1800" dirty="0">
+                <a:solidFill>
+                  <a:srgbClr val="00B050"/>
+                </a:solidFill>
+              </a:rPr>
+              <a:t>一维</a:t>
+            </a:r>
+            <a:r>
+              <a:rPr lang="zh-CN" altLang="en-US" sz="1800" dirty="0"/>
+              <a:t>到</a:t>
+            </a:r>
+            <a:r>
+              <a:rPr lang="zh-CN" altLang="en-US" sz="1800" dirty="0">
+                <a:solidFill>
+                  <a:srgbClr val="00B050"/>
+                </a:solidFill>
+              </a:rPr>
+              <a:t>二维</a:t>
+            </a:r>
+            <a:r>
+              <a:rPr lang="zh-CN" altLang="en-US" sz="1800" dirty="0"/>
+              <a:t>的转换。</a:t>
             </a:r>
             <a:endParaRPr lang="en-US" altLang="zh-CN" sz="1800" dirty="0"/>
           </a:p>
@@ -12247,8 +12092,8 @@
           <a:chExt cx="0" cy="0"/>
         </a:xfrm>
       </p:grpSpPr>
-      <mc:AlternateContent xmlns:mc="http://schemas.openxmlformats.org/markup-compatibility/2006" xmlns:a14="http://schemas.microsoft.com/office/drawing/2010/main">
-        <mc:Choice Requires="a14">
+      <mc:AlternateContent xmlns:mc="http://schemas.openxmlformats.org/markup-compatibility/2006">
+        <mc:Choice xmlns:a14="http://schemas.microsoft.com/office/drawing/2010/main" Requires="a14">
           <p:sp>
             <p:nvSpPr>
               <p:cNvPr id="5" name="内容占位符 4">
@@ -12268,7 +12113,7 @@
             <p:spPr>
               <a:xfrm>
                 <a:off x="0" y="582178"/>
-                <a:ext cx="6858000" cy="2652485"/>
+                <a:ext cx="6858000" cy="2738149"/>
               </a:xfrm>
             </p:spPr>
             <p:txBody>
@@ -12470,70 +12315,32 @@
                 </a:r>
                 <a14:m>
                   <m:oMath xmlns:m="http://schemas.openxmlformats.org/officeDocument/2006/math">
-                    <m:acc>
-                      <m:accPr>
-                        <m:chr m:val="⃗"/>
-                        <m:ctrlPr>
-                          <a:rPr lang="zh-CN" altLang="en-US" i="1" smtClean="0">
-                            <a:solidFill>
-                              <a:srgbClr val="0000FF"/>
-                            </a:solidFill>
-                            <a:latin typeface="Cambria Math" panose="02040503050406030204" pitchFamily="18" charset="0"/>
-                          </a:rPr>
-                        </m:ctrlPr>
-                      </m:accPr>
-                      <m:e>
-                        <m:r>
-                          <a:rPr lang="en-US" altLang="zh-CN" i="1">
-                            <a:solidFill>
-                              <a:srgbClr val="0000FF"/>
-                            </a:solidFill>
-                            <a:latin typeface="Cambria Math" panose="02040503050406030204" pitchFamily="18" charset="0"/>
-                          </a:rPr>
-                          <m:t>𝑢</m:t>
-                        </m:r>
-                      </m:e>
-                    </m:acc>
+                    <m:r>
+                      <a:rPr lang="en-US" altLang="zh-CN" i="1">
+                        <a:solidFill>
+                          <a:srgbClr val="0000FF"/>
+                        </a:solidFill>
+                        <a:latin typeface="Cambria Math" panose="02040503050406030204" pitchFamily="18" charset="0"/>
+                      </a:rPr>
+                      <m:t>𝑢</m:t>
+                    </m:r>
                   </m:oMath>
                 </a14:m>
                 <a:r>
-                  <a:rPr lang="en-US" altLang="zh-CN" i="1" dirty="0">
-                    <a:solidFill>
-                      <a:srgbClr val="0000FF"/>
-                    </a:solidFill>
-                  </a:rPr>
-                  <a:t> </a:t>
-                </a:r>
-                <a:r>
                   <a:rPr lang="zh-CN" altLang="en-US" dirty="0"/>
-                  <a:t>和 </a:t>
+                  <a:t> 和 </a:t>
                 </a:r>
                 <a14:m>
                   <m:oMath xmlns:m="http://schemas.openxmlformats.org/officeDocument/2006/math">
-                    <m:acc>
-                      <m:accPr>
-                        <m:chr m:val="⃗"/>
-                        <m:ctrlPr>
-                          <a:rPr lang="zh-CN" altLang="en-US" i="1" smtClean="0">
-                            <a:solidFill>
-                              <a:srgbClr val="0000FF"/>
-                            </a:solidFill>
-                            <a:latin typeface="Cambria Math" panose="02040503050406030204" pitchFamily="18" charset="0"/>
-                          </a:rPr>
-                        </m:ctrlPr>
-                      </m:accPr>
-                      <m:e>
-                        <m:r>
-                          <a:rPr lang="en-US" altLang="zh-CN" b="0" i="1" smtClean="0">
-                            <a:solidFill>
-                              <a:srgbClr val="0000FF"/>
-                            </a:solidFill>
-                            <a:latin typeface="Cambria Math" panose="02040503050406030204" pitchFamily="18" charset="0"/>
-                          </a:rPr>
-                          <m:t>𝑣</m:t>
-                        </m:r>
-                      </m:e>
-                    </m:acc>
+                    <m:r>
+                      <a:rPr lang="en-US" altLang="zh-CN" i="1">
+                        <a:solidFill>
+                          <a:srgbClr val="0000FF"/>
+                        </a:solidFill>
+                        <a:latin typeface="Cambria Math" panose="02040503050406030204" pitchFamily="18" charset="0"/>
+                      </a:rPr>
+                      <m:t>𝑣</m:t>
+                    </m:r>
                   </m:oMath>
                 </a14:m>
                 <a:r>
@@ -12564,7 +12371,7 @@
             </p:txBody>
           </p:sp>
         </mc:Choice>
-        <mc:Fallback xmlns="">
+        <mc:Fallback>
           <p:sp>
             <p:nvSpPr>
               <p:cNvPr id="5" name="内容占位符 4">
@@ -12584,7 +12391,7 @@
             <p:spPr>
               <a:xfrm>
                 <a:off x="0" y="582178"/>
-                <a:ext cx="6858000" cy="2652485"/>
+                <a:ext cx="6858000" cy="2738149"/>
               </a:xfrm>
               <a:blipFill>
                 <a:blip r:embed="rId2"/>
@@ -14742,7 +14549,7 @@
         </p:nvSpPr>
         <p:spPr>
           <a:xfrm>
-            <a:off x="3810000" y="1225094"/>
+            <a:off x="3964259" y="1242865"/>
             <a:ext cx="1905000" cy="646331"/>
           </a:xfrm>
           <a:prstGeom prst="rect">
@@ -15419,7 +15226,12 @@
             <p:ph sz="quarter" idx="11"/>
           </p:nvPr>
         </p:nvSpPr>
-        <p:spPr/>
+        <p:spPr>
+          <a:xfrm>
+            <a:off x="0" y="1047822"/>
+            <a:ext cx="6858000" cy="3452704"/>
+          </a:xfrm>
+        </p:spPr>
         <p:txBody>
           <a:bodyPr/>
           <a:lstStyle/>
@@ -15544,7 +15356,18 @@
             </a:r>
             <a:r>
               <a:rPr lang="zh-CN" altLang="en-US" dirty="0"/>
-              <a:t>意义上来说，可以理解为向量沿着所在直线的方向拉升相应的倍数，拉升的</a:t>
+              <a:t>意义上来说，可以理解为向量沿着所在直线的方向拉升相应的倍数，</a:t>
+            </a:r>
+            <a:endParaRPr lang="en-US" altLang="zh-CN" dirty="0"/>
+          </a:p>
+          <a:p>
+            <a:pPr marL="342900" indent="-342900">
+              <a:buFont typeface="Wingdings" panose="05000000000000000000" pitchFamily="2" charset="2"/>
+              <a:buChar char="l"/>
+            </a:pPr>
+            <a:r>
+              <a:rPr lang="zh-CN" altLang="en-US" dirty="0"/>
+              <a:t>拉升的</a:t>
             </a:r>
             <a:r>
               <a:rPr lang="zh-CN" altLang="en-US" b="1" dirty="0">
@@ -15568,7 +15391,18 @@
             </a:r>
             <a:r>
               <a:rPr lang="zh-CN" altLang="en-US" dirty="0"/>
-              <a:t>决定，拉升的</a:t>
+              <a:t>决定，</a:t>
+            </a:r>
+            <a:endParaRPr lang="en-US" altLang="zh-CN" dirty="0"/>
+          </a:p>
+          <a:p>
+            <a:pPr marL="342900" indent="-342900">
+              <a:buFont typeface="Wingdings" panose="05000000000000000000" pitchFamily="2" charset="2"/>
+              <a:buChar char="l"/>
+            </a:pPr>
+            <a:r>
+              <a:rPr lang="zh-CN" altLang="en-US" dirty="0"/>
+              <a:t>拉升的</a:t>
             </a:r>
             <a:r>
               <a:rPr lang="zh-CN" altLang="en-US" b="1" dirty="0">
@@ -15746,6 +15580,218 @@
                                           <p:spTgt spid="4">
                                             <p:txEl>
                                               <p:pRg st="0" end="0"/>
+                                            </p:txEl>
+                                          </p:spTgt>
+                                        </p:tgtEl>
+                                        <p:attrNameLst>
+                                          <p:attrName>ppt_y</p:attrName>
+                                        </p:attrNameLst>
+                                      </p:cBhvr>
+                                      <p:tavLst>
+                                        <p:tav tm="0">
+                                          <p:val>
+                                            <p:strVal val="#ppt_y+.1"/>
+                                          </p:val>
+                                        </p:tav>
+                                        <p:tav tm="100000">
+                                          <p:val>
+                                            <p:strVal val="#ppt_y"/>
+                                          </p:val>
+                                        </p:tav>
+                                      </p:tavLst>
+                                    </p:anim>
+                                  </p:childTnLst>
+                                </p:cTn>
+                              </p:par>
+                            </p:childTnLst>
+                          </p:cTn>
+                        </p:par>
+                        <p:par>
+                          <p:cTn id="10" fill="hold">
+                            <p:stCondLst>
+                              <p:cond delay="1000"/>
+                            </p:stCondLst>
+                            <p:childTnLst>
+                              <p:par>
+                                <p:cTn id="11" presetID="42" presetClass="entr" presetSubtype="0" fill="hold" grpId="0" nodeType="afterEffect">
+                                  <p:stCondLst>
+                                    <p:cond delay="0"/>
+                                  </p:stCondLst>
+                                  <p:childTnLst>
+                                    <p:set>
+                                      <p:cBhvr>
+                                        <p:cTn id="12" dur="1" fill="hold">
+                                          <p:stCondLst>
+                                            <p:cond delay="0"/>
+                                          </p:stCondLst>
+                                        </p:cTn>
+                                        <p:tgtEl>
+                                          <p:spTgt spid="4">
+                                            <p:txEl>
+                                              <p:pRg st="1" end="1"/>
+                                            </p:txEl>
+                                          </p:spTgt>
+                                        </p:tgtEl>
+                                        <p:attrNameLst>
+                                          <p:attrName>style.visibility</p:attrName>
+                                        </p:attrNameLst>
+                                      </p:cBhvr>
+                                      <p:to>
+                                        <p:strVal val="visible"/>
+                                      </p:to>
+                                    </p:set>
+                                    <p:animEffect transition="in" filter="fade">
+                                      <p:cBhvr>
+                                        <p:cTn id="13" dur="1000"/>
+                                        <p:tgtEl>
+                                          <p:spTgt spid="4">
+                                            <p:txEl>
+                                              <p:pRg st="1" end="1"/>
+                                            </p:txEl>
+                                          </p:spTgt>
+                                        </p:tgtEl>
+                                      </p:cBhvr>
+                                    </p:animEffect>
+                                    <p:anim calcmode="lin" valueType="num">
+                                      <p:cBhvr>
+                                        <p:cTn id="14" dur="1000" fill="hold"/>
+                                        <p:tgtEl>
+                                          <p:spTgt spid="4">
+                                            <p:txEl>
+                                              <p:pRg st="1" end="1"/>
+                                            </p:txEl>
+                                          </p:spTgt>
+                                        </p:tgtEl>
+                                        <p:attrNameLst>
+                                          <p:attrName>ppt_x</p:attrName>
+                                        </p:attrNameLst>
+                                      </p:cBhvr>
+                                      <p:tavLst>
+                                        <p:tav tm="0">
+                                          <p:val>
+                                            <p:strVal val="#ppt_x"/>
+                                          </p:val>
+                                        </p:tav>
+                                        <p:tav tm="100000">
+                                          <p:val>
+                                            <p:strVal val="#ppt_x"/>
+                                          </p:val>
+                                        </p:tav>
+                                      </p:tavLst>
+                                    </p:anim>
+                                    <p:anim calcmode="lin" valueType="num">
+                                      <p:cBhvr>
+                                        <p:cTn id="15" dur="1000" fill="hold"/>
+                                        <p:tgtEl>
+                                          <p:spTgt spid="4">
+                                            <p:txEl>
+                                              <p:pRg st="1" end="1"/>
+                                            </p:txEl>
+                                          </p:spTgt>
+                                        </p:tgtEl>
+                                        <p:attrNameLst>
+                                          <p:attrName>ppt_y</p:attrName>
+                                        </p:attrNameLst>
+                                      </p:cBhvr>
+                                      <p:tavLst>
+                                        <p:tav tm="0">
+                                          <p:val>
+                                            <p:strVal val="#ppt_y+.1"/>
+                                          </p:val>
+                                        </p:tav>
+                                        <p:tav tm="100000">
+                                          <p:val>
+                                            <p:strVal val="#ppt_y"/>
+                                          </p:val>
+                                        </p:tav>
+                                      </p:tavLst>
+                                    </p:anim>
+                                  </p:childTnLst>
+                                </p:cTn>
+                              </p:par>
+                            </p:childTnLst>
+                          </p:cTn>
+                        </p:par>
+                        <p:par>
+                          <p:cTn id="16" fill="hold">
+                            <p:stCondLst>
+                              <p:cond delay="2000"/>
+                            </p:stCondLst>
+                            <p:childTnLst>
+                              <p:par>
+                                <p:cTn id="17" presetID="42" presetClass="entr" presetSubtype="0" fill="hold" grpId="0" nodeType="afterEffect">
+                                  <p:stCondLst>
+                                    <p:cond delay="0"/>
+                                  </p:stCondLst>
+                                  <p:childTnLst>
+                                    <p:set>
+                                      <p:cBhvr>
+                                        <p:cTn id="18" dur="1" fill="hold">
+                                          <p:stCondLst>
+                                            <p:cond delay="0"/>
+                                          </p:stCondLst>
+                                        </p:cTn>
+                                        <p:tgtEl>
+                                          <p:spTgt spid="4">
+                                            <p:txEl>
+                                              <p:pRg st="2" end="2"/>
+                                            </p:txEl>
+                                          </p:spTgt>
+                                        </p:tgtEl>
+                                        <p:attrNameLst>
+                                          <p:attrName>style.visibility</p:attrName>
+                                        </p:attrNameLst>
+                                      </p:cBhvr>
+                                      <p:to>
+                                        <p:strVal val="visible"/>
+                                      </p:to>
+                                    </p:set>
+                                    <p:animEffect transition="in" filter="fade">
+                                      <p:cBhvr>
+                                        <p:cTn id="19" dur="1000"/>
+                                        <p:tgtEl>
+                                          <p:spTgt spid="4">
+                                            <p:txEl>
+                                              <p:pRg st="2" end="2"/>
+                                            </p:txEl>
+                                          </p:spTgt>
+                                        </p:tgtEl>
+                                      </p:cBhvr>
+                                    </p:animEffect>
+                                    <p:anim calcmode="lin" valueType="num">
+                                      <p:cBhvr>
+                                        <p:cTn id="20" dur="1000" fill="hold"/>
+                                        <p:tgtEl>
+                                          <p:spTgt spid="4">
+                                            <p:txEl>
+                                              <p:pRg st="2" end="2"/>
+                                            </p:txEl>
+                                          </p:spTgt>
+                                        </p:tgtEl>
+                                        <p:attrNameLst>
+                                          <p:attrName>ppt_x</p:attrName>
+                                        </p:attrNameLst>
+                                      </p:cBhvr>
+                                      <p:tavLst>
+                                        <p:tav tm="0">
+                                          <p:val>
+                                            <p:strVal val="#ppt_x"/>
+                                          </p:val>
+                                        </p:tav>
+                                        <p:tav tm="100000">
+                                          <p:val>
+                                            <p:strVal val="#ppt_x"/>
+                                          </p:val>
+                                        </p:tav>
+                                      </p:tavLst>
+                                    </p:anim>
+                                    <p:anim calcmode="lin" valueType="num">
+                                      <p:cBhvr>
+                                        <p:cTn id="21" dur="1000" fill="hold"/>
+                                        <p:tgtEl>
+                                          <p:spTgt spid="4">
+                                            <p:txEl>
+                                              <p:pRg st="2" end="2"/>
                                             </p:txEl>
                                           </p:spTgt>
                                         </p:tgtEl>
@@ -15922,7 +15968,7 @@
         </p:blipFill>
         <p:spPr>
           <a:xfrm>
-            <a:off x="0" y="1159258"/>
+            <a:off x="11373" y="1123950"/>
             <a:ext cx="6858000" cy="3852161"/>
           </a:xfrm>
           <a:prstGeom prst="rect">
@@ -16144,41 +16190,29 @@
                 </a:r>
                 <a:r>
                   <a:rPr lang="zh-CN" altLang="en-US" dirty="0"/>
-                  <a:t>维向量 </a:t>
+                  <a:t>维向量</a:t>
                 </a:r>
                 <a14:m>
                   <m:oMath xmlns:m="http://schemas.openxmlformats.org/officeDocument/2006/math">
-                    <m:acc>
-                      <m:accPr>
-                        <m:chr m:val="⃗"/>
-                        <m:ctrlPr>
-                          <a:rPr lang="zh-CN" altLang="en-US" i="1" smtClean="0">
-                            <a:latin typeface="Cambria Math" panose="02040503050406030204" pitchFamily="18" charset="0"/>
-                          </a:rPr>
-                        </m:ctrlPr>
-                      </m:accPr>
-                      <m:e>
-                        <m:r>
-                          <a:rPr lang="en-US" altLang="zh-CN" i="1">
-                            <a:latin typeface="Cambria Math" panose="02040503050406030204" pitchFamily="18" charset="0"/>
-                          </a:rPr>
-                          <m:t>𝑢</m:t>
-                        </m:r>
-                      </m:e>
-                    </m:acc>
+                    <m:r>
+                      <a:rPr lang="en-US" altLang="zh-CN" b="1" i="1">
+                        <a:latin typeface="Cambria Math" panose="02040503050406030204" pitchFamily="18" charset="0"/>
+                      </a:rPr>
+                      <m:t>𝒖</m:t>
+                    </m:r>
                   </m:oMath>
                 </a14:m>
-                <a:r>
-                  <a:rPr lang="zh-CN" altLang="en-US" i="1" dirty="0"/>
-                  <a:t> </a:t>
-                </a:r>
                 <a:r>
                   <a:rPr lang="zh-CN" altLang="en-US" dirty="0"/>
                   <a:t>和一个标量</a:t>
                 </a:r>
                 <a:r>
+                  <a:rPr lang="en-US" altLang="zh-CN" b="1" i="1" dirty="0"/>
+                  <a:t>v</a:t>
+                </a:r>
+                <a:r>
                   <a:rPr lang="en-US" altLang="zh-CN" i="1" dirty="0"/>
-                  <a:t>v </a:t>
+                  <a:t> </a:t>
                 </a:r>
                 <a:r>
                   <a:rPr lang="zh-CN" altLang="en-US" dirty="0"/>
@@ -16254,8 +16288,8 @@
         </p:blipFill>
         <p:spPr>
           <a:xfrm>
-            <a:off x="1390905" y="2114550"/>
-            <a:ext cx="4076190" cy="2657143"/>
+            <a:off x="1142999" y="2190750"/>
+            <a:ext cx="3623733" cy="2362200"/>
           </a:xfrm>
           <a:prstGeom prst="rect">
             <a:avLst/>
@@ -17004,34 +17038,16 @@
               <a:p>
                 <a:r>
                   <a:rPr lang="zh-CN" altLang="en-US" dirty="0"/>
-                  <a:t>       向量的数乘是没有方向的，无论左乘还是右乘都具有相同的效果，这意味着 </a:t>
+                  <a:t>       向量的数乘是没有方向的，无论左乘还是右乘都具有相同的效果，这意味着</a:t>
                 </a:r>
                 <a14:m>
                   <m:oMath xmlns:m="http://schemas.openxmlformats.org/officeDocument/2006/math">
-                    <m:acc>
-                      <m:accPr>
-                        <m:chr m:val="⃗"/>
-                        <m:ctrlPr>
-                          <a:rPr lang="zh-CN" altLang="en-US" b="1" i="1">
-                            <a:solidFill>
-                              <a:srgbClr val="0000FF"/>
-                            </a:solidFill>
-                            <a:latin typeface="Cambria Math" panose="02040503050406030204" pitchFamily="18" charset="0"/>
-                          </a:rPr>
-                        </m:ctrlPr>
-                      </m:accPr>
-                      <m:e>
-                        <m:r>
-                          <a:rPr lang="en-US" altLang="zh-CN" b="1" i="1">
-                            <a:solidFill>
-                              <a:srgbClr val="0000FF"/>
-                            </a:solidFill>
-                            <a:latin typeface="Cambria Math" panose="02040503050406030204" pitchFamily="18" charset="0"/>
-                          </a:rPr>
-                          <m:t>𝒖</m:t>
-                        </m:r>
-                      </m:e>
-                    </m:acc>
+                    <m:r>
+                      <a:rPr lang="en-US" altLang="zh-CN" b="1" i="1">
+                        <a:latin typeface="Cambria Math" panose="02040503050406030204" pitchFamily="18" charset="0"/>
+                      </a:rPr>
+                      <m:t>𝒖</m:t>
+                    </m:r>
                     <m:r>
                       <a:rPr lang="zh-CN" altLang="en-US" i="1">
                         <a:solidFill>
@@ -17076,38 +17092,11 @@
                       </a:rPr>
                       <m:t>∗</m:t>
                     </m:r>
-                    <m:acc>
-                      <m:accPr>
-                        <m:chr m:val="⃗"/>
-                        <m:ctrlPr>
-                          <a:rPr lang="zh-CN" altLang="en-US" b="1" i="1">
-                            <a:solidFill>
-                              <a:srgbClr val="0000FF"/>
-                            </a:solidFill>
-                            <a:latin typeface="Cambria Math" panose="02040503050406030204" pitchFamily="18" charset="0"/>
-                          </a:rPr>
-                        </m:ctrlPr>
-                      </m:accPr>
-                      <m:e>
-                        <m:r>
-                          <a:rPr lang="en-US" altLang="zh-CN" b="1" i="1">
-                            <a:solidFill>
-                              <a:srgbClr val="0000FF"/>
-                            </a:solidFill>
-                            <a:latin typeface="Cambria Math" panose="02040503050406030204" pitchFamily="18" charset="0"/>
-                          </a:rPr>
-                          <m:t>𝒖</m:t>
-                        </m:r>
-                      </m:e>
-                    </m:acc>
                     <m:r>
                       <a:rPr lang="en-US" altLang="zh-CN" b="1" i="1">
-                        <a:solidFill>
-                          <a:srgbClr val="0000FF"/>
-                        </a:solidFill>
                         <a:latin typeface="Cambria Math" panose="02040503050406030204" pitchFamily="18" charset="0"/>
                       </a:rPr>
-                      <m:t> </m:t>
+                      <m:t>𝒖</m:t>
                     </m:r>
                   </m:oMath>
                 </a14:m>
@@ -17633,48 +17622,24 @@
                       <m:jc m:val="centerGroup"/>
                     </m:oMathParaPr>
                     <m:oMath xmlns:m="http://schemas.openxmlformats.org/officeDocument/2006/math">
-                      <m:acc>
-                        <m:accPr>
-                          <m:chr m:val="⃗"/>
-                          <m:ctrlPr>
-                            <a:rPr lang="zh-CN" altLang="en-US" i="1" smtClean="0">
-                              <a:latin typeface="Cambria Math" panose="02040503050406030204" pitchFamily="18" charset="0"/>
-                            </a:rPr>
-                          </m:ctrlPr>
-                        </m:accPr>
-                        <m:e>
-                          <m:r>
-                            <a:rPr lang="en-US" altLang="zh-CN" i="1">
-                              <a:latin typeface="Cambria Math" panose="02040503050406030204" pitchFamily="18" charset="0"/>
-                            </a:rPr>
-                            <m:t>𝑢</m:t>
-                          </m:r>
-                        </m:e>
-                      </m:acc>
+                      <m:r>
+                        <a:rPr lang="en-US" altLang="zh-CN" i="1">
+                          <a:latin typeface="Cambria Math" panose="02040503050406030204" pitchFamily="18" charset="0"/>
+                        </a:rPr>
+                        <m:t>𝑢</m:t>
+                      </m:r>
                       <m:r>
                         <a:rPr lang="en-US" altLang="zh-CN" i="1">
                           <a:latin typeface="Cambria Math" panose="02040503050406030204" pitchFamily="18" charset="0"/>
                         </a:rPr>
                         <m:t>·</m:t>
                       </m:r>
-                      <m:acc>
-                        <m:accPr>
-                          <m:chr m:val="⃗"/>
-                          <m:ctrlPr>
-                            <a:rPr lang="zh-CN" altLang="en-US" i="1">
-                              <a:latin typeface="Cambria Math" panose="02040503050406030204" pitchFamily="18" charset="0"/>
-                            </a:rPr>
-                          </m:ctrlPr>
-                        </m:accPr>
-                        <m:e>
-                          <m:r>
-                            <a:rPr lang="en-US" altLang="zh-CN" b="0" i="1" smtClean="0">
-                              <a:latin typeface="Cambria Math" panose="02040503050406030204" pitchFamily="18" charset="0"/>
-                            </a:rPr>
-                            <m:t>𝑣</m:t>
-                          </m:r>
-                        </m:e>
-                      </m:acc>
+                      <m:r>
+                        <a:rPr lang="en-US" altLang="zh-CN" i="1">
+                          <a:latin typeface="Cambria Math" panose="02040503050406030204" pitchFamily="18" charset="0"/>
+                        </a:rPr>
+                        <m:t>𝑣</m:t>
+                      </m:r>
                       <m:r>
                         <a:rPr lang="en-US" altLang="zh-CN" b="0" i="1" smtClean="0">
                           <a:latin typeface="Cambria Math" panose="02040503050406030204" pitchFamily="18" charset="0"/>
@@ -24193,48 +24158,24 @@
                       <m:jc m:val="centerGroup"/>
                     </m:oMathParaPr>
                     <m:oMath xmlns:m="http://schemas.openxmlformats.org/officeDocument/2006/math">
-                      <m:acc>
-                        <m:accPr>
-                          <m:chr m:val="⃗"/>
-                          <m:ctrlPr>
-                            <a:rPr lang="zh-CN" altLang="en-US" i="1" smtClean="0">
-                              <a:latin typeface="Cambria Math" panose="02040503050406030204" pitchFamily="18" charset="0"/>
-                            </a:rPr>
-                          </m:ctrlPr>
-                        </m:accPr>
-                        <m:e>
-                          <m:r>
-                            <a:rPr lang="en-US" altLang="zh-CN" i="1">
-                              <a:latin typeface="Cambria Math" panose="02040503050406030204" pitchFamily="18" charset="0"/>
-                            </a:rPr>
-                            <m:t>𝑢</m:t>
-                          </m:r>
-                        </m:e>
-                      </m:acc>
+                      <m:r>
+                        <a:rPr lang="en-US" altLang="zh-CN" i="1">
+                          <a:latin typeface="Cambria Math" panose="02040503050406030204" pitchFamily="18" charset="0"/>
+                        </a:rPr>
+                        <m:t>𝑢</m:t>
+                      </m:r>
                       <m:r>
                         <a:rPr lang="en-US" altLang="zh-CN" i="1">
                           <a:latin typeface="Cambria Math" panose="02040503050406030204" pitchFamily="18" charset="0"/>
                         </a:rPr>
                         <m:t>×</m:t>
                       </m:r>
-                      <m:acc>
-                        <m:accPr>
-                          <m:chr m:val="⃗"/>
-                          <m:ctrlPr>
-                            <a:rPr lang="zh-CN" altLang="en-US" i="1">
-                              <a:latin typeface="Cambria Math" panose="02040503050406030204" pitchFamily="18" charset="0"/>
-                            </a:rPr>
-                          </m:ctrlPr>
-                        </m:accPr>
-                        <m:e>
-                          <m:r>
-                            <a:rPr lang="en-US" altLang="zh-CN" b="0" i="1" smtClean="0">
-                              <a:latin typeface="Cambria Math" panose="02040503050406030204" pitchFamily="18" charset="0"/>
-                            </a:rPr>
-                            <m:t>𝑣</m:t>
-                          </m:r>
-                        </m:e>
-                      </m:acc>
+                      <m:r>
+                        <a:rPr lang="en-US" altLang="zh-CN" b="0" i="1" smtClean="0">
+                          <a:latin typeface="Cambria Math" panose="02040503050406030204" pitchFamily="18" charset="0"/>
+                        </a:rPr>
+                        <m:t>𝑣</m:t>
+                      </m:r>
                       <m:r>
                         <a:rPr lang="en-US" altLang="zh-CN" b="0" i="1" smtClean="0">
                           <a:latin typeface="Cambria Math" panose="02040503050406030204" pitchFamily="18" charset="0"/>
@@ -24826,30 +24767,21 @@
                             </p:childTnLst>
                           </p:cTn>
                         </p:par>
-                      </p:childTnLst>
-                    </p:cTn>
-                  </p:par>
-                  <p:par>
-                    <p:cTn id="16" fill="hold">
-                      <p:stCondLst>
-                        <p:cond delay="indefinite"/>
-                      </p:stCondLst>
-                      <p:childTnLst>
                         <p:par>
-                          <p:cTn id="17" fill="hold">
+                          <p:cTn id="16" fill="hold">
                             <p:stCondLst>
-                              <p:cond delay="0"/>
+                              <p:cond delay="2000"/>
                             </p:stCondLst>
                             <p:childTnLst>
                               <p:par>
-                                <p:cTn id="18" presetID="42" presetClass="entr" presetSubtype="0" fill="hold" nodeType="clickEffect">
+                                <p:cTn id="17" presetID="42" presetClass="entr" presetSubtype="0" fill="hold" nodeType="afterEffect">
                                   <p:stCondLst>
                                     <p:cond delay="0"/>
                                   </p:stCondLst>
                                   <p:childTnLst>
                                     <p:set>
                                       <p:cBhvr>
-                                        <p:cTn id="19" dur="1" fill="hold">
+                                        <p:cTn id="18" dur="1" fill="hold">
                                           <p:stCondLst>
                                             <p:cond delay="0"/>
                                           </p:stCondLst>
@@ -24871,7 +24803,7 @@
                                     </p:set>
                                     <p:animEffect transition="in" filter="fade">
                                       <p:cBhvr>
-                                        <p:cTn id="20" dur="1000"/>
+                                        <p:cTn id="19" dur="1000"/>
                                         <p:tgtEl>
                                           <p:spTgt spid="2">
                                             <p:txEl>
@@ -24883,7 +24815,7 @@
                                     </p:animEffect>
                                     <p:anim calcmode="lin" valueType="num">
                                       <p:cBhvr>
-                                        <p:cTn id="21" dur="1000" fill="hold"/>
+                                        <p:cTn id="20" dur="1000" fill="hold"/>
                                         <p:tgtEl>
                                           <p:spTgt spid="2">
                                             <p:txEl>
@@ -24910,7 +24842,7 @@
                                     </p:anim>
                                     <p:anim calcmode="lin" valueType="num">
                                       <p:cBhvr>
-                                        <p:cTn id="22" dur="1000" fill="hold"/>
+                                        <p:cTn id="21" dur="1000" fill="hold"/>
                                         <p:tgtEl>
                                           <p:spTgt spid="2">
                                             <p:txEl>
@@ -24942,20 +24874,20 @@
                           </p:cTn>
                         </p:par>
                         <p:par>
-                          <p:cTn id="23" fill="hold">
+                          <p:cTn id="22" fill="hold">
                             <p:stCondLst>
-                              <p:cond delay="1000"/>
+                              <p:cond delay="3000"/>
                             </p:stCondLst>
                             <p:childTnLst>
                               <p:par>
-                                <p:cTn id="24" presetID="42" presetClass="entr" presetSubtype="0" fill="hold" nodeType="afterEffect">
+                                <p:cTn id="23" presetID="42" presetClass="entr" presetSubtype="0" fill="hold" nodeType="afterEffect">
                                   <p:stCondLst>
                                     <p:cond delay="0"/>
                                   </p:stCondLst>
                                   <p:childTnLst>
                                     <p:set>
                                       <p:cBhvr>
-                                        <p:cTn id="25" dur="1" fill="hold">
+                                        <p:cTn id="24" dur="1" fill="hold">
                                           <p:stCondLst>
                                             <p:cond delay="0"/>
                                           </p:stCondLst>
@@ -24977,7 +24909,7 @@
                                     </p:set>
                                     <p:animEffect transition="in" filter="fade">
                                       <p:cBhvr>
-                                        <p:cTn id="26" dur="1000"/>
+                                        <p:cTn id="25" dur="1000"/>
                                         <p:tgtEl>
                                           <p:spTgt spid="2">
                                             <p:txEl>
@@ -24989,7 +24921,7 @@
                                     </p:animEffect>
                                     <p:anim calcmode="lin" valueType="num">
                                       <p:cBhvr>
-                                        <p:cTn id="27" dur="1000" fill="hold"/>
+                                        <p:cTn id="26" dur="1000" fill="hold"/>
                                         <p:tgtEl>
                                           <p:spTgt spid="2">
                                             <p:txEl>
@@ -25016,7 +24948,7 @@
                                     </p:anim>
                                     <p:anim calcmode="lin" valueType="num">
                                       <p:cBhvr>
-                                        <p:cTn id="28" dur="1000" fill="hold"/>
+                                        <p:cTn id="27" dur="1000" fill="hold"/>
                                         <p:tgtEl>
                                           <p:spTgt spid="2">
                                             <p:txEl>
@@ -26936,48 +26868,24 @@
                       <m:jc m:val="centerGroup"/>
                     </m:oMathParaPr>
                     <m:oMath xmlns:m="http://schemas.openxmlformats.org/officeDocument/2006/math">
-                      <m:acc>
-                        <m:accPr>
-                          <m:chr m:val="⃗"/>
-                          <m:ctrlPr>
-                            <a:rPr lang="zh-CN" altLang="en-US" i="1" smtClean="0">
-                              <a:latin typeface="Cambria Math" panose="02040503050406030204" pitchFamily="18" charset="0"/>
-                            </a:rPr>
-                          </m:ctrlPr>
-                        </m:accPr>
-                        <m:e>
-                          <m:r>
-                            <a:rPr lang="en-US" altLang="zh-CN" i="1">
-                              <a:latin typeface="Cambria Math" panose="02040503050406030204" pitchFamily="18" charset="0"/>
-                            </a:rPr>
-                            <m:t>𝑢</m:t>
-                          </m:r>
-                        </m:e>
-                      </m:acc>
+                      <m:r>
+                        <a:rPr lang="en-US" altLang="zh-CN" i="1">
+                          <a:latin typeface="Cambria Math" panose="02040503050406030204" pitchFamily="18" charset="0"/>
+                        </a:rPr>
+                        <m:t>𝑢</m:t>
+                      </m:r>
                       <m:r>
                         <a:rPr lang="en-US" altLang="zh-CN" i="1">
                           <a:latin typeface="Cambria Math" panose="02040503050406030204" pitchFamily="18" charset="0"/>
                         </a:rPr>
                         <m:t>×</m:t>
                       </m:r>
-                      <m:acc>
-                        <m:accPr>
-                          <m:chr m:val="⃗"/>
-                          <m:ctrlPr>
-                            <a:rPr lang="zh-CN" altLang="en-US" i="1">
-                              <a:latin typeface="Cambria Math" panose="02040503050406030204" pitchFamily="18" charset="0"/>
-                            </a:rPr>
-                          </m:ctrlPr>
-                        </m:accPr>
-                        <m:e>
-                          <m:r>
-                            <a:rPr lang="en-US" altLang="zh-CN" b="0" i="1" smtClean="0">
-                              <a:latin typeface="Cambria Math" panose="02040503050406030204" pitchFamily="18" charset="0"/>
-                            </a:rPr>
-                            <m:t>𝑣</m:t>
-                          </m:r>
-                        </m:e>
-                      </m:acc>
+                      <m:r>
+                        <a:rPr lang="en-US" altLang="zh-CN" b="0" i="1" smtClean="0">
+                          <a:latin typeface="Cambria Math" panose="02040503050406030204" pitchFamily="18" charset="0"/>
+                        </a:rPr>
+                        <m:t>𝑣</m:t>
+                      </m:r>
                       <m:r>
                         <a:rPr lang="en-US" altLang="zh-CN" b="0" i="1" smtClean="0">
                           <a:latin typeface="Cambria Math" panose="02040503050406030204" pitchFamily="18" charset="0"/>
@@ -29572,8 +29480,8 @@
           </a:p>
         </p:txBody>
       </p:sp>
-      <mc:AlternateContent xmlns:mc="http://schemas.openxmlformats.org/markup-compatibility/2006" xmlns:a14="http://schemas.microsoft.com/office/drawing/2010/main">
-        <mc:Choice Requires="a14">
+      <mc:AlternateContent xmlns:mc="http://schemas.openxmlformats.org/markup-compatibility/2006">
+        <mc:Choice xmlns:a14="http://schemas.microsoft.com/office/drawing/2010/main" Requires="a14">
           <p:sp>
             <p:nvSpPr>
               <p:cNvPr id="2" name="内容占位符 1">
@@ -29752,7 +29660,7 @@
                 </a14:m>
                 <a:r>
                   <a:rPr lang="zh-CN" altLang="en-US" dirty="0"/>
-                  <a:t>的内积。</a:t>
+                  <a:t>的外积。</a:t>
                 </a:r>
                 <a:endParaRPr lang="en-US" altLang="zh-CN" dirty="0"/>
               </a:p>
@@ -29942,7 +29850,7 @@
             </p:txBody>
           </p:sp>
         </mc:Choice>
-        <mc:Fallback xmlns="">
+        <mc:Fallback>
           <p:sp>
             <p:nvSpPr>
               <p:cNvPr id="2" name="内容占位符 1">
@@ -30504,8 +30412,8 @@
           </a:p>
         </p:txBody>
       </p:sp>
-      <mc:AlternateContent xmlns:mc="http://schemas.openxmlformats.org/markup-compatibility/2006" xmlns:a14="http://schemas.microsoft.com/office/drawing/2010/main">
-        <mc:Choice Requires="a14">
+      <mc:AlternateContent xmlns:mc="http://schemas.openxmlformats.org/markup-compatibility/2006">
+        <mc:Choice xmlns:a14="http://schemas.microsoft.com/office/drawing/2010/main" Requires="a14">
           <p:sp>
             <p:nvSpPr>
               <p:cNvPr id="2" name="内容占位符 1">
@@ -30722,7 +30630,7 @@
                 </a14:m>
                 <a:r>
                   <a:rPr lang="zh-CN" altLang="en-US" dirty="0"/>
-                  <a:t>的内积。</a:t>
+                  <a:t>的外积。</a:t>
                 </a:r>
                 <a:endParaRPr lang="en-US" altLang="zh-CN" dirty="0"/>
               </a:p>
@@ -31163,10 +31071,10 @@
                                 </m:e>
                                 <m:sub>
                                   <m:r>
-                                    <a:rPr lang="en-US" altLang="zh-CN" i="1">
+                                    <a:rPr lang="en-US" altLang="zh-CN" b="0" i="1" smtClean="0">
                                       <a:latin typeface="Cambria Math" panose="02040503050406030204" pitchFamily="18" charset="0"/>
                                     </a:rPr>
-                                    <m:t>1</m:t>
+                                    <m:t>3</m:t>
                                   </m:r>
                                 </m:sub>
                               </m:sSub>
@@ -31542,7 +31450,7 @@
             </p:txBody>
           </p:sp>
         </mc:Choice>
-        <mc:Fallback xmlns="">
+        <mc:Fallback>
           <p:sp>
             <p:nvSpPr>
               <p:cNvPr id="2" name="内容占位符 1">
@@ -31719,30 +31627,21 @@
                             </p:childTnLst>
                           </p:cTn>
                         </p:par>
-                      </p:childTnLst>
-                    </p:cTn>
-                  </p:par>
-                  <p:par>
-                    <p:cTn id="10" fill="hold">
-                      <p:stCondLst>
-                        <p:cond delay="indefinite"/>
-                      </p:stCondLst>
-                      <p:childTnLst>
                         <p:par>
-                          <p:cTn id="11" fill="hold">
+                          <p:cTn id="10" fill="hold">
                             <p:stCondLst>
-                              <p:cond delay="0"/>
+                              <p:cond delay="1000"/>
                             </p:stCondLst>
                             <p:childTnLst>
                               <p:par>
-                                <p:cTn id="12" presetID="42" presetClass="entr" presetSubtype="0" fill="hold" nodeType="clickEffect">
+                                <p:cTn id="11" presetID="42" presetClass="entr" presetSubtype="0" fill="hold" nodeType="afterEffect">
                                   <p:stCondLst>
                                     <p:cond delay="0"/>
                                   </p:stCondLst>
                                   <p:childTnLst>
                                     <p:set>
                                       <p:cBhvr>
-                                        <p:cTn id="13" dur="1" fill="hold">
+                                        <p:cTn id="12" dur="1" fill="hold">
                                           <p:stCondLst>
                                             <p:cond delay="0"/>
                                           </p:stCondLst>
@@ -31764,7 +31663,7 @@
                                     </p:set>
                                     <p:animEffect transition="in" filter="fade">
                                       <p:cBhvr>
-                                        <p:cTn id="14" dur="1000"/>
+                                        <p:cTn id="13" dur="1000"/>
                                         <p:tgtEl>
                                           <p:spTgt spid="2">
                                             <p:txEl>
@@ -31776,7 +31675,7 @@
                                     </p:animEffect>
                                     <p:anim calcmode="lin" valueType="num">
                                       <p:cBhvr>
-                                        <p:cTn id="15" dur="1000" fill="hold"/>
+                                        <p:cTn id="14" dur="1000" fill="hold"/>
                                         <p:tgtEl>
                                           <p:spTgt spid="2">
                                             <p:txEl>
@@ -31803,7 +31702,7 @@
                                     </p:anim>
                                     <p:anim calcmode="lin" valueType="num">
                                       <p:cBhvr>
-                                        <p:cTn id="16" dur="1000" fill="hold"/>
+                                        <p:cTn id="15" dur="1000" fill="hold"/>
                                         <p:tgtEl>
                                           <p:spTgt spid="2">
                                             <p:txEl>
@@ -31835,20 +31734,20 @@
                           </p:cTn>
                         </p:par>
                         <p:par>
-                          <p:cTn id="17" fill="hold">
+                          <p:cTn id="16" fill="hold">
                             <p:stCondLst>
-                              <p:cond delay="1000"/>
+                              <p:cond delay="2000"/>
                             </p:stCondLst>
                             <p:childTnLst>
                               <p:par>
-                                <p:cTn id="18" presetID="42" presetClass="entr" presetSubtype="0" fill="hold" nodeType="afterEffect">
+                                <p:cTn id="17" presetID="42" presetClass="entr" presetSubtype="0" fill="hold" nodeType="afterEffect">
                                   <p:stCondLst>
                                     <p:cond delay="0"/>
                                   </p:stCondLst>
                                   <p:childTnLst>
                                     <p:set>
                                       <p:cBhvr>
-                                        <p:cTn id="19" dur="1" fill="hold">
+                                        <p:cTn id="18" dur="1" fill="hold">
                                           <p:stCondLst>
                                             <p:cond delay="0"/>
                                           </p:stCondLst>
@@ -31870,7 +31769,7 @@
                                     </p:set>
                                     <p:animEffect transition="in" filter="fade">
                                       <p:cBhvr>
-                                        <p:cTn id="20" dur="1000"/>
+                                        <p:cTn id="19" dur="1000"/>
                                         <p:tgtEl>
                                           <p:spTgt spid="2">
                                             <p:txEl>
@@ -31882,7 +31781,7 @@
                                     </p:animEffect>
                                     <p:anim calcmode="lin" valueType="num">
                                       <p:cBhvr>
-                                        <p:cTn id="21" dur="1000" fill="hold"/>
+                                        <p:cTn id="20" dur="1000" fill="hold"/>
                                         <p:tgtEl>
                                           <p:spTgt spid="2">
                                             <p:txEl>
@@ -31909,7 +31808,7 @@
                                     </p:anim>
                                     <p:anim calcmode="lin" valueType="num">
                                       <p:cBhvr>
-                                        <p:cTn id="22" dur="1000" fill="hold"/>
+                                        <p:cTn id="21" dur="1000" fill="hold"/>
                                         <p:tgtEl>
                                           <p:spTgt spid="2">
                                             <p:txEl>
@@ -36402,8 +36301,8 @@
           </a:p>
         </p:txBody>
       </p:sp>
-      <mc:AlternateContent xmlns:mc="http://schemas.openxmlformats.org/markup-compatibility/2006" xmlns:a14="http://schemas.microsoft.com/office/drawing/2010/main">
-        <mc:Choice Requires="a14">
+      <mc:AlternateContent xmlns:mc="http://schemas.openxmlformats.org/markup-compatibility/2006">
+        <mc:Choice xmlns:a14="http://schemas.microsoft.com/office/drawing/2010/main" Requires="a14">
           <p:sp>
             <p:nvSpPr>
               <p:cNvPr id="5" name="内容占位符 4">
@@ -36625,7 +36524,7 @@
                     <a:latin typeface="+mj-ea"/>
                     <a:ea typeface="+mj-ea"/>
                   </a:rPr>
-                  <a:t>，如</a:t>
+                  <a:t>，如 </a:t>
                 </a:r>
                 <a:r>
                   <a:rPr lang="en-US" altLang="zh-CN" b="1" i="1" dirty="0">
@@ -36720,57 +36619,7 @@
                     <a:latin typeface="+mj-ea"/>
                     <a:ea typeface="+mj-ea"/>
                   </a:rPr>
-                  <a:t>“→”，如 </a:t>
-                </a:r>
-                <a14:m>
-                  <m:oMath xmlns:m="http://schemas.openxmlformats.org/officeDocument/2006/math">
-                    <m:acc>
-                      <m:accPr>
-                        <m:chr m:val="⃗"/>
-                        <m:ctrlPr>
-                          <a:rPr lang="zh-CN" altLang="en-US" b="1" i="1" smtClean="0">
-                            <a:solidFill>
-                              <a:srgbClr val="0000FF"/>
-                            </a:solidFill>
-                            <a:latin typeface="Cambria Math" panose="02040503050406030204" pitchFamily="18" charset="0"/>
-                            <a:ea typeface="+mj-ea"/>
-                          </a:rPr>
-                        </m:ctrlPr>
-                      </m:accPr>
-                      <m:e>
-                        <m:r>
-                          <a:rPr lang="en-US" altLang="zh-CN" b="1" i="1">
-                            <a:solidFill>
-                              <a:srgbClr val="0000FF"/>
-                            </a:solidFill>
-                            <a:latin typeface="Cambria Math" panose="02040503050406030204" pitchFamily="18" charset="0"/>
-                            <a:ea typeface="+mj-ea"/>
-                          </a:rPr>
-                          <m:t>𝒖</m:t>
-                        </m:r>
-                      </m:e>
-                    </m:acc>
-                    <m:r>
-                      <a:rPr lang="en-US" altLang="zh-CN" b="1" i="1">
-                        <a:latin typeface="Cambria Math" panose="02040503050406030204" pitchFamily="18" charset="0"/>
-                        <a:ea typeface="+mj-ea"/>
-                      </a:rPr>
-                      <m:t> </m:t>
-                    </m:r>
-                  </m:oMath>
-                </a14:m>
-                <a:r>
-                  <a:rPr lang="zh-CN" altLang="en-US" dirty="0">
-                    <a:latin typeface="+mj-ea"/>
-                    <a:ea typeface="+mj-ea"/>
-                  </a:rPr>
-                  <a:t>；</a:t>
-                </a:r>
-                <a:r>
-                  <a:rPr lang="zh-CN" altLang="en-US" dirty="0">
-                    <a:latin typeface="+mj-ea"/>
-                  </a:rPr>
-                  <a:t>如</a:t>
+                  <a:t>“→”，如</a:t>
                 </a:r>
                 <a:endParaRPr lang="en-US" altLang="zh-CN" dirty="0">
                   <a:latin typeface="+mj-ea"/>
@@ -36852,44 +36701,18 @@
                 </a:r>
                 <a14:m>
                   <m:oMath xmlns:m="http://schemas.openxmlformats.org/officeDocument/2006/math">
-                    <m:acc>
-                      <m:accPr>
-                        <m:chr m:val="⃗"/>
-                        <m:ctrlPr>
-                          <a:rPr lang="zh-CN" altLang="en-US" b="1" i="1" smtClean="0">
-                            <a:solidFill>
-                              <a:srgbClr val="0000FF"/>
-                            </a:solidFill>
-                            <a:latin typeface="Cambria Math" panose="02040503050406030204" pitchFamily="18" charset="0"/>
-                            <a:ea typeface="+mj-ea"/>
-                          </a:rPr>
-                        </m:ctrlPr>
-                      </m:accPr>
-                      <m:e>
-                        <m:r>
-                          <m:rPr>
-                            <m:nor/>
-                          </m:rPr>
-                          <a:rPr lang="en-US" altLang="zh-CN" dirty="0">
-                            <a:solidFill>
-                              <a:srgbClr val="0000FF"/>
-                            </a:solidFill>
-                            <a:latin typeface="+mj-ea"/>
-                            <a:ea typeface="+mj-ea"/>
-                          </a:rPr>
-                          <m:t>AB</m:t>
-                        </m:r>
-                      </m:e>
-                    </m:acc>
                     <m:r>
-                      <a:rPr lang="en-US" altLang="zh-CN" b="1" i="1">
+                      <m:rPr>
+                        <m:sty m:val="p"/>
+                      </m:rPr>
+                      <a:rPr lang="en-US" altLang="zh-CN" b="1" i="1" dirty="0">
                         <a:solidFill>
                           <a:srgbClr val="0000FF"/>
                         </a:solidFill>
                         <a:latin typeface="Cambria Math" panose="02040503050406030204" pitchFamily="18" charset="0"/>
                         <a:ea typeface="+mj-ea"/>
                       </a:rPr>
-                      <m:t> </m:t>
+                      <m:t>AB</m:t>
                     </m:r>
                   </m:oMath>
                 </a14:m>
@@ -36983,7 +36806,7 @@
             </p:txBody>
           </p:sp>
         </mc:Choice>
-        <mc:Fallback xmlns="">
+        <mc:Fallback>
           <p:sp>
             <p:nvSpPr>
               <p:cNvPr id="5" name="内容占位符 4">
@@ -37060,6 +36883,36 @@
           </a:p>
         </p:txBody>
       </p:sp>
+      <p:pic>
+        <p:nvPicPr>
+          <p:cNvPr id="2" name="图片 1">
+            <a:extLst>
+              <a:ext uri="{FF2B5EF4-FFF2-40B4-BE49-F238E27FC236}">
+                <a16:creationId xmlns:a16="http://schemas.microsoft.com/office/drawing/2014/main" id="{708AF8AF-3695-4AAA-8D46-947A6573390B}"/>
+              </a:ext>
+            </a:extLst>
+          </p:cNvPr>
+          <p:cNvPicPr>
+            <a:picLocks noChangeAspect="1"/>
+          </p:cNvPicPr>
+          <p:nvPr/>
+        </p:nvPicPr>
+        <p:blipFill>
+          <a:blip r:embed="rId5"/>
+          <a:stretch>
+            <a:fillRect/>
+          </a:stretch>
+        </p:blipFill>
+        <p:spPr>
+          <a:xfrm>
+            <a:off x="5257800" y="3714750"/>
+            <a:ext cx="164606" cy="219475"/>
+          </a:xfrm>
+          <a:prstGeom prst="rect">
+            <a:avLst/>
+          </a:prstGeom>
+        </p:spPr>
+      </p:pic>
     </p:spTree>
     <p:extLst>
       <p:ext uri="{BB962C8B-B14F-4D97-AF65-F5344CB8AC3E}">

--- a/ComputerMath/PPT/第02讲 描述空间的工具—向量.pptx
+++ b/ComputerMath/PPT/第02讲 描述空间的工具—向量.pptx
@@ -265,7 +265,7 @@
           <a:p>
             <a:fld id="{87DCD449-0720-4299-8DE9-69CE28848277}" type="datetimeFigureOut">
               <a:rPr lang="zh-CN" altLang="en-US" smtClean="0"/>
-              <a:t>2020-3-15</a:t>
+              <a:t>2020-3-16</a:t>
             </a:fld>
             <a:endParaRPr lang="zh-CN" altLang="en-US"/>
           </a:p>
@@ -8229,7 +8229,8 @@
                       <a:schemeClr val="tx1"/>
                     </a:solidFill>
                     <a:effectLst/>
-                    <a:ea typeface="-apple-system"/>
+                    <a:latin typeface="+mj-ea"/>
+                    <a:ea typeface="+mj-ea"/>
                   </a:rPr>
                   <a:t>当我们使用</a:t>
                 </a:r>
@@ -8242,7 +8243,8 @@
                       <a:schemeClr val="tx1"/>
                     </a:solidFill>
                     <a:effectLst/>
-                    <a:ea typeface="-apple-system"/>
+                    <a:latin typeface="+mj-ea"/>
+                    <a:ea typeface="+mj-ea"/>
                   </a:rPr>
                   <a:t>向量</a:t>
                 </a:r>
@@ -8255,7 +8257,8 @@
                       <a:schemeClr val="tx1"/>
                     </a:solidFill>
                     <a:effectLst/>
-                    <a:ea typeface="-apple-system"/>
+                    <a:latin typeface="+mj-ea"/>
+                    <a:ea typeface="+mj-ea"/>
                   </a:rPr>
                   <a:t>来表示一个数据时，可以表示为: </a:t>
                 </a:r>
@@ -8266,7 +8269,8 @@
                         <a:lumMod val="75000"/>
                       </a:schemeClr>
                     </a:solidFill>
-                    <a:ea typeface="STIXMathJax_Normal-italic"/>
+                    <a:latin typeface="+mj-ea"/>
+                    <a:ea typeface="+mj-ea"/>
                   </a:rPr>
                   <a:t>𝑎</a:t>
                 </a:r>
@@ -8277,7 +8281,8 @@
                         <a:lumMod val="75000"/>
                       </a:schemeClr>
                     </a:solidFill>
-                    <a:ea typeface="STIXMathJax_Normal-italic"/>
+                    <a:latin typeface="+mj-ea"/>
+                    <a:ea typeface="+mj-ea"/>
                   </a:rPr>
                   <a:t> </a:t>
                 </a:r>
@@ -8292,7 +8297,8 @@
                       </a:schemeClr>
                     </a:solidFill>
                     <a:effectLst/>
-                    <a:ea typeface="STIXMathJax_Main"/>
+                    <a:latin typeface="+mj-ea"/>
+                    <a:ea typeface="+mj-ea"/>
                   </a:rPr>
                   <a:t>=</a:t>
                 </a:r>
@@ -8307,7 +8313,8 @@
                       </a:schemeClr>
                     </a:solidFill>
                     <a:effectLst/>
-                    <a:ea typeface="STIXMathJax_Main"/>
+                    <a:latin typeface="+mj-ea"/>
+                    <a:ea typeface="+mj-ea"/>
                   </a:rPr>
                   <a:t> </a:t>
                 </a:r>
@@ -8322,24 +8329,10 @@
                       </a:schemeClr>
                     </a:solidFill>
                     <a:effectLst/>
-                    <a:ea typeface="STIXMathJax_Main"/>
+                    <a:latin typeface="+mj-ea"/>
+                    <a:ea typeface="+mj-ea"/>
                   </a:rPr>
-                  <a:t>[</a:t>
-                </a:r>
-                <a:r>
-                  <a:rPr kumimoji="0" lang="zh-CN" altLang="zh-CN" sz="1600" b="0" i="0" u="none" strike="noStrike" cap="none" normalizeH="0" baseline="0" dirty="0">
-                    <a:ln>
-                      <a:noFill/>
-                    </a:ln>
-                    <a:solidFill>
-                      <a:schemeClr val="accent6">
-                        <a:lumMod val="75000"/>
-                      </a:schemeClr>
-                    </a:solidFill>
-                    <a:effectLst/>
-                    <a:ea typeface="STIXMathJax_Normal-italic"/>
-                  </a:rPr>
-                  <a:t>𝑎</a:t>
+                  <a:t>[𝑎</a:t>
                 </a:r>
                 <a:r>
                   <a:rPr kumimoji="0" lang="zh-CN" altLang="zh-CN" sz="1600" b="0" i="0" u="none" strike="noStrike" cap="none" normalizeH="0" baseline="-25000" dirty="0">
@@ -8352,7 +8345,8 @@
                       </a:schemeClr>
                     </a:solidFill>
                     <a:effectLst/>
-                    <a:ea typeface="STIXMathJax_Main"/>
+                    <a:latin typeface="+mj-ea"/>
+                    <a:ea typeface="+mj-ea"/>
                   </a:rPr>
                   <a:t>1</a:t>
                 </a:r>
@@ -8367,24 +8361,10 @@
                       </a:schemeClr>
                     </a:solidFill>
                     <a:effectLst/>
-                    <a:ea typeface="STIXMathJax_Main"/>
+                    <a:latin typeface="+mj-ea"/>
+                    <a:ea typeface="+mj-ea"/>
                   </a:rPr>
-                  <a:t>,</a:t>
-                </a:r>
-                <a:r>
-                  <a:rPr kumimoji="0" lang="zh-CN" altLang="zh-CN" sz="1600" b="0" i="0" u="none" strike="noStrike" cap="none" normalizeH="0" baseline="0" dirty="0">
-                    <a:ln>
-                      <a:noFill/>
-                    </a:ln>
-                    <a:solidFill>
-                      <a:schemeClr val="accent6">
-                        <a:lumMod val="75000"/>
-                      </a:schemeClr>
-                    </a:solidFill>
-                    <a:effectLst/>
-                    <a:ea typeface="STIXMathJax_Normal-italic"/>
-                  </a:rPr>
-                  <a:t>𝑎</a:t>
+                  <a:t>,𝑎</a:t>
                 </a:r>
                 <a:r>
                   <a:rPr kumimoji="0" lang="zh-CN" altLang="zh-CN" sz="1600" b="0" i="0" u="none" strike="noStrike" cap="none" normalizeH="0" baseline="-25000" dirty="0">
@@ -8397,7 +8377,8 @@
                       </a:schemeClr>
                     </a:solidFill>
                     <a:effectLst/>
-                    <a:ea typeface="STIXMathJax_Main"/>
+                    <a:latin typeface="+mj-ea"/>
+                    <a:ea typeface="+mj-ea"/>
                   </a:rPr>
                   <a:t>2</a:t>
                 </a:r>
@@ -8412,24 +8393,10 @@
                       </a:schemeClr>
                     </a:solidFill>
                     <a:effectLst/>
-                    <a:ea typeface="STIXMathJax_Main"/>
+                    <a:latin typeface="+mj-ea"/>
+                    <a:ea typeface="+mj-ea"/>
                   </a:rPr>
-                  <a:t>,...,</a:t>
-                </a:r>
-                <a:r>
-                  <a:rPr kumimoji="0" lang="zh-CN" altLang="zh-CN" sz="1600" b="0" i="0" u="none" strike="noStrike" cap="none" normalizeH="0" baseline="0" dirty="0">
-                    <a:ln>
-                      <a:noFill/>
-                    </a:ln>
-                    <a:solidFill>
-                      <a:schemeClr val="accent6">
-                        <a:lumMod val="75000"/>
-                      </a:schemeClr>
-                    </a:solidFill>
-                    <a:effectLst/>
-                    <a:ea typeface="STIXMathJax_Normal-italic"/>
-                  </a:rPr>
-                  <a:t>𝑎</a:t>
+                  <a:t>,...,𝑎</a:t>
                 </a:r>
                 <a:r>
                   <a:rPr kumimoji="0" lang="zh-CN" altLang="zh-CN" sz="1600" b="0" i="0" u="none" strike="noStrike" cap="none" normalizeH="0" baseline="-25000" dirty="0">
@@ -8442,7 +8409,8 @@
                       </a:schemeClr>
                     </a:solidFill>
                     <a:effectLst/>
-                    <a:ea typeface="STIXMathJax_Normal-italic"/>
+                    <a:latin typeface="+mj-ea"/>
+                    <a:ea typeface="+mj-ea"/>
                   </a:rPr>
                   <a:t>𝑛</a:t>
                 </a:r>
@@ -8457,24 +8425,10 @@
                       </a:schemeClr>
                     </a:solidFill>
                     <a:effectLst/>
-                    <a:ea typeface="STIXMathJax_Main"/>
+                    <a:latin typeface="+mj-ea"/>
+                    <a:ea typeface="+mj-ea"/>
                   </a:rPr>
-                  <a:t>]</a:t>
-                </a:r>
-                <a:r>
-                  <a:rPr kumimoji="0" lang="zh-CN" altLang="zh-CN" sz="1600" b="0" i="0" u="none" strike="noStrike" cap="none" normalizeH="0" baseline="0" dirty="0">
-                    <a:ln>
-                      <a:noFill/>
-                    </a:ln>
-                    <a:solidFill>
-                      <a:schemeClr val="accent6">
-                        <a:lumMod val="75000"/>
-                      </a:schemeClr>
-                    </a:solidFill>
-                    <a:effectLst/>
-                    <a:ea typeface="-apple-system"/>
-                  </a:rPr>
-                  <a:t>,</a:t>
+                  <a:t>],</a:t>
                 </a:r>
                 <a:r>
                   <a:rPr kumimoji="0" lang="zh-CN" altLang="zh-CN" sz="1600" b="0" i="0" u="none" strike="noStrike" cap="none" normalizeH="0" baseline="0" dirty="0">
@@ -8485,7 +8439,8 @@
                       <a:schemeClr val="tx1"/>
                     </a:solidFill>
                     <a:effectLst/>
-                    <a:ea typeface="-apple-system"/>
+                    <a:latin typeface="+mj-ea"/>
+                    <a:ea typeface="+mj-ea"/>
                   </a:rPr>
                   <a:t> 此时</a:t>
                 </a:r>
@@ -8496,7 +8451,8 @@
                         <a:lumMod val="75000"/>
                       </a:schemeClr>
                     </a:solidFill>
-                    <a:ea typeface="STIXMathJax_Normal-italic"/>
+                    <a:latin typeface="+mj-ea"/>
+                    <a:ea typeface="+mj-ea"/>
                   </a:rPr>
                   <a:t>𝑎</a:t>
                 </a:r>
@@ -8507,7 +8463,8 @@
                         <a:lumMod val="75000"/>
                       </a:schemeClr>
                     </a:solidFill>
-                    <a:ea typeface="STIXMathJax_Normal-italic"/>
+                    <a:latin typeface="+mj-ea"/>
+                    <a:ea typeface="+mj-ea"/>
                   </a:rPr>
                   <a:t> </a:t>
                 </a:r>
@@ -8520,35 +8477,10 @@
                       <a:schemeClr val="tx1"/>
                     </a:solidFill>
                     <a:effectLst/>
-                    <a:ea typeface="-apple-system"/>
+                    <a:latin typeface="+mj-ea"/>
+                    <a:ea typeface="+mj-ea"/>
                   </a:rPr>
-                  <a:t>是一个维度为 1，长度为 </a:t>
-                </a:r>
-                <a:r>
-                  <a:rPr kumimoji="0" lang="zh-CN" altLang="zh-CN" sz="1600" b="0" i="0" u="none" strike="noStrike" cap="none" normalizeH="0" baseline="0" dirty="0">
-                    <a:ln>
-                      <a:noFill/>
-                    </a:ln>
-                    <a:solidFill>
-                      <a:schemeClr val="tx1"/>
-                    </a:solidFill>
-                    <a:effectLst/>
-                    <a:ea typeface="STIXMathJax_Normal-italic"/>
-                  </a:rPr>
-                  <a:t>𝑛</a:t>
-                </a:r>
-                <a:r>
-                  <a:rPr kumimoji="0" lang="zh-CN" altLang="zh-CN" sz="1600" b="0" i="0" u="none" strike="noStrike" cap="none" normalizeH="0" baseline="0" dirty="0">
-                    <a:ln>
-                      <a:noFill/>
-                    </a:ln>
-                    <a:solidFill>
-                      <a:schemeClr val="tx1"/>
-                    </a:solidFill>
-                    <a:effectLst/>
-                    <a:ea typeface="-apple-system"/>
-                  </a:rPr>
-                  <a:t> 的数据（向量）;</a:t>
+                  <a:t>是一个维度为 1，长度为 𝑛 的数据（向量）;</a:t>
                 </a:r>
               </a:p>
               <a:p>
@@ -8565,7 +8497,8 @@
                       <a:schemeClr val="tx1"/>
                     </a:solidFill>
                     <a:effectLst/>
-                    <a:ea typeface="-apple-system"/>
+                    <a:latin typeface="+mj-ea"/>
+                    <a:ea typeface="+mj-ea"/>
                   </a:rPr>
                   <a:t>当我们使用</a:t>
                 </a:r>
@@ -8578,7 +8511,8 @@
                       <a:schemeClr val="tx1"/>
                     </a:solidFill>
                     <a:effectLst/>
-                    <a:ea typeface="-apple-system"/>
+                    <a:latin typeface="+mj-ea"/>
+                    <a:ea typeface="+mj-ea"/>
                   </a:rPr>
                   <a:t>矩阵</a:t>
                 </a:r>
@@ -8591,7 +8525,8 @@
                       <a:schemeClr val="tx1"/>
                     </a:solidFill>
                     <a:effectLst/>
-                    <a:ea typeface="-apple-system"/>
+                    <a:latin typeface="+mj-ea"/>
+                    <a:ea typeface="+mj-ea"/>
                   </a:rPr>
                   <a:t>来表示这个向量时，则可以表示为: </a:t>
                 </a:r>
@@ -8602,13 +8537,15 @@
                         <m:sty m:val="p"/>
                       </m:rPr>
                       <a:rPr lang="en-US" altLang="zh-CN" sz="1600" i="1">
-                        <a:latin typeface="Cambria Math" panose="02040503050406030204" pitchFamily="18" charset="0"/>
+                        <a:latin typeface="+mj-ea"/>
+                        <a:ea typeface="+mj-ea"/>
                       </a:rPr>
                       <m:t>A</m:t>
                     </m:r>
                     <m:r>
                       <a:rPr lang="en-US" altLang="zh-CN" sz="1600" i="1" baseline="-25000">
-                        <a:latin typeface="Cambria Math" panose="02040503050406030204" pitchFamily="18" charset="0"/>
+                        <a:latin typeface="+mj-ea"/>
+                        <a:ea typeface="+mj-ea"/>
                       </a:rPr>
                       <m:t>2 </m:t>
                     </m:r>
@@ -8616,7 +8553,8 @@
                 </a14:m>
                 <a:r>
                   <a:rPr lang="zh-CN" altLang="zh-CN" sz="1600" dirty="0">
-                    <a:ea typeface="-apple-system"/>
+                    <a:latin typeface="+mj-ea"/>
+                    <a:ea typeface="+mj-ea"/>
                   </a:rPr>
                   <a:t> </a:t>
                 </a:r>
@@ -8631,24 +8569,10 @@
                       </a:schemeClr>
                     </a:solidFill>
                     <a:effectLst/>
-                    <a:ea typeface="STIXMathJax_Main"/>
+                    <a:latin typeface="+mj-ea"/>
+                    <a:ea typeface="+mj-ea"/>
                   </a:rPr>
-                  <a:t>=[</a:t>
-                </a:r>
-                <a:r>
-                  <a:rPr kumimoji="0" lang="zh-CN" altLang="zh-CN" sz="1600" b="0" i="0" u="none" strike="noStrike" cap="none" normalizeH="0" baseline="0" dirty="0">
-                    <a:ln>
-                      <a:noFill/>
-                    </a:ln>
-                    <a:solidFill>
-                      <a:schemeClr val="accent6">
-                        <a:lumMod val="75000"/>
-                      </a:schemeClr>
-                    </a:solidFill>
-                    <a:effectLst/>
-                    <a:ea typeface="STIXMathJax_Normal-italic"/>
-                  </a:rPr>
-                  <a:t>𝑎</a:t>
+                  <a:t>=[𝑎</a:t>
                 </a:r>
                 <a:r>
                   <a:rPr kumimoji="0" lang="zh-CN" altLang="zh-CN" sz="1600" b="0" i="0" u="none" strike="noStrike" cap="none" normalizeH="0" baseline="-25000" dirty="0">
@@ -8661,7 +8585,8 @@
                       </a:schemeClr>
                     </a:solidFill>
                     <a:effectLst/>
-                    <a:ea typeface="STIXMathJax_Main"/>
+                    <a:latin typeface="+mj-ea"/>
+                    <a:ea typeface="+mj-ea"/>
                   </a:rPr>
                   <a:t>11</a:t>
                 </a:r>
@@ -8676,24 +8601,10 @@
                       </a:schemeClr>
                     </a:solidFill>
                     <a:effectLst/>
-                    <a:ea typeface="STIXMathJax_Main"/>
+                    <a:latin typeface="+mj-ea"/>
+                    <a:ea typeface="+mj-ea"/>
                   </a:rPr>
-                  <a:t>,</a:t>
-                </a:r>
-                <a:r>
-                  <a:rPr kumimoji="0" lang="zh-CN" altLang="zh-CN" sz="1600" b="0" i="0" u="none" strike="noStrike" cap="none" normalizeH="0" baseline="0" dirty="0">
-                    <a:ln>
-                      <a:noFill/>
-                    </a:ln>
-                    <a:solidFill>
-                      <a:schemeClr val="accent6">
-                        <a:lumMod val="75000"/>
-                      </a:schemeClr>
-                    </a:solidFill>
-                    <a:effectLst/>
-                    <a:ea typeface="STIXMathJax_Normal-italic"/>
-                  </a:rPr>
-                  <a:t>𝑎</a:t>
+                  <a:t>,𝑎</a:t>
                 </a:r>
                 <a:r>
                   <a:rPr kumimoji="0" lang="zh-CN" altLang="zh-CN" sz="1600" b="0" i="0" u="none" strike="noStrike" cap="none" normalizeH="0" baseline="-25000" dirty="0">
@@ -8706,7 +8617,8 @@
                       </a:schemeClr>
                     </a:solidFill>
                     <a:effectLst/>
-                    <a:ea typeface="STIXMathJax_Main"/>
+                    <a:latin typeface="+mj-ea"/>
+                    <a:ea typeface="+mj-ea"/>
                   </a:rPr>
                   <a:t>12</a:t>
                 </a:r>
@@ -8721,9 +8633,26 @@
                       </a:schemeClr>
                     </a:solidFill>
                     <a:effectLst/>
-                    <a:ea typeface="STIXMathJax_Main"/>
+                    <a:latin typeface="+mj-ea"/>
+                    <a:ea typeface="+mj-ea"/>
                   </a:rPr>
-                  <a:t>,...,</a:t>
+                  <a:t>,...,𝑎</a:t>
+                </a:r>
+                <a:r>
+                  <a:rPr kumimoji="0" lang="zh-CN" altLang="zh-CN" sz="1600" b="0" i="0" u="none" strike="noStrike" cap="none" normalizeH="0" baseline="-25000" dirty="0">
+                    <a:ln>
+                      <a:noFill/>
+                    </a:ln>
+                    <a:solidFill>
+                      <a:schemeClr val="accent6">
+                        <a:lumMod val="75000"/>
+                      </a:schemeClr>
+                    </a:solidFill>
+                    <a:effectLst/>
+                    <a:latin typeface="+mj-ea"/>
+                    <a:ea typeface="+mj-ea"/>
+                  </a:rPr>
+                  <a:t>1𝑛</a:t>
                 </a:r>
                 <a:r>
                   <a:rPr kumimoji="0" lang="zh-CN" altLang="zh-CN" sz="1600" b="0" i="0" u="none" strike="noStrike" cap="none" normalizeH="0" baseline="0" dirty="0">
@@ -8736,52 +8665,8 @@
                       </a:schemeClr>
                     </a:solidFill>
                     <a:effectLst/>
-                    <a:ea typeface="STIXMathJax_Normal-italic"/>
-                  </a:rPr>
-                  <a:t>𝑎</a:t>
-                </a:r>
-                <a:r>
-                  <a:rPr kumimoji="0" lang="zh-CN" altLang="zh-CN" sz="1600" b="0" i="0" u="none" strike="noStrike" cap="none" normalizeH="0" baseline="-25000" dirty="0">
-                    <a:ln>
-                      <a:noFill/>
-                    </a:ln>
-                    <a:solidFill>
-                      <a:schemeClr val="accent6">
-                        <a:lumMod val="75000"/>
-                      </a:schemeClr>
-                    </a:solidFill>
-                    <a:effectLst/>
-                    <a:ea typeface="STIXMathJax_Main"/>
-                  </a:rPr>
-                  <a:t>1</a:t>
-                </a:r>
-                <a:r>
-                  <a:rPr kumimoji="0" lang="zh-CN" altLang="zh-CN" sz="1600" b="0" i="0" u="none" strike="noStrike" cap="none" normalizeH="0" baseline="-25000" dirty="0">
-                    <a:ln>
-                      <a:noFill/>
-                    </a:ln>
-                    <a:solidFill>
-                      <a:schemeClr val="accent6">
-                        <a:lumMod val="75000"/>
-                      </a:schemeClr>
-                    </a:solidFill>
-                    <a:effectLst/>
-                    <a:ea typeface="STIXMathJax_Normal-italic"/>
-                  </a:rPr>
-                  <a:t>𝑛</a:t>
-                </a:r>
-                <a:r>
-                  <a:rPr kumimoji="0" lang="zh-CN" altLang="zh-CN" sz="1600" b="0" i="0" u="none" strike="noStrike" cap="none" normalizeH="0" baseline="0" dirty="0">
-                    <a:ln>
-                      <a:noFill/>
-                    </a:ln>
-                    <a:solidFill>
-                      <a:schemeClr val="accent6">
-                        <a:lumMod val="75000"/>
-                      </a:schemeClr>
-                    </a:solidFill>
-                    <a:effectLst/>
-                    <a:ea typeface="STIXMathJax_Main"/>
+                    <a:latin typeface="+mj-ea"/>
+                    <a:ea typeface="+mj-ea"/>
                   </a:rPr>
                   <a:t>]</a:t>
                 </a:r>
@@ -8794,7 +8679,8 @@
                       <a:schemeClr val="tx1"/>
                     </a:solidFill>
                     <a:effectLst/>
-                    <a:ea typeface="-apple-system"/>
+                    <a:latin typeface="+mj-ea"/>
+                    <a:ea typeface="+mj-ea"/>
                   </a:rPr>
                   <a:t>,</a:t>
                 </a:r>
@@ -8807,7 +8693,8 @@
                       <a:schemeClr val="tx1"/>
                     </a:solidFill>
                     <a:effectLst/>
-                    <a:ea typeface="-apple-system"/>
+                    <a:latin typeface="+mj-ea"/>
+                    <a:ea typeface="+mj-ea"/>
                   </a:rPr>
                   <a:t>此时 </a:t>
                 </a:r>
@@ -8815,13 +8702,15 @@
                   <m:oMath xmlns:m="http://schemas.openxmlformats.org/officeDocument/2006/math">
                     <m:r>
                       <a:rPr lang="en-US" altLang="zh-CN" sz="1600" i="1">
-                        <a:latin typeface="Cambria Math" panose="02040503050406030204" pitchFamily="18" charset="0"/>
+                        <a:latin typeface="+mj-ea"/>
+                        <a:ea typeface="+mj-ea"/>
                       </a:rPr>
                       <m:t>𝐴</m:t>
                     </m:r>
                     <m:r>
                       <a:rPr lang="en-US" altLang="zh-CN" sz="1600" i="1" baseline="-25000">
-                        <a:latin typeface="Cambria Math" panose="02040503050406030204" pitchFamily="18" charset="0"/>
+                        <a:latin typeface="+mj-ea"/>
+                        <a:ea typeface="+mj-ea"/>
                       </a:rPr>
                       <m:t>2</m:t>
                     </m:r>
@@ -8836,7 +8725,8 @@
                       <a:schemeClr val="tx1"/>
                     </a:solidFill>
                     <a:effectLst/>
-                    <a:ea typeface="-apple-system"/>
+                    <a:latin typeface="+mj-ea"/>
+                    <a:ea typeface="+mj-ea"/>
                   </a:rPr>
                   <a:t> 是一个维度为</a:t>
                 </a:r>
@@ -8849,7 +8739,8 @@
                       <a:srgbClr val="0000FF"/>
                     </a:solidFill>
                     <a:effectLst/>
-                    <a:ea typeface="-apple-system"/>
+                    <a:latin typeface="+mj-ea"/>
+                    <a:ea typeface="+mj-ea"/>
                   </a:rPr>
                   <a:t>2</a:t>
                 </a:r>
@@ -8862,35 +8753,10 @@
                       <a:schemeClr val="tx1"/>
                     </a:solidFill>
                     <a:effectLst/>
-                    <a:ea typeface="-apple-system"/>
+                    <a:latin typeface="+mj-ea"/>
+                    <a:ea typeface="+mj-ea"/>
                   </a:rPr>
-                  <a:t>的数据（矩阵），第一个维度长度为 1，第二个维度长度为 </a:t>
-                </a:r>
-                <a:r>
-                  <a:rPr kumimoji="0" lang="zh-CN" altLang="zh-CN" sz="1600" b="0" i="0" u="none" strike="noStrike" cap="none" normalizeH="0" baseline="0" dirty="0">
-                    <a:ln>
-                      <a:noFill/>
-                    </a:ln>
-                    <a:solidFill>
-                      <a:schemeClr val="tx1"/>
-                    </a:solidFill>
-                    <a:effectLst/>
-                    <a:ea typeface="STIXMathJax_Normal-italic"/>
-                  </a:rPr>
-                  <a:t>𝑛</a:t>
-                </a:r>
-                <a:r>
-                  <a:rPr kumimoji="0" lang="zh-CN" altLang="zh-CN" sz="1600" b="0" i="0" u="none" strike="noStrike" cap="none" normalizeH="0" baseline="0" dirty="0">
-                    <a:ln>
-                      <a:noFill/>
-                    </a:ln>
-                    <a:solidFill>
-                      <a:schemeClr val="tx1"/>
-                    </a:solidFill>
-                    <a:effectLst/>
-                    <a:ea typeface="-apple-system"/>
-                  </a:rPr>
-                  <a:t>，我们也可以将这样的矩阵理解为一个</a:t>
+                  <a:t>的数据（矩阵），第一个维度长度为 1，第二个维度长度为 𝑛，我们也可以将这样的矩阵理解为一个</a:t>
                 </a:r>
                 <a:r>
                   <a:rPr kumimoji="0" lang="zh-CN" altLang="zh-CN" sz="1600" b="1" i="0" u="none" strike="noStrike" cap="none" normalizeH="0" baseline="0" dirty="0">
@@ -8901,7 +8767,8 @@
                       <a:schemeClr val="tx1"/>
                     </a:solidFill>
                     <a:effectLst/>
-                    <a:ea typeface="-apple-system"/>
+                    <a:latin typeface="+mj-ea"/>
+                    <a:ea typeface="+mj-ea"/>
                   </a:rPr>
                   <a:t>行向量</a:t>
                 </a:r>
@@ -8914,75 +8781,10 @@
                       <a:schemeClr val="tx1"/>
                     </a:solidFill>
                     <a:effectLst/>
-                    <a:ea typeface="-apple-system"/>
+                    <a:latin typeface="+mj-ea"/>
+                    <a:ea typeface="+mj-ea"/>
                   </a:rPr>
-                  <a:t>，</a:t>
-                </a:r>
-                <a:r>
-                  <a:rPr kumimoji="0" lang="zh-CN" altLang="zh-CN" sz="1600" b="0" i="0" u="none" strike="noStrike" cap="none" normalizeH="0" baseline="0" dirty="0">
-                    <a:ln>
-                      <a:noFill/>
-                    </a:ln>
-                    <a:solidFill>
-                      <a:schemeClr val="tx1"/>
-                    </a:solidFill>
-                    <a:effectLst/>
-                    <a:latin typeface="Arial Unicode MS"/>
-                    <a:ea typeface="var(--jp-code-font-family)"/>
-                  </a:rPr>
-                  <a:t>一行n列</a:t>
-                </a:r>
-                <a:r>
-                  <a:rPr kumimoji="0" lang="zh-CN" altLang="zh-CN" sz="1600" b="0" i="0" u="none" strike="noStrike" cap="none" normalizeH="0" baseline="0" dirty="0">
-                    <a:ln>
-                      <a:noFill/>
-                    </a:ln>
-                    <a:solidFill>
-                      <a:schemeClr val="tx1"/>
-                    </a:solidFill>
-                    <a:effectLst/>
-                    <a:ea typeface="-apple-system"/>
-                  </a:rPr>
-                  <a:t>，形态为：</a:t>
-                </a:r>
-                <a:r>
-                  <a:rPr kumimoji="0" lang="zh-CN" altLang="zh-CN" sz="1600" b="0" i="0" u="none" strike="noStrike" cap="none" normalizeH="0" baseline="0" dirty="0">
-                    <a:ln>
-                      <a:noFill/>
-                    </a:ln>
-                    <a:solidFill>
-                      <a:schemeClr val="tx1"/>
-                    </a:solidFill>
-                    <a:effectLst/>
-                    <a:ea typeface="STIXMathJax_Main"/>
-                  </a:rPr>
-                  <a:t>1×</a:t>
-                </a:r>
-                <a:r>
-                  <a:rPr kumimoji="0" lang="zh-CN" altLang="zh-CN" sz="1600" b="0" i="0" u="none" strike="noStrike" cap="none" normalizeH="0" baseline="0" dirty="0">
-                    <a:ln>
-                      <a:noFill/>
-                    </a:ln>
-                    <a:solidFill>
-                      <a:schemeClr val="tx1"/>
-                    </a:solidFill>
-                    <a:effectLst/>
-                    <a:ea typeface="STIXMathJax_Normal-italic"/>
-                  </a:rPr>
-                  <a:t>𝑛</a:t>
-                </a:r>
-                <a:r>
-                  <a:rPr kumimoji="0" lang="zh-CN" altLang="zh-CN" sz="1600" b="0" i="0" u="none" strike="noStrike" cap="none" normalizeH="0" baseline="0" dirty="0">
-                    <a:ln>
-                      <a:noFill/>
-                    </a:ln>
-                    <a:solidFill>
-                      <a:schemeClr val="tx1"/>
-                    </a:solidFill>
-                    <a:effectLst/>
-                    <a:ea typeface="-apple-system"/>
-                  </a:rPr>
-                  <a:t> (1, 4)。</a:t>
+                  <a:t>，一行n列，形态为：1×𝑛 (1, 4)。</a:t>
                 </a:r>
               </a:p>
               <a:p>
@@ -8999,7 +8801,8 @@
                       <a:schemeClr val="tx1"/>
                     </a:solidFill>
                     <a:effectLst/>
-                    <a:ea typeface="-apple-system"/>
+                    <a:latin typeface="+mj-ea"/>
+                    <a:ea typeface="+mj-ea"/>
                   </a:rPr>
                   <a:t>在转换为二维矩阵后，就可以通过矩阵的转置实现</a:t>
                 </a:r>
@@ -9012,8 +8815,8 @@
                       <a:srgbClr val="0000FF"/>
                     </a:solidFill>
                     <a:effectLst/>
-                    <a:latin typeface="Arial Unicode MS"/>
-                    <a:ea typeface="var(--jp-code-font-family)"/>
+                    <a:latin typeface="+mj-ea"/>
+                    <a:ea typeface="+mj-ea"/>
                   </a:rPr>
                   <a:t>行向量</a:t>
                 </a:r>
@@ -9026,7 +8829,8 @@
                       <a:schemeClr val="tx1"/>
                     </a:solidFill>
                     <a:effectLst/>
-                    <a:ea typeface="-apple-system"/>
+                    <a:latin typeface="+mj-ea"/>
+                    <a:ea typeface="+mj-ea"/>
                   </a:rPr>
                   <a:t>向</a:t>
                 </a:r>
@@ -9039,8 +8843,8 @@
                       <a:srgbClr val="0000FF"/>
                     </a:solidFill>
                     <a:effectLst/>
-                    <a:latin typeface="Arial Unicode MS"/>
-                    <a:ea typeface="var(--jp-code-font-family)"/>
+                    <a:latin typeface="+mj-ea"/>
+                    <a:ea typeface="+mj-ea"/>
                   </a:rPr>
                   <a:t>列向量</a:t>
                 </a:r>
@@ -9053,7 +8857,8 @@
                       <a:schemeClr val="tx1"/>
                     </a:solidFill>
                     <a:effectLst/>
-                    <a:ea typeface="-apple-system"/>
+                    <a:latin typeface="+mj-ea"/>
+                    <a:ea typeface="+mj-ea"/>
                   </a:rPr>
                   <a:t>的转换，此时的数据 </a:t>
                 </a:r>
@@ -9061,13 +8866,15 @@
                   <m:oMath xmlns:m="http://schemas.openxmlformats.org/officeDocument/2006/math">
                     <m:r>
                       <a:rPr lang="en-US" altLang="zh-CN" sz="1600" i="1">
-                        <a:latin typeface="Cambria Math" panose="02040503050406030204" pitchFamily="18" charset="0"/>
+                        <a:latin typeface="+mj-ea"/>
+                        <a:ea typeface="+mj-ea"/>
                       </a:rPr>
                       <m:t>𝐴</m:t>
                     </m:r>
                     <m:r>
                       <a:rPr lang="en-US" altLang="zh-CN" sz="1600" i="1" baseline="-25000">
-                        <a:latin typeface="Cambria Math" panose="02040503050406030204" pitchFamily="18" charset="0"/>
+                        <a:latin typeface="+mj-ea"/>
+                        <a:ea typeface="+mj-ea"/>
                       </a:rPr>
                       <m:t>2</m:t>
                     </m:r>
@@ -9075,7 +8882,8 @@
                 </a14:m>
                 <a:r>
                   <a:rPr lang="zh-CN" altLang="zh-CN" sz="1600" dirty="0">
-                    <a:ea typeface="-apple-system"/>
+                    <a:latin typeface="+mj-ea"/>
+                    <a:ea typeface="+mj-ea"/>
                   </a:rPr>
                   <a:t> </a:t>
                 </a:r>
@@ -9088,25 +8896,31 @@
                       <a:schemeClr val="tx1"/>
                     </a:solidFill>
                     <a:effectLst/>
-                    <a:ea typeface="-apple-system"/>
+                    <a:latin typeface="+mj-ea"/>
+                    <a:ea typeface="+mj-ea"/>
                   </a:rPr>
                   <a:t> 将转变为一个列向量</a:t>
                 </a:r>
                 <a:r>
-                  <a:rPr lang="en-US" altLang="zh-CN" sz="1600" dirty="0"/>
+                  <a:rPr lang="en-US" altLang="zh-CN" sz="1600" dirty="0">
+                    <a:latin typeface="+mj-ea"/>
+                    <a:ea typeface="+mj-ea"/>
+                  </a:rPr>
                   <a:t> </a:t>
                 </a:r>
                 <a14:m>
                   <m:oMath xmlns:m="http://schemas.openxmlformats.org/officeDocument/2006/math">
                     <m:r>
                       <a:rPr lang="en-US" altLang="zh-CN" sz="1600" b="0" i="1" smtClean="0">
-                        <a:latin typeface="Cambria Math" panose="02040503050406030204" pitchFamily="18" charset="0"/>
+                        <a:latin typeface="+mj-ea"/>
+                        <a:ea typeface="+mj-ea"/>
                       </a:rPr>
                       <m:t>𝐵</m:t>
                     </m:r>
                     <m:r>
                       <a:rPr lang="en-US" altLang="zh-CN" sz="1600" i="1" baseline="-25000">
-                        <a:latin typeface="Cambria Math" panose="02040503050406030204" pitchFamily="18" charset="0"/>
+                        <a:latin typeface="+mj-ea"/>
+                        <a:ea typeface="+mj-ea"/>
                       </a:rPr>
                       <m:t>2 </m:t>
                     </m:r>
@@ -9121,7 +8935,8 @@
                       <a:schemeClr val="tx1"/>
                     </a:solidFill>
                     <a:effectLst/>
-                    <a:ea typeface="-apple-system"/>
+                    <a:latin typeface="+mj-ea"/>
+                    <a:ea typeface="+mj-ea"/>
                   </a:rPr>
                   <a:t>，</a:t>
                 </a:r>
@@ -9134,8 +8949,8 @@
                       <a:schemeClr val="tx1"/>
                     </a:solidFill>
                     <a:effectLst/>
-                    <a:latin typeface="Arial Unicode MS"/>
-                    <a:ea typeface="var(--jp-code-font-family)"/>
+                    <a:latin typeface="+mj-ea"/>
+                    <a:ea typeface="+mj-ea"/>
                   </a:rPr>
                   <a:t>n</a:t>
                 </a:r>
@@ -9148,84 +8963,38 @@
                       <a:schemeClr val="tx1"/>
                     </a:solidFill>
                     <a:effectLst/>
-                    <a:latin typeface="Arial Unicode MS"/>
-                    <a:ea typeface="var(--jp-code-font-family)"/>
+                    <a:latin typeface="+mj-ea"/>
+                    <a:ea typeface="+mj-ea"/>
                   </a:rPr>
-                  <a:t>行一列</a:t>
+                  <a:t>行一列，形态为：𝑛×1 (4, 1) ，表示为: </a:t>
                 </a:r>
                 <a:r>
-                  <a:rPr kumimoji="0" lang="zh-CN" altLang="zh-CN" sz="1600" b="0" i="0" u="none" strike="noStrike" cap="none" normalizeH="0" baseline="0" dirty="0">
-                    <a:ln>
-                      <a:noFill/>
-                    </a:ln>
-                    <a:solidFill>
-                      <a:schemeClr val="tx1"/>
-                    </a:solidFill>
-                    <a:effectLst/>
-                    <a:ea typeface="-apple-system"/>
+                  <a:rPr lang="en-US" altLang="zh-CN" sz="1600" dirty="0">
+                    <a:latin typeface="+mj-ea"/>
+                    <a:ea typeface="+mj-ea"/>
                   </a:rPr>
-                  <a:t>，形态为：</a:t>
-                </a:r>
-                <a:r>
-                  <a:rPr kumimoji="0" lang="zh-CN" altLang="zh-CN" sz="1600" b="0" i="0" u="none" strike="noStrike" cap="none" normalizeH="0" baseline="0" dirty="0">
-                    <a:ln>
-                      <a:noFill/>
-                    </a:ln>
-                    <a:solidFill>
-                      <a:schemeClr val="tx1"/>
-                    </a:solidFill>
-                    <a:effectLst/>
-                    <a:ea typeface="STIXMathJax_Normal-italic"/>
-                  </a:rPr>
-                  <a:t>𝑛</a:t>
-                </a:r>
-                <a:r>
-                  <a:rPr kumimoji="0" lang="zh-CN" altLang="zh-CN" sz="1600" b="0" i="0" u="none" strike="noStrike" cap="none" normalizeH="0" baseline="0" dirty="0">
-                    <a:ln>
-                      <a:noFill/>
-                    </a:ln>
-                    <a:solidFill>
-                      <a:schemeClr val="tx1"/>
-                    </a:solidFill>
-                    <a:effectLst/>
-                    <a:ea typeface="STIXMathJax_Main"/>
-                  </a:rPr>
-                  <a:t>×1</a:t>
-                </a:r>
-                <a:r>
-                  <a:rPr kumimoji="0" lang="zh-CN" altLang="zh-CN" sz="1600" b="0" i="0" u="none" strike="noStrike" cap="none" normalizeH="0" baseline="0" dirty="0">
-                    <a:ln>
-                      <a:noFill/>
-                    </a:ln>
-                    <a:solidFill>
-                      <a:schemeClr val="tx1"/>
-                    </a:solidFill>
-                    <a:effectLst/>
-                    <a:ea typeface="-apple-system"/>
-                  </a:rPr>
-                  <a:t> (4, 1) ，表示为: </a:t>
-                </a:r>
-                <a:r>
-                  <a:rPr lang="en-US" altLang="zh-CN" sz="1600" dirty="0"/>
                   <a:t> </a:t>
                 </a:r>
                 <a14:m>
                   <m:oMath xmlns:m="http://schemas.openxmlformats.org/officeDocument/2006/math">
                     <m:r>
                       <a:rPr lang="en-US" altLang="zh-CN" sz="1600" i="1">
-                        <a:latin typeface="Cambria Math" panose="02040503050406030204" pitchFamily="18" charset="0"/>
+                        <a:latin typeface="+mj-ea"/>
+                        <a:ea typeface="+mj-ea"/>
                       </a:rPr>
                       <m:t>𝐴</m:t>
                     </m:r>
                     <m:r>
                       <a:rPr lang="en-US" altLang="zh-CN" sz="1600" b="0" i="1" baseline="-25000" smtClean="0">
-                        <a:latin typeface="Cambria Math" panose="02040503050406030204" pitchFamily="18" charset="0"/>
+                        <a:latin typeface="+mj-ea"/>
+                        <a:ea typeface="+mj-ea"/>
                       </a:rPr>
                       <m:t>3</m:t>
                     </m:r>
                     <m:r>
                       <a:rPr lang="en-US" altLang="zh-CN" sz="1600" i="1" baseline="-25000">
-                        <a:latin typeface="Cambria Math" panose="02040503050406030204" pitchFamily="18" charset="0"/>
+                        <a:latin typeface="+mj-ea"/>
+                        <a:ea typeface="+mj-ea"/>
                       </a:rPr>
                       <m:t> </m:t>
                     </m:r>
@@ -9242,9 +9011,42 @@
                       </a:schemeClr>
                     </a:solidFill>
                     <a:effectLst/>
-                    <a:ea typeface="STIXMathJax_Main"/>
+                    <a:latin typeface="+mj-ea"/>
+                    <a:ea typeface="+mj-ea"/>
                   </a:rPr>
-                  <a:t>=[</a:t>
+                  <a:t>=[𝑎</a:t>
+                </a:r>
+                <a:r>
+                  <a:rPr kumimoji="0" lang="zh-CN" altLang="zh-CN" sz="1600" b="0" i="0" u="none" strike="noStrike" cap="none" normalizeH="0" baseline="-25000" dirty="0">
+                    <a:ln>
+                      <a:noFill/>
+                    </a:ln>
+                    <a:solidFill>
+                      <a:schemeClr val="accent6">
+                        <a:lumMod val="75000"/>
+                      </a:schemeClr>
+                    </a:solidFill>
+                    <a:effectLst/>
+                    <a:latin typeface="+mj-ea"/>
+                    <a:ea typeface="+mj-ea"/>
+                  </a:rPr>
+                  <a:t>11</a:t>
+                </a:r>
+                <a:r>
+                  <a:rPr kumimoji="0" lang="en-US" altLang="zh-CN" sz="1600" b="0" i="0" u="none" strike="noStrike" cap="none" normalizeH="0" baseline="0" dirty="0">
+                    <a:ln>
+                      <a:noFill/>
+                    </a:ln>
+                    <a:solidFill>
+                      <a:schemeClr val="accent6">
+                        <a:lumMod val="75000"/>
+                      </a:schemeClr>
+                    </a:solidFill>
+                    <a:effectLst/>
+                    <a:latin typeface="+mj-ea"/>
+                    <a:ea typeface="+mj-ea"/>
+                  </a:rPr>
+                  <a:t>; </a:t>
                 </a:r>
                 <a:r>
                   <a:rPr kumimoji="0" lang="zh-CN" altLang="zh-CN" sz="1600" b="0" i="0" u="none" strike="noStrike" cap="none" normalizeH="0" baseline="0" dirty="0">
@@ -9257,7 +9059,8 @@
                       </a:schemeClr>
                     </a:solidFill>
                     <a:effectLst/>
-                    <a:ea typeface="STIXMathJax_Normal-italic"/>
+                    <a:latin typeface="+mj-ea"/>
+                    <a:ea typeface="+mj-ea"/>
                   </a:rPr>
                   <a:t>𝑎</a:t>
                 </a:r>
@@ -9272,9 +9075,26 @@
                       </a:schemeClr>
                     </a:solidFill>
                     <a:effectLst/>
-                    <a:ea typeface="STIXMathJax_Main"/>
+                    <a:latin typeface="+mj-ea"/>
+                    <a:ea typeface="+mj-ea"/>
                   </a:rPr>
-                  <a:t>11</a:t>
+                  <a:t>21</a:t>
+                </a:r>
+                <a:r>
+                  <a:rPr kumimoji="0" lang="zh-CN" altLang="zh-CN" sz="1600" b="0" i="0" u="none" strike="noStrike" cap="none" normalizeH="0" baseline="0" dirty="0">
+                    <a:ln>
+                      <a:noFill/>
+                    </a:ln>
+                    <a:solidFill>
+                      <a:schemeClr val="accent6">
+                        <a:lumMod val="75000"/>
+                      </a:schemeClr>
+                    </a:solidFill>
+                    <a:effectLst/>
+                    <a:latin typeface="+mj-ea"/>
+                    <a:ea typeface="+mj-ea"/>
+                  </a:rPr>
+                  <a:t>;</a:t>
                 </a:r>
                 <a:r>
                   <a:rPr kumimoji="0" lang="en-US" altLang="zh-CN" sz="1600" b="0" i="0" u="none" strike="noStrike" cap="none" normalizeH="0" baseline="0" dirty="0">
@@ -9287,9 +9107,10 @@
                       </a:schemeClr>
                     </a:solidFill>
                     <a:effectLst/>
-                    <a:ea typeface="STIXMathJax_Main"/>
+                    <a:latin typeface="+mj-ea"/>
+                    <a:ea typeface="+mj-ea"/>
                   </a:rPr>
-                  <a:t>; </a:t>
+                  <a:t> </a:t>
                 </a:r>
                 <a:r>
                   <a:rPr kumimoji="0" lang="zh-CN" altLang="zh-CN" sz="1600" b="0" i="0" u="none" strike="noStrike" cap="none" normalizeH="0" baseline="0" dirty="0">
@@ -9302,7 +9123,40 @@
                       </a:schemeClr>
                     </a:solidFill>
                     <a:effectLst/>
-                    <a:ea typeface="STIXMathJax_Normal-italic"/>
+                    <a:latin typeface="+mj-ea"/>
+                    <a:ea typeface="+mj-ea"/>
+                  </a:rPr>
+                  <a:t>...;</a:t>
+                </a:r>
+                <a:r>
+                  <a:rPr kumimoji="0" lang="en-US" altLang="zh-CN" sz="1600" b="0" i="0" u="none" strike="noStrike" cap="none" normalizeH="0" baseline="0" dirty="0">
+                    <a:ln>
+                      <a:noFill/>
+                    </a:ln>
+                    <a:solidFill>
+                      <a:schemeClr val="accent6">
+                        <a:lumMod val="75000"/>
+                      </a:schemeClr>
+                    </a:solidFill>
+                    <a:effectLst/>
+                    <a:latin typeface="+mj-ea"/>
+                    <a:ea typeface="+mj-ea"/>
+                  </a:rPr>
+                  <a:t> </a:t>
+                </a:r>
+                <a:r>
+                  <a:rPr kumimoji="0" lang="zh-CN" altLang="zh-CN" sz="1600" b="0" i="0" u="none" strike="noStrike" cap="none" normalizeH="0" baseline="0" dirty="0">
+                    <a:ln>
+                      <a:noFill/>
+                    </a:ln>
+                    <a:solidFill>
+                      <a:schemeClr val="accent6">
+                        <a:lumMod val="75000"/>
+                      </a:schemeClr>
+                    </a:solidFill>
+                    <a:effectLst/>
+                    <a:latin typeface="+mj-ea"/>
+                    <a:ea typeface="+mj-ea"/>
                   </a:rPr>
                   <a:t>𝑎</a:t>
                 </a:r>
@@ -9317,9 +9171,10 @@
                       </a:schemeClr>
                     </a:solidFill>
                     <a:effectLst/>
-                    <a:ea typeface="STIXMathJax_Main"/>
+                    <a:latin typeface="+mj-ea"/>
+                    <a:ea typeface="+mj-ea"/>
                   </a:rPr>
-                  <a:t>21</a:t>
+                  <a:t>𝑛1</a:t>
                 </a:r>
                 <a:r>
                   <a:rPr kumimoji="0" lang="zh-CN" altLang="zh-CN" sz="1600" b="0" i="0" u="none" strike="noStrike" cap="none" normalizeH="0" baseline="0" dirty="0">
@@ -9332,112 +9187,8 @@
                       </a:schemeClr>
                     </a:solidFill>
                     <a:effectLst/>
-                    <a:ea typeface="STIXMathJax_Main"/>
-                  </a:rPr>
-                  <a:t>;</a:t>
-                </a:r>
-                <a:r>
-                  <a:rPr kumimoji="0" lang="en-US" altLang="zh-CN" sz="1600" b="0" i="0" u="none" strike="noStrike" cap="none" normalizeH="0" baseline="0" dirty="0">
-                    <a:ln>
-                      <a:noFill/>
-                    </a:ln>
-                    <a:solidFill>
-                      <a:schemeClr val="accent6">
-                        <a:lumMod val="75000"/>
-                      </a:schemeClr>
-                    </a:solidFill>
-                    <a:effectLst/>
-                    <a:ea typeface="STIXMathJax_Main"/>
-                  </a:rPr>
-                  <a:t> </a:t>
-                </a:r>
-                <a:r>
-                  <a:rPr kumimoji="0" lang="zh-CN" altLang="zh-CN" sz="1600" b="0" i="0" u="none" strike="noStrike" cap="none" normalizeH="0" baseline="0" dirty="0">
-                    <a:ln>
-                      <a:noFill/>
-                    </a:ln>
-                    <a:solidFill>
-                      <a:schemeClr val="accent6">
-                        <a:lumMod val="75000"/>
-                      </a:schemeClr>
-                    </a:solidFill>
-                    <a:effectLst/>
-                    <a:ea typeface="STIXMathJax_Main"/>
-                  </a:rPr>
-                  <a:t>...;</a:t>
-                </a:r>
-                <a:r>
-                  <a:rPr kumimoji="0" lang="en-US" altLang="zh-CN" sz="1600" b="0" i="0" u="none" strike="noStrike" cap="none" normalizeH="0" baseline="0" dirty="0">
-                    <a:ln>
-                      <a:noFill/>
-                    </a:ln>
-                    <a:solidFill>
-                      <a:schemeClr val="accent6">
-                        <a:lumMod val="75000"/>
-                      </a:schemeClr>
-                    </a:solidFill>
-                    <a:effectLst/>
-                    <a:ea typeface="STIXMathJax_Main"/>
-                  </a:rPr>
-                  <a:t> </a:t>
-                </a:r>
-                <a:r>
-                  <a:rPr kumimoji="0" lang="zh-CN" altLang="zh-CN" sz="1600" b="0" i="0" u="none" strike="noStrike" cap="none" normalizeH="0" baseline="0" dirty="0">
-                    <a:ln>
-                      <a:noFill/>
-                    </a:ln>
-                    <a:solidFill>
-                      <a:schemeClr val="accent6">
-                        <a:lumMod val="75000"/>
-                      </a:schemeClr>
-                    </a:solidFill>
-                    <a:effectLst/>
-                    <a:ea typeface="STIXMathJax_Normal-italic"/>
-                  </a:rPr>
-                  <a:t>𝑎</a:t>
-                </a:r>
-                <a:r>
-                  <a:rPr kumimoji="0" lang="zh-CN" altLang="zh-CN" sz="1600" b="0" i="0" u="none" strike="noStrike" cap="none" normalizeH="0" baseline="-25000" dirty="0">
-                    <a:ln>
-                      <a:noFill/>
-                    </a:ln>
-                    <a:solidFill>
-                      <a:schemeClr val="accent6">
-                        <a:lumMod val="75000"/>
-                      </a:schemeClr>
-                    </a:solidFill>
-                    <a:effectLst/>
-                    <a:ea typeface="STIXMathJax_Normal-italic"/>
-                  </a:rPr>
-                  <a:t>𝑛</a:t>
-                </a:r>
-                <a:r>
-                  <a:rPr kumimoji="0" lang="zh-CN" altLang="zh-CN" sz="1600" b="0" i="0" u="none" strike="noStrike" cap="none" normalizeH="0" baseline="-25000" dirty="0">
-                    <a:ln>
-                      <a:noFill/>
-                    </a:ln>
-                    <a:solidFill>
-                      <a:schemeClr val="accent6">
-                        <a:lumMod val="75000"/>
-                      </a:schemeClr>
-                    </a:solidFill>
-                    <a:effectLst/>
-                    <a:ea typeface="STIXMathJax_Main"/>
-                  </a:rPr>
-                  <a:t>1</a:t>
-                </a:r>
-                <a:r>
-                  <a:rPr kumimoji="0" lang="zh-CN" altLang="zh-CN" sz="1600" b="0" i="0" u="none" strike="noStrike" cap="none" normalizeH="0" baseline="0" dirty="0">
-                    <a:ln>
-                      <a:noFill/>
-                    </a:ln>
-                    <a:solidFill>
-                      <a:schemeClr val="accent6">
-                        <a:lumMod val="75000"/>
-                      </a:schemeClr>
-                    </a:solidFill>
-                    <a:effectLst/>
-                    <a:ea typeface="STIXMathJax_Main"/>
+                    <a:latin typeface="+mj-ea"/>
+                    <a:ea typeface="+mj-ea"/>
                   </a:rPr>
                   <a:t>]</a:t>
                 </a:r>
@@ -9450,7 +9201,8 @@
                       <a:schemeClr val="tx1"/>
                     </a:solidFill>
                     <a:effectLst/>
-                    <a:ea typeface="-apple-system"/>
+                    <a:latin typeface="+mj-ea"/>
+                    <a:ea typeface="+mj-ea"/>
                   </a:rPr>
                   <a:t>。</a:t>
                 </a:r>
@@ -10291,8 +10043,8 @@
           </a:p>
         </p:txBody>
       </p:sp>
-      <mc:AlternateContent xmlns:mc="http://schemas.openxmlformats.org/markup-compatibility/2006">
-        <mc:Choice xmlns:a14="http://schemas.microsoft.com/office/drawing/2010/main" Requires="a14">
+      <mc:AlternateContent xmlns:mc="http://schemas.openxmlformats.org/markup-compatibility/2006" xmlns:a14="http://schemas.microsoft.com/office/drawing/2010/main">
+        <mc:Choice Requires="a14">
           <p:sp>
             <p:nvSpPr>
               <p:cNvPr id="7" name="Rectangle 1">
@@ -10736,7 +10488,7 @@
             </p:txBody>
           </p:sp>
         </mc:Choice>
-        <mc:Fallback>
+        <mc:Fallback xmlns="">
           <p:sp>
             <p:nvSpPr>
               <p:cNvPr id="7" name="Rectangle 1">
@@ -12092,8 +11844,8 @@
           <a:chExt cx="0" cy="0"/>
         </a:xfrm>
       </p:grpSpPr>
-      <mc:AlternateContent xmlns:mc="http://schemas.openxmlformats.org/markup-compatibility/2006">
-        <mc:Choice xmlns:a14="http://schemas.microsoft.com/office/drawing/2010/main" Requires="a14">
+      <mc:AlternateContent xmlns:mc="http://schemas.openxmlformats.org/markup-compatibility/2006" xmlns:a14="http://schemas.microsoft.com/office/drawing/2010/main">
+        <mc:Choice Requires="a14">
           <p:sp>
             <p:nvSpPr>
               <p:cNvPr id="5" name="内容占位符 4">
@@ -12371,7 +12123,7 @@
             </p:txBody>
           </p:sp>
         </mc:Choice>
-        <mc:Fallback>
+        <mc:Fallback xmlns="">
           <p:sp>
             <p:nvSpPr>
               <p:cNvPr id="5" name="内容占位符 4">
@@ -24109,7 +23861,7 @@
                 </a:pPr>
                 <a:r>
                   <a:rPr lang="zh-CN" altLang="en-US" dirty="0"/>
-                  <a:t>内积的</a:t>
+                  <a:t>外积的</a:t>
                 </a:r>
                 <a:r>
                   <a:rPr lang="zh-CN" altLang="en-US" b="1" dirty="0"/>
@@ -27394,10 +27146,10 @@
                                   </m:e>
                                   <m:sub>
                                     <m:r>
-                                      <a:rPr lang="en-US" altLang="zh-CN" b="0" i="1" smtClean="0">
+                                      <a:rPr lang="en-US" altLang="zh-CN" b="0" i="1">
                                         <a:latin typeface="Cambria Math" panose="02040503050406030204" pitchFamily="18" charset="0"/>
                                       </a:rPr>
-                                      <m:t>1</m:t>
+                                      <m:t>3</m:t>
                                     </m:r>
                                   </m:sub>
                                 </m:sSub>
@@ -29480,8 +29232,8 @@
           </a:p>
         </p:txBody>
       </p:sp>
-      <mc:AlternateContent xmlns:mc="http://schemas.openxmlformats.org/markup-compatibility/2006">
-        <mc:Choice xmlns:a14="http://schemas.microsoft.com/office/drawing/2010/main" Requires="a14">
+      <mc:AlternateContent xmlns:mc="http://schemas.openxmlformats.org/markup-compatibility/2006" xmlns:a14="http://schemas.microsoft.com/office/drawing/2010/main">
+        <mc:Choice Requires="a14">
           <p:sp>
             <p:nvSpPr>
               <p:cNvPr id="2" name="内容占位符 1">
@@ -29850,7 +29602,7 @@
             </p:txBody>
           </p:sp>
         </mc:Choice>
-        <mc:Fallback>
+        <mc:Fallback xmlns="">
           <p:sp>
             <p:nvSpPr>
               <p:cNvPr id="2" name="内容占位符 1">
@@ -30412,8 +30164,8 @@
           </a:p>
         </p:txBody>
       </p:sp>
-      <mc:AlternateContent xmlns:mc="http://schemas.openxmlformats.org/markup-compatibility/2006">
-        <mc:Choice xmlns:a14="http://schemas.microsoft.com/office/drawing/2010/main" Requires="a14">
+      <mc:AlternateContent xmlns:mc="http://schemas.openxmlformats.org/markup-compatibility/2006" xmlns:a14="http://schemas.microsoft.com/office/drawing/2010/main">
+        <mc:Choice Requires="a14">
           <p:sp>
             <p:nvSpPr>
               <p:cNvPr id="2" name="内容占位符 1">
@@ -31450,7 +31202,7 @@
             </p:txBody>
           </p:sp>
         </mc:Choice>
-        <mc:Fallback>
+        <mc:Fallback xmlns="">
           <p:sp>
             <p:nvSpPr>
               <p:cNvPr id="2" name="内容占位符 1">
@@ -36301,8 +36053,8 @@
           </a:p>
         </p:txBody>
       </p:sp>
-      <mc:AlternateContent xmlns:mc="http://schemas.openxmlformats.org/markup-compatibility/2006">
-        <mc:Choice xmlns:a14="http://schemas.microsoft.com/office/drawing/2010/main" Requires="a14">
+      <mc:AlternateContent xmlns:mc="http://schemas.openxmlformats.org/markup-compatibility/2006" xmlns:a14="http://schemas.microsoft.com/office/drawing/2010/main">
+        <mc:Choice Requires="a14">
           <p:sp>
             <p:nvSpPr>
               <p:cNvPr id="5" name="内容占位符 4">
@@ -36806,7 +36558,7 @@
             </p:txBody>
           </p:sp>
         </mc:Choice>
-        <mc:Fallback>
+        <mc:Fallback xmlns="">
           <p:sp>
             <p:nvSpPr>
               <p:cNvPr id="5" name="内容占位符 4">

--- a/ComputerMath/PPT/第02讲 描述空间的工具—向量.pptx
+++ b/ComputerMath/PPT/第02讲 描述空间的工具—向量.pptx
@@ -5,7 +5,7 @@
     <p:sldMasterId id="2147483648" r:id="rId1"/>
   </p:sldMasterIdLst>
   <p:notesMasterIdLst>
-    <p:notesMasterId r:id="rId48"/>
+    <p:notesMasterId r:id="rId49"/>
   </p:notesMasterIdLst>
   <p:sldIdLst>
     <p:sldId id="301" r:id="rId2"/>
@@ -13,47 +13,48 @@
     <p:sldId id="372" r:id="rId4"/>
     <p:sldId id="315" r:id="rId5"/>
     <p:sldId id="413" r:id="rId6"/>
-    <p:sldId id="415" r:id="rId7"/>
-    <p:sldId id="416" r:id="rId8"/>
-    <p:sldId id="373" r:id="rId9"/>
-    <p:sldId id="414" r:id="rId10"/>
-    <p:sldId id="374" r:id="rId11"/>
-    <p:sldId id="380" r:id="rId12"/>
-    <p:sldId id="375" r:id="rId13"/>
-    <p:sldId id="381" r:id="rId14"/>
-    <p:sldId id="383" r:id="rId15"/>
-    <p:sldId id="384" r:id="rId16"/>
-    <p:sldId id="385" r:id="rId17"/>
-    <p:sldId id="386" r:id="rId18"/>
-    <p:sldId id="376" r:id="rId19"/>
-    <p:sldId id="387" r:id="rId20"/>
-    <p:sldId id="388" r:id="rId21"/>
-    <p:sldId id="389" r:id="rId22"/>
-    <p:sldId id="377" r:id="rId23"/>
-    <p:sldId id="390" r:id="rId24"/>
-    <p:sldId id="391" r:id="rId25"/>
-    <p:sldId id="392" r:id="rId26"/>
-    <p:sldId id="393" r:id="rId27"/>
-    <p:sldId id="394" r:id="rId28"/>
-    <p:sldId id="378" r:id="rId29"/>
-    <p:sldId id="395" r:id="rId30"/>
-    <p:sldId id="396" r:id="rId31"/>
-    <p:sldId id="397" r:id="rId32"/>
-    <p:sldId id="398" r:id="rId33"/>
-    <p:sldId id="399" r:id="rId34"/>
-    <p:sldId id="400" r:id="rId35"/>
-    <p:sldId id="402" r:id="rId36"/>
-    <p:sldId id="403" r:id="rId37"/>
-    <p:sldId id="407" r:id="rId38"/>
-    <p:sldId id="406" r:id="rId39"/>
-    <p:sldId id="404" r:id="rId40"/>
-    <p:sldId id="408" r:id="rId41"/>
-    <p:sldId id="405" r:id="rId42"/>
-    <p:sldId id="379" r:id="rId43"/>
-    <p:sldId id="409" r:id="rId44"/>
-    <p:sldId id="410" r:id="rId45"/>
-    <p:sldId id="411" r:id="rId46"/>
-    <p:sldId id="342" r:id="rId47"/>
+    <p:sldId id="417" r:id="rId7"/>
+    <p:sldId id="415" r:id="rId8"/>
+    <p:sldId id="416" r:id="rId9"/>
+    <p:sldId id="373" r:id="rId10"/>
+    <p:sldId id="414" r:id="rId11"/>
+    <p:sldId id="374" r:id="rId12"/>
+    <p:sldId id="380" r:id="rId13"/>
+    <p:sldId id="375" r:id="rId14"/>
+    <p:sldId id="381" r:id="rId15"/>
+    <p:sldId id="383" r:id="rId16"/>
+    <p:sldId id="384" r:id="rId17"/>
+    <p:sldId id="385" r:id="rId18"/>
+    <p:sldId id="386" r:id="rId19"/>
+    <p:sldId id="376" r:id="rId20"/>
+    <p:sldId id="387" r:id="rId21"/>
+    <p:sldId id="388" r:id="rId22"/>
+    <p:sldId id="389" r:id="rId23"/>
+    <p:sldId id="377" r:id="rId24"/>
+    <p:sldId id="390" r:id="rId25"/>
+    <p:sldId id="391" r:id="rId26"/>
+    <p:sldId id="392" r:id="rId27"/>
+    <p:sldId id="393" r:id="rId28"/>
+    <p:sldId id="394" r:id="rId29"/>
+    <p:sldId id="378" r:id="rId30"/>
+    <p:sldId id="395" r:id="rId31"/>
+    <p:sldId id="396" r:id="rId32"/>
+    <p:sldId id="397" r:id="rId33"/>
+    <p:sldId id="398" r:id="rId34"/>
+    <p:sldId id="399" r:id="rId35"/>
+    <p:sldId id="400" r:id="rId36"/>
+    <p:sldId id="402" r:id="rId37"/>
+    <p:sldId id="403" r:id="rId38"/>
+    <p:sldId id="407" r:id="rId39"/>
+    <p:sldId id="406" r:id="rId40"/>
+    <p:sldId id="404" r:id="rId41"/>
+    <p:sldId id="408" r:id="rId42"/>
+    <p:sldId id="405" r:id="rId43"/>
+    <p:sldId id="379" r:id="rId44"/>
+    <p:sldId id="409" r:id="rId45"/>
+    <p:sldId id="410" r:id="rId46"/>
+    <p:sldId id="411" r:id="rId47"/>
+    <p:sldId id="342" r:id="rId48"/>
   </p:sldIdLst>
   <p:sldSz cx="6858000" cy="5143500"/>
   <p:notesSz cx="9144000" cy="5143500"/>
@@ -265,7 +266,7 @@
           <a:p>
             <a:fld id="{87DCD449-0720-4299-8DE9-69CE28848277}" type="datetimeFigureOut">
               <a:rPr lang="zh-CN" altLang="en-US" smtClean="0"/>
-              <a:t>2020-3-16</a:t>
+              <a:t>2020-4-6</a:t>
             </a:fld>
             <a:endParaRPr lang="zh-CN" altLang="en-US"/>
           </a:p>
@@ -6134,6 +6135,1007 @@
       </p:grpSpPr>
       <p:sp>
         <p:nvSpPr>
+          <p:cNvPr id="4" name="文本占位符 3">
+            <a:extLst>
+              <a:ext uri="{FF2B5EF4-FFF2-40B4-BE49-F238E27FC236}">
+                <a16:creationId xmlns:a16="http://schemas.microsoft.com/office/drawing/2014/main" id="{7CFA2C62-05FA-4EF8-8E6D-26C78A20356A}"/>
+              </a:ext>
+            </a:extLst>
+          </p:cNvPr>
+          <p:cNvSpPr>
+            <a:spLocks noGrp="1"/>
+          </p:cNvSpPr>
+          <p:nvPr>
+            <p:ph type="body" sz="quarter" idx="10"/>
+          </p:nvPr>
+        </p:nvSpPr>
+        <p:spPr/>
+        <p:txBody>
+          <a:bodyPr/>
+          <a:lstStyle/>
+          <a:p>
+            <a:r>
+              <a:rPr lang="zh-CN" altLang="en-US" dirty="0"/>
+              <a:t>计算机领域主要使用列向量 </a:t>
+            </a:r>
+          </a:p>
+        </p:txBody>
+      </p:sp>
+      <mc:AlternateContent xmlns:mc="http://schemas.openxmlformats.org/markup-compatibility/2006" xmlns:a14="http://schemas.microsoft.com/office/drawing/2010/main">
+        <mc:Choice Requires="a14">
+          <p:sp>
+            <p:nvSpPr>
+              <p:cNvPr id="5" name="内容占位符 4">
+                <a:extLst>
+                  <a:ext uri="{FF2B5EF4-FFF2-40B4-BE49-F238E27FC236}">
+                    <a16:creationId xmlns:a16="http://schemas.microsoft.com/office/drawing/2014/main" id="{5CCA4662-DF9A-4A27-9148-F9B69A7884DE}"/>
+                  </a:ext>
+                </a:extLst>
+              </p:cNvPr>
+              <p:cNvSpPr>
+                <a:spLocks noGrp="1"/>
+              </p:cNvSpPr>
+              <p:nvPr>
+                <p:ph sz="quarter" idx="11"/>
+              </p:nvPr>
+            </p:nvSpPr>
+            <p:spPr>
+              <a:xfrm>
+                <a:off x="0" y="1047822"/>
+                <a:ext cx="6858000" cy="3689563"/>
+              </a:xfrm>
+            </p:spPr>
+            <p:txBody>
+              <a:bodyPr/>
+              <a:lstStyle/>
+              <a:p>
+                <a:r>
+                  <a:rPr lang="zh-CN" altLang="en-US" dirty="0"/>
+                  <a:t>       根据数字的排列方式，向量可以被分为</a:t>
+                </a:r>
+                <a:r>
+                  <a:rPr lang="zh-CN" altLang="en-US" dirty="0">
+                    <a:solidFill>
+                      <a:srgbClr val="0000FF"/>
+                    </a:solidFill>
+                  </a:rPr>
+                  <a:t>行向量</a:t>
+                </a:r>
+                <a:r>
+                  <a:rPr lang="zh-CN" altLang="en-US" dirty="0"/>
+                  <a:t>和</a:t>
+                </a:r>
+                <a:r>
+                  <a:rPr lang="zh-CN" altLang="en-US" dirty="0">
+                    <a:solidFill>
+                      <a:srgbClr val="0000FF"/>
+                    </a:solidFill>
+                  </a:rPr>
+                  <a:t>列向量</a:t>
+                </a:r>
+                <a:r>
+                  <a:rPr lang="zh-CN" altLang="en-US" dirty="0"/>
+                  <a:t>。在计算机领域中，我们常使用</a:t>
+                </a:r>
+                <a:r>
+                  <a:rPr lang="zh-CN" altLang="en-US" b="1" dirty="0">
+                    <a:solidFill>
+                      <a:srgbClr val="FF0000"/>
+                    </a:solidFill>
+                  </a:rPr>
+                  <a:t>列向量</a:t>
+                </a:r>
+                <a:r>
+                  <a:rPr lang="zh-CN" altLang="en-US" dirty="0"/>
+                  <a:t>来</a:t>
+                </a:r>
+                <a:r>
+                  <a:rPr lang="zh-CN" altLang="en-US" dirty="0">
+                    <a:solidFill>
+                      <a:schemeClr val="accent6">
+                        <a:lumMod val="75000"/>
+                      </a:schemeClr>
+                    </a:solidFill>
+                  </a:rPr>
+                  <a:t>表示</a:t>
+                </a:r>
+                <a:r>
+                  <a:rPr lang="zh-CN" altLang="en-US" dirty="0"/>
+                  <a:t>和</a:t>
+                </a:r>
+                <a:r>
+                  <a:rPr lang="zh-CN" altLang="en-US" dirty="0">
+                    <a:solidFill>
+                      <a:schemeClr val="accent6">
+                        <a:lumMod val="75000"/>
+                      </a:schemeClr>
+                    </a:solidFill>
+                  </a:rPr>
+                  <a:t>处理</a:t>
+                </a:r>
+                <a:r>
+                  <a:rPr lang="zh-CN" altLang="en-US" dirty="0"/>
+                  <a:t>向量。例如，将</a:t>
+                </a:r>
+                <a:r>
+                  <a:rPr lang="zh-CN" altLang="en-US" dirty="0">
+                    <a:solidFill>
+                      <a:schemeClr val="accent5">
+                        <a:lumMod val="75000"/>
+                      </a:schemeClr>
+                    </a:solidFill>
+                  </a:rPr>
+                  <a:t>矩阵</a:t>
+                </a:r>
+                <a:r>
+                  <a:rPr lang="en-US" altLang="zh-CN" b="1" i="1" dirty="0">
+                    <a:solidFill>
+                      <a:schemeClr val="accent5">
+                        <a:lumMod val="75000"/>
+                      </a:schemeClr>
+                    </a:solidFill>
+                  </a:rPr>
+                  <a:t>A</a:t>
+                </a:r>
+                <a:r>
+                  <a:rPr lang="zh-CN" altLang="en-US" dirty="0"/>
+                  <a:t>映射到</a:t>
+                </a:r>
+                <a:r>
+                  <a:rPr lang="zh-CN" altLang="en-US" dirty="0">
+                    <a:solidFill>
+                      <a:schemeClr val="accent5">
+                        <a:lumMod val="75000"/>
+                      </a:schemeClr>
+                    </a:solidFill>
+                  </a:rPr>
+                  <a:t>向量</a:t>
+                </a:r>
+                <a:r>
+                  <a:rPr lang="en-US" altLang="zh-CN" b="1" i="1" dirty="0">
+                    <a:solidFill>
+                      <a:schemeClr val="accent5">
+                        <a:lumMod val="75000"/>
+                      </a:schemeClr>
+                    </a:solidFill>
+                  </a:rPr>
+                  <a:t>x</a:t>
+                </a:r>
+                <a:r>
+                  <a:rPr lang="zh-CN" altLang="en-US" dirty="0"/>
+                  <a:t>上时，可以用</a:t>
+                </a:r>
+                <a:r>
+                  <a:rPr lang="en-US" altLang="zh-CN" b="1" i="1" dirty="0"/>
+                  <a:t>Ax </a:t>
+                </a:r>
+                <a:r>
+                  <a:rPr lang="zh-CN" altLang="en-US" dirty="0"/>
+                  <a:t>来表示，最常见的应用是求解</a:t>
+                </a:r>
+                <a:r>
+                  <a:rPr lang="zh-CN" altLang="en-US" dirty="0">
+                    <a:solidFill>
+                      <a:schemeClr val="accent6">
+                        <a:lumMod val="75000"/>
+                      </a:schemeClr>
+                    </a:solidFill>
+                  </a:rPr>
+                  <a:t>方程组</a:t>
+                </a:r>
+                <a:r>
+                  <a:rPr lang="zh-CN" altLang="en-US" dirty="0"/>
+                  <a:t>。列向量通常由</a:t>
+                </a:r>
+                <a:r>
+                  <a:rPr lang="zh-CN" altLang="en-US" dirty="0">
+                    <a:solidFill>
+                      <a:srgbClr val="0000FF"/>
+                    </a:solidFill>
+                  </a:rPr>
+                  <a:t>两种</a:t>
+                </a:r>
+                <a:r>
+                  <a:rPr lang="zh-CN" altLang="en-US" dirty="0"/>
+                  <a:t>表示方法。</a:t>
+                </a:r>
+                <a:endParaRPr lang="en-US" altLang="zh-CN" dirty="0"/>
+              </a:p>
+              <a:p>
+                <a:pPr marL="342900" indent="-342900">
+                  <a:buFont typeface="Wingdings" panose="05000000000000000000" pitchFamily="2" charset="2"/>
+                  <a:buChar char="l"/>
+                </a:pPr>
+                <a:r>
+                  <a:rPr lang="zh-CN" altLang="en-US" dirty="0"/>
+                  <a:t>直观表示：</a:t>
+                </a:r>
+                <a14:m>
+                  <m:oMath xmlns:m="http://schemas.openxmlformats.org/officeDocument/2006/math">
+                    <m:r>
+                      <a:rPr lang="zh-CN" altLang="en-US" i="1" smtClean="0">
+                        <a:latin typeface="Cambria Math" panose="02040503050406030204" pitchFamily="18" charset="0"/>
+                      </a:rPr>
+                      <m:t>𝛼</m:t>
+                    </m:r>
+                    <m:r>
+                      <a:rPr lang="en-US" altLang="zh-CN" i="1">
+                        <a:latin typeface="Cambria Math" panose="02040503050406030204" pitchFamily="18" charset="0"/>
+                      </a:rPr>
+                      <m:t>=</m:t>
+                    </m:r>
+                    <m:d>
+                      <m:dPr>
+                        <m:begChr m:val="["/>
+                        <m:endChr m:val="]"/>
+                        <m:ctrlPr>
+                          <a:rPr lang="en-US" altLang="zh-CN" i="1" smtClean="0">
+                            <a:latin typeface="Cambria Math" panose="02040503050406030204" pitchFamily="18" charset="0"/>
+                          </a:rPr>
+                        </m:ctrlPr>
+                      </m:dPr>
+                      <m:e>
+                        <m:m>
+                          <m:mPr>
+                            <m:mcs>
+                              <m:mc>
+                                <m:mcPr>
+                                  <m:count m:val="1"/>
+                                  <m:mcJc m:val="center"/>
+                                </m:mcPr>
+                              </m:mc>
+                            </m:mcs>
+                            <m:ctrlPr>
+                              <a:rPr lang="en-US" altLang="zh-CN" i="1" smtClean="0">
+                                <a:latin typeface="Cambria Math" panose="02040503050406030204" pitchFamily="18" charset="0"/>
+                              </a:rPr>
+                            </m:ctrlPr>
+                          </m:mPr>
+                          <m:mr>
+                            <m:e>
+                              <m:r>
+                                <m:rPr>
+                                  <m:brk m:alnAt="7"/>
+                                </m:rPr>
+                                <a:rPr lang="en-US" altLang="zh-CN" i="1">
+                                  <a:latin typeface="Cambria Math" panose="02040503050406030204" pitchFamily="18" charset="0"/>
+                                </a:rPr>
+                                <m:t>2</m:t>
+                              </m:r>
+                            </m:e>
+                          </m:mr>
+                          <m:mr>
+                            <m:e>
+                              <m:r>
+                                <a:rPr lang="en-US" altLang="zh-CN" i="1">
+                                  <a:latin typeface="Cambria Math" panose="02040503050406030204" pitchFamily="18" charset="0"/>
+                                </a:rPr>
+                                <m:t>3</m:t>
+                              </m:r>
+                            </m:e>
+                          </m:mr>
+                        </m:m>
+                      </m:e>
+                    </m:d>
+                  </m:oMath>
+                </a14:m>
+                <a:r>
+                  <a:rPr lang="zh-CN" altLang="en-US" dirty="0"/>
+                  <a:t>，</a:t>
+                </a:r>
+                <a14:m>
+                  <m:oMath xmlns:m="http://schemas.openxmlformats.org/officeDocument/2006/math">
+                    <m:r>
+                      <a:rPr lang="zh-CN" altLang="en-US" i="1" smtClean="0">
+                        <a:latin typeface="Cambria Math" panose="02040503050406030204" pitchFamily="18" charset="0"/>
+                      </a:rPr>
+                      <m:t>𝛽</m:t>
+                    </m:r>
+                    <m:r>
+                      <a:rPr lang="en-US" altLang="zh-CN" i="1">
+                        <a:latin typeface="Cambria Math" panose="02040503050406030204" pitchFamily="18" charset="0"/>
+                      </a:rPr>
+                      <m:t>=</m:t>
+                    </m:r>
+                    <m:d>
+                      <m:dPr>
+                        <m:begChr m:val="["/>
+                        <m:endChr m:val="]"/>
+                        <m:ctrlPr>
+                          <a:rPr lang="en-US" altLang="zh-CN" i="1">
+                            <a:latin typeface="Cambria Math" panose="02040503050406030204" pitchFamily="18" charset="0"/>
+                          </a:rPr>
+                        </m:ctrlPr>
+                      </m:dPr>
+                      <m:e>
+                        <m:m>
+                          <m:mPr>
+                            <m:mcs>
+                              <m:mc>
+                                <m:mcPr>
+                                  <m:count m:val="1"/>
+                                  <m:mcJc m:val="center"/>
+                                </m:mcPr>
+                              </m:mc>
+                            </m:mcs>
+                            <m:ctrlPr>
+                              <a:rPr lang="en-US" altLang="zh-CN" i="1">
+                                <a:latin typeface="Cambria Math" panose="02040503050406030204" pitchFamily="18" charset="0"/>
+                              </a:rPr>
+                            </m:ctrlPr>
+                          </m:mPr>
+                          <m:mr>
+                            <m:e>
+                              <m:r>
+                                <m:rPr>
+                                  <m:brk m:alnAt="7"/>
+                                </m:rPr>
+                                <a:rPr lang="en-US" altLang="zh-CN" i="1" smtClean="0">
+                                  <a:latin typeface="Cambria Math" panose="02040503050406030204" pitchFamily="18" charset="0"/>
+                                </a:rPr>
+                                <m:t>2</m:t>
+                              </m:r>
+                            </m:e>
+                          </m:mr>
+                          <m:mr>
+                            <m:e>
+                              <m:eqArr>
+                                <m:eqArrPr>
+                                  <m:ctrlPr>
+                                    <a:rPr lang="en-US" altLang="zh-CN" i="1" smtClean="0">
+                                      <a:latin typeface="Cambria Math" panose="02040503050406030204" pitchFamily="18" charset="0"/>
+                                    </a:rPr>
+                                  </m:ctrlPr>
+                                </m:eqArrPr>
+                                <m:e>
+                                  <m:r>
+                                    <a:rPr lang="en-US" altLang="zh-CN" i="1" smtClean="0">
+                                      <a:latin typeface="Cambria Math" panose="02040503050406030204" pitchFamily="18" charset="0"/>
+                                    </a:rPr>
+                                    <m:t>3</m:t>
+                                  </m:r>
+                                </m:e>
+                                <m:e>
+                                  <m:r>
+                                    <a:rPr lang="en-US" altLang="zh-CN" i="1">
+                                      <a:latin typeface="Cambria Math" panose="02040503050406030204" pitchFamily="18" charset="0"/>
+                                    </a:rPr>
+                                    <m:t>4</m:t>
+                                  </m:r>
+                                </m:e>
+                              </m:eqArr>
+                            </m:e>
+                          </m:mr>
+                        </m:m>
+                      </m:e>
+                    </m:d>
+                  </m:oMath>
+                </a14:m>
+                <a:endParaRPr lang="en-US" altLang="zh-CN" dirty="0"/>
+              </a:p>
+              <a:p>
+                <a:pPr marL="342900" indent="-342900">
+                  <a:buFont typeface="Wingdings" panose="05000000000000000000" pitchFamily="2" charset="2"/>
+                  <a:buChar char="l"/>
+                </a:pPr>
+                <a:endParaRPr lang="en-US" altLang="zh-CN" dirty="0"/>
+              </a:p>
+              <a:p>
+                <a:pPr marL="342900" indent="-342900">
+                  <a:buFont typeface="Wingdings" panose="05000000000000000000" pitchFamily="2" charset="2"/>
+                  <a:buChar char="l"/>
+                </a:pPr>
+                <a:r>
+                  <a:rPr lang="zh-CN" altLang="en-US" dirty="0"/>
+                  <a:t>单行表示</a:t>
+                </a:r>
+                <a:r>
+                  <a:rPr lang="zh-CN" altLang="en-US" dirty="0">
+                    <a:solidFill>
+                      <a:srgbClr val="FF0000"/>
+                    </a:solidFill>
+                  </a:rPr>
+                  <a:t>（更常用）</a:t>
+                </a:r>
+                <a:r>
+                  <a:rPr lang="zh-CN" altLang="en-US" dirty="0"/>
+                  <a:t>：</a:t>
+                </a:r>
+                <a14:m>
+                  <m:oMath xmlns:m="http://schemas.openxmlformats.org/officeDocument/2006/math">
+                    <m:r>
+                      <a:rPr lang="zh-CN" altLang="en-US" i="1">
+                        <a:latin typeface="Cambria Math" panose="02040503050406030204" pitchFamily="18" charset="0"/>
+                      </a:rPr>
+                      <m:t>𝛼</m:t>
+                    </m:r>
+                    <m:r>
+                      <a:rPr lang="en-US" altLang="zh-CN" i="1">
+                        <a:latin typeface="Cambria Math" panose="02040503050406030204" pitchFamily="18" charset="0"/>
+                      </a:rPr>
+                      <m:t>=</m:t>
+                    </m:r>
+                    <m:sSup>
+                      <m:sSupPr>
+                        <m:ctrlPr>
+                          <a:rPr lang="en-US" altLang="zh-CN" i="1" smtClean="0">
+                            <a:latin typeface="Cambria Math" panose="02040503050406030204" pitchFamily="18" charset="0"/>
+                          </a:rPr>
+                        </m:ctrlPr>
+                      </m:sSupPr>
+                      <m:e>
+                        <m:d>
+                          <m:dPr>
+                            <m:begChr m:val="["/>
+                            <m:endChr m:val="]"/>
+                            <m:ctrlPr>
+                              <a:rPr lang="en-US" altLang="zh-CN" i="1">
+                                <a:latin typeface="Cambria Math" panose="02040503050406030204" pitchFamily="18" charset="0"/>
+                              </a:rPr>
+                            </m:ctrlPr>
+                          </m:dPr>
+                          <m:e>
+                            <m:r>
+                              <a:rPr lang="en-US" altLang="zh-CN" i="1">
+                                <a:latin typeface="Cambria Math" panose="02040503050406030204" pitchFamily="18" charset="0"/>
+                              </a:rPr>
+                              <m:t>2, 3</m:t>
+                            </m:r>
+                          </m:e>
+                        </m:d>
+                      </m:e>
+                      <m:sup>
+                        <m:r>
+                          <a:rPr lang="en-US" altLang="zh-CN" b="0" i="1" smtClean="0">
+                            <a:latin typeface="Cambria Math" panose="02040503050406030204" pitchFamily="18" charset="0"/>
+                          </a:rPr>
+                          <m:t>𝑇</m:t>
+                        </m:r>
+                      </m:sup>
+                    </m:sSup>
+                  </m:oMath>
+                </a14:m>
+                <a:r>
+                  <a:rPr lang="zh-CN" altLang="en-US" dirty="0"/>
+                  <a:t>，</a:t>
+                </a:r>
+                <a14:m>
+                  <m:oMath xmlns:m="http://schemas.openxmlformats.org/officeDocument/2006/math">
+                    <m:r>
+                      <a:rPr lang="zh-CN" altLang="en-US" i="1">
+                        <a:latin typeface="Cambria Math" panose="02040503050406030204" pitchFamily="18" charset="0"/>
+                      </a:rPr>
+                      <m:t>𝛽</m:t>
+                    </m:r>
+                    <m:r>
+                      <a:rPr lang="en-US" altLang="zh-CN" i="1">
+                        <a:latin typeface="Cambria Math" panose="02040503050406030204" pitchFamily="18" charset="0"/>
+                      </a:rPr>
+                      <m:t>=</m:t>
+                    </m:r>
+                    <m:sSup>
+                      <m:sSupPr>
+                        <m:ctrlPr>
+                          <a:rPr lang="en-US" altLang="zh-CN" i="1">
+                            <a:latin typeface="Cambria Math" panose="02040503050406030204" pitchFamily="18" charset="0"/>
+                          </a:rPr>
+                        </m:ctrlPr>
+                      </m:sSupPr>
+                      <m:e>
+                        <m:d>
+                          <m:dPr>
+                            <m:begChr m:val="["/>
+                            <m:endChr m:val="]"/>
+                            <m:ctrlPr>
+                              <a:rPr lang="en-US" altLang="zh-CN" i="1">
+                                <a:latin typeface="Cambria Math" panose="02040503050406030204" pitchFamily="18" charset="0"/>
+                              </a:rPr>
+                            </m:ctrlPr>
+                          </m:dPr>
+                          <m:e>
+                            <m:r>
+                              <a:rPr lang="en-US" altLang="zh-CN" i="1">
+                                <a:latin typeface="Cambria Math" panose="02040503050406030204" pitchFamily="18" charset="0"/>
+                              </a:rPr>
+                              <m:t>2, 3, 4</m:t>
+                            </m:r>
+                          </m:e>
+                        </m:d>
+                      </m:e>
+                      <m:sup>
+                        <m:r>
+                          <a:rPr lang="en-US" altLang="zh-CN" i="1">
+                            <a:latin typeface="Cambria Math" panose="02040503050406030204" pitchFamily="18" charset="0"/>
+                          </a:rPr>
+                          <m:t>𝑇</m:t>
+                        </m:r>
+                      </m:sup>
+                    </m:sSup>
+                  </m:oMath>
+                </a14:m>
+                <a:endParaRPr lang="zh-CN" altLang="en-US" dirty="0"/>
+              </a:p>
+            </p:txBody>
+          </p:sp>
+        </mc:Choice>
+        <mc:Fallback xmlns="">
+          <p:sp>
+            <p:nvSpPr>
+              <p:cNvPr id="5" name="内容占位符 4">
+                <a:extLst>
+                  <a:ext uri="{FF2B5EF4-FFF2-40B4-BE49-F238E27FC236}">
+                    <a16:creationId xmlns:a16="http://schemas.microsoft.com/office/drawing/2014/main" id="{5CCA4662-DF9A-4A27-9148-F9B69A7884DE}"/>
+                  </a:ext>
+                </a:extLst>
+              </p:cNvPr>
+              <p:cNvSpPr>
+                <a:spLocks noGrp="1" noRot="1" noChangeAspect="1" noMove="1" noResize="1" noEditPoints="1" noAdjustHandles="1" noChangeArrowheads="1" noChangeShapeType="1" noTextEdit="1"/>
+              </p:cNvSpPr>
+              <p:nvPr>
+                <p:ph sz="quarter" idx="11"/>
+              </p:nvPr>
+            </p:nvSpPr>
+            <p:spPr>
+              <a:xfrm>
+                <a:off x="0" y="1047822"/>
+                <a:ext cx="6858000" cy="3689563"/>
+              </a:xfrm>
+              <a:blipFill>
+                <a:blip r:embed="rId2"/>
+                <a:stretch>
+                  <a:fillRect l="-178" r="-3911"/>
+                </a:stretch>
+              </a:blipFill>
+            </p:spPr>
+            <p:txBody>
+              <a:bodyPr/>
+              <a:lstStyle/>
+              <a:p>
+                <a:r>
+                  <a:rPr lang="zh-CN" altLang="en-US">
+                    <a:noFill/>
+                  </a:rPr>
+                  <a:t> </a:t>
+                </a:r>
+              </a:p>
+            </p:txBody>
+          </p:sp>
+        </mc:Fallback>
+      </mc:AlternateContent>
+      <p:sp>
+        <p:nvSpPr>
+          <p:cNvPr id="3" name="标题 2">
+            <a:extLst>
+              <a:ext uri="{FF2B5EF4-FFF2-40B4-BE49-F238E27FC236}">
+                <a16:creationId xmlns:a16="http://schemas.microsoft.com/office/drawing/2014/main" id="{858D4FE7-087E-4033-B1BF-257E85F974A9}"/>
+              </a:ext>
+            </a:extLst>
+          </p:cNvPr>
+          <p:cNvSpPr>
+            <a:spLocks noGrp="1"/>
+          </p:cNvSpPr>
+          <p:nvPr>
+            <p:ph type="title"/>
+          </p:nvPr>
+        </p:nvSpPr>
+        <p:spPr>
+          <a:xfrm>
+            <a:off x="0" y="161755"/>
+            <a:ext cx="6858000" cy="369332"/>
+          </a:xfrm>
+        </p:spPr>
+        <p:txBody>
+          <a:bodyPr/>
+          <a:lstStyle/>
+          <a:p>
+            <a:r>
+              <a:rPr lang="zh-CN" altLang="en-US"/>
+              <a:t>列向量</a:t>
+            </a:r>
+          </a:p>
+        </p:txBody>
+      </p:sp>
+    </p:spTree>
+    <p:extLst>
+      <p:ext uri="{BB962C8B-B14F-4D97-AF65-F5344CB8AC3E}">
+        <p14:creationId xmlns:p14="http://schemas.microsoft.com/office/powerpoint/2010/main" val="4019000345"/>
+      </p:ext>
+    </p:extLst>
+  </p:cSld>
+  <p:clrMapOvr>
+    <a:masterClrMapping/>
+  </p:clrMapOvr>
+  <p:timing>
+    <p:tnLst>
+      <p:par>
+        <p:cTn id="1" dur="indefinite" restart="never" nodeType="tmRoot">
+          <p:childTnLst>
+            <p:seq concurrent="1" nextAc="seek">
+              <p:cTn id="2" dur="indefinite" nodeType="mainSeq">
+                <p:childTnLst>
+                  <p:par>
+                    <p:cTn id="3" fill="hold">
+                      <p:stCondLst>
+                        <p:cond delay="indefinite"/>
+                        <p:cond evt="onBegin" delay="0">
+                          <p:tn val="2"/>
+                        </p:cond>
+                      </p:stCondLst>
+                      <p:childTnLst>
+                        <p:par>
+                          <p:cTn id="4" fill="hold">
+                            <p:stCondLst>
+                              <p:cond delay="0"/>
+                            </p:stCondLst>
+                            <p:childTnLst>
+                              <p:par>
+                                <p:cTn id="5" presetID="42" presetClass="entr" presetSubtype="0" fill="hold" nodeType="afterEffect">
+                                  <p:stCondLst>
+                                    <p:cond delay="0"/>
+                                  </p:stCondLst>
+                                  <p:childTnLst>
+                                    <p:set>
+                                      <p:cBhvr>
+                                        <p:cTn id="6" dur="1" fill="hold">
+                                          <p:stCondLst>
+                                            <p:cond delay="0"/>
+                                          </p:stCondLst>
+                                        </p:cTn>
+                                        <p:tgtEl>
+                                          <p:spTgt spid="5">
+                                            <p:txEl>
+                                              <p:pRg st="0" end="0"/>
+                                            </p:txEl>
+                                          </p:spTgt>
+                                        </p:tgtEl>
+                                        <p:attrNameLst>
+                                          <p:attrName>style.visibility</p:attrName>
+                                        </p:attrNameLst>
+                                      </p:cBhvr>
+                                      <p:to>
+                                        <p:strVal val="visible"/>
+                                      </p:to>
+                                    </p:set>
+                                    <p:animEffect transition="in" filter="fade">
+                                      <p:cBhvr>
+                                        <p:cTn id="7" dur="1000"/>
+                                        <p:tgtEl>
+                                          <p:spTgt spid="5">
+                                            <p:txEl>
+                                              <p:pRg st="0" end="0"/>
+                                            </p:txEl>
+                                          </p:spTgt>
+                                        </p:tgtEl>
+                                      </p:cBhvr>
+                                    </p:animEffect>
+                                    <p:anim calcmode="lin" valueType="num">
+                                      <p:cBhvr>
+                                        <p:cTn id="8" dur="1000" fill="hold"/>
+                                        <p:tgtEl>
+                                          <p:spTgt spid="5">
+                                            <p:txEl>
+                                              <p:pRg st="0" end="0"/>
+                                            </p:txEl>
+                                          </p:spTgt>
+                                        </p:tgtEl>
+                                        <p:attrNameLst>
+                                          <p:attrName>ppt_x</p:attrName>
+                                        </p:attrNameLst>
+                                      </p:cBhvr>
+                                      <p:tavLst>
+                                        <p:tav tm="0">
+                                          <p:val>
+                                            <p:strVal val="#ppt_x"/>
+                                          </p:val>
+                                        </p:tav>
+                                        <p:tav tm="100000">
+                                          <p:val>
+                                            <p:strVal val="#ppt_x"/>
+                                          </p:val>
+                                        </p:tav>
+                                      </p:tavLst>
+                                    </p:anim>
+                                    <p:anim calcmode="lin" valueType="num">
+                                      <p:cBhvr>
+                                        <p:cTn id="9" dur="1000" fill="hold"/>
+                                        <p:tgtEl>
+                                          <p:spTgt spid="5">
+                                            <p:txEl>
+                                              <p:pRg st="0" end="0"/>
+                                            </p:txEl>
+                                          </p:spTgt>
+                                        </p:tgtEl>
+                                        <p:attrNameLst>
+                                          <p:attrName>ppt_y</p:attrName>
+                                        </p:attrNameLst>
+                                      </p:cBhvr>
+                                      <p:tavLst>
+                                        <p:tav tm="0">
+                                          <p:val>
+                                            <p:strVal val="#ppt_y+.1"/>
+                                          </p:val>
+                                        </p:tav>
+                                        <p:tav tm="100000">
+                                          <p:val>
+                                            <p:strVal val="#ppt_y"/>
+                                          </p:val>
+                                        </p:tav>
+                                      </p:tavLst>
+                                    </p:anim>
+                                  </p:childTnLst>
+                                </p:cTn>
+                              </p:par>
+                            </p:childTnLst>
+                          </p:cTn>
+                        </p:par>
+                      </p:childTnLst>
+                    </p:cTn>
+                  </p:par>
+                  <p:par>
+                    <p:cTn id="10" fill="hold">
+                      <p:stCondLst>
+                        <p:cond delay="indefinite"/>
+                      </p:stCondLst>
+                      <p:childTnLst>
+                        <p:par>
+                          <p:cTn id="11" fill="hold">
+                            <p:stCondLst>
+                              <p:cond delay="0"/>
+                            </p:stCondLst>
+                            <p:childTnLst>
+                              <p:par>
+                                <p:cTn id="12" presetID="42" presetClass="entr" presetSubtype="0" fill="hold" nodeType="clickEffect">
+                                  <p:stCondLst>
+                                    <p:cond delay="0"/>
+                                  </p:stCondLst>
+                                  <p:childTnLst>
+                                    <p:set>
+                                      <p:cBhvr>
+                                        <p:cTn id="13" dur="1" fill="hold">
+                                          <p:stCondLst>
+                                            <p:cond delay="0"/>
+                                          </p:stCondLst>
+                                        </p:cTn>
+                                        <p:tgtEl>
+                                          <p:spTgt spid="5">
+                                            <p:txEl>
+                                              <p:pRg st="1" end="1"/>
+                                            </p:txEl>
+                                          </p:spTgt>
+                                        </p:tgtEl>
+                                        <p:attrNameLst>
+                                          <p:attrName>style.visibility</p:attrName>
+                                        </p:attrNameLst>
+                                      </p:cBhvr>
+                                      <p:to>
+                                        <p:strVal val="visible"/>
+                                      </p:to>
+                                    </p:set>
+                                    <p:animEffect transition="in" filter="fade">
+                                      <p:cBhvr>
+                                        <p:cTn id="14" dur="1000"/>
+                                        <p:tgtEl>
+                                          <p:spTgt spid="5">
+                                            <p:txEl>
+                                              <p:pRg st="1" end="1"/>
+                                            </p:txEl>
+                                          </p:spTgt>
+                                        </p:tgtEl>
+                                      </p:cBhvr>
+                                    </p:animEffect>
+                                    <p:anim calcmode="lin" valueType="num">
+                                      <p:cBhvr>
+                                        <p:cTn id="15" dur="1000" fill="hold"/>
+                                        <p:tgtEl>
+                                          <p:spTgt spid="5">
+                                            <p:txEl>
+                                              <p:pRg st="1" end="1"/>
+                                            </p:txEl>
+                                          </p:spTgt>
+                                        </p:tgtEl>
+                                        <p:attrNameLst>
+                                          <p:attrName>ppt_x</p:attrName>
+                                        </p:attrNameLst>
+                                      </p:cBhvr>
+                                      <p:tavLst>
+                                        <p:tav tm="0">
+                                          <p:val>
+                                            <p:strVal val="#ppt_x"/>
+                                          </p:val>
+                                        </p:tav>
+                                        <p:tav tm="100000">
+                                          <p:val>
+                                            <p:strVal val="#ppt_x"/>
+                                          </p:val>
+                                        </p:tav>
+                                      </p:tavLst>
+                                    </p:anim>
+                                    <p:anim calcmode="lin" valueType="num">
+                                      <p:cBhvr>
+                                        <p:cTn id="16" dur="1000" fill="hold"/>
+                                        <p:tgtEl>
+                                          <p:spTgt spid="5">
+                                            <p:txEl>
+                                              <p:pRg st="1" end="1"/>
+                                            </p:txEl>
+                                          </p:spTgt>
+                                        </p:tgtEl>
+                                        <p:attrNameLst>
+                                          <p:attrName>ppt_y</p:attrName>
+                                        </p:attrNameLst>
+                                      </p:cBhvr>
+                                      <p:tavLst>
+                                        <p:tav tm="0">
+                                          <p:val>
+                                            <p:strVal val="#ppt_y+.1"/>
+                                          </p:val>
+                                        </p:tav>
+                                        <p:tav tm="100000">
+                                          <p:val>
+                                            <p:strVal val="#ppt_y"/>
+                                          </p:val>
+                                        </p:tav>
+                                      </p:tavLst>
+                                    </p:anim>
+                                  </p:childTnLst>
+                                </p:cTn>
+                              </p:par>
+                            </p:childTnLst>
+                          </p:cTn>
+                        </p:par>
+                        <p:par>
+                          <p:cTn id="17" fill="hold">
+                            <p:stCondLst>
+                              <p:cond delay="1000"/>
+                            </p:stCondLst>
+                            <p:childTnLst>
+                              <p:par>
+                                <p:cTn id="18" presetID="42" presetClass="entr" presetSubtype="0" fill="hold" nodeType="afterEffect">
+                                  <p:stCondLst>
+                                    <p:cond delay="0"/>
+                                  </p:stCondLst>
+                                  <p:childTnLst>
+                                    <p:set>
+                                      <p:cBhvr>
+                                        <p:cTn id="19" dur="1" fill="hold">
+                                          <p:stCondLst>
+                                            <p:cond delay="0"/>
+                                          </p:stCondLst>
+                                        </p:cTn>
+                                        <p:tgtEl>
+                                          <p:spTgt spid="5">
+                                            <p:txEl>
+                                              <p:pRg st="3" end="3"/>
+                                            </p:txEl>
+                                          </p:spTgt>
+                                        </p:tgtEl>
+                                        <p:attrNameLst>
+                                          <p:attrName>style.visibility</p:attrName>
+                                        </p:attrNameLst>
+                                      </p:cBhvr>
+                                      <p:to>
+                                        <p:strVal val="visible"/>
+                                      </p:to>
+                                    </p:set>
+                                    <p:animEffect transition="in" filter="fade">
+                                      <p:cBhvr>
+                                        <p:cTn id="20" dur="1000"/>
+                                        <p:tgtEl>
+                                          <p:spTgt spid="5">
+                                            <p:txEl>
+                                              <p:pRg st="3" end="3"/>
+                                            </p:txEl>
+                                          </p:spTgt>
+                                        </p:tgtEl>
+                                      </p:cBhvr>
+                                    </p:animEffect>
+                                    <p:anim calcmode="lin" valueType="num">
+                                      <p:cBhvr>
+                                        <p:cTn id="21" dur="1000" fill="hold"/>
+                                        <p:tgtEl>
+                                          <p:spTgt spid="5">
+                                            <p:txEl>
+                                              <p:pRg st="3" end="3"/>
+                                            </p:txEl>
+                                          </p:spTgt>
+                                        </p:tgtEl>
+                                        <p:attrNameLst>
+                                          <p:attrName>ppt_x</p:attrName>
+                                        </p:attrNameLst>
+                                      </p:cBhvr>
+                                      <p:tavLst>
+                                        <p:tav tm="0">
+                                          <p:val>
+                                            <p:strVal val="#ppt_x"/>
+                                          </p:val>
+                                        </p:tav>
+                                        <p:tav tm="100000">
+                                          <p:val>
+                                            <p:strVal val="#ppt_x"/>
+                                          </p:val>
+                                        </p:tav>
+                                      </p:tavLst>
+                                    </p:anim>
+                                    <p:anim calcmode="lin" valueType="num">
+                                      <p:cBhvr>
+                                        <p:cTn id="22" dur="1000" fill="hold"/>
+                                        <p:tgtEl>
+                                          <p:spTgt spid="5">
+                                            <p:txEl>
+                                              <p:pRg st="3" end="3"/>
+                                            </p:txEl>
+                                          </p:spTgt>
+                                        </p:tgtEl>
+                                        <p:attrNameLst>
+                                          <p:attrName>ppt_y</p:attrName>
+                                        </p:attrNameLst>
+                                      </p:cBhvr>
+                                      <p:tavLst>
+                                        <p:tav tm="0">
+                                          <p:val>
+                                            <p:strVal val="#ppt_y+.1"/>
+                                          </p:val>
+                                        </p:tav>
+                                        <p:tav tm="100000">
+                                          <p:val>
+                                            <p:strVal val="#ppt_y"/>
+                                          </p:val>
+                                        </p:tav>
+                                      </p:tavLst>
+                                    </p:anim>
+                                  </p:childTnLst>
+                                </p:cTn>
+                              </p:par>
+                            </p:childTnLst>
+                          </p:cTn>
+                        </p:par>
+                      </p:childTnLst>
+                    </p:cTn>
+                  </p:par>
+                </p:childTnLst>
+              </p:cTn>
+              <p:prevCondLst>
+                <p:cond evt="onPrev" delay="0">
+                  <p:tgtEl>
+                    <p:sldTgt/>
+                  </p:tgtEl>
+                </p:cond>
+              </p:prevCondLst>
+              <p:nextCondLst>
+                <p:cond evt="onNext" delay="0">
+                  <p:tgtEl>
+                    <p:sldTgt/>
+                  </p:tgtEl>
+                </p:cond>
+              </p:nextCondLst>
+            </p:seq>
+          </p:childTnLst>
+        </p:cTn>
+      </p:par>
+    </p:tnLst>
+  </p:timing>
+</p:sld>
+</file>
+
+<file path=ppt/slides/slide11.xml><?xml version="1.0" encoding="utf-8"?>
+<p:sld xmlns:a="http://schemas.openxmlformats.org/drawingml/2006/main" xmlns:r="http://schemas.openxmlformats.org/officeDocument/2006/relationships" xmlns:p="http://schemas.openxmlformats.org/presentationml/2006/main">
+  <p:cSld>
+    <p:spTree>
+      <p:nvGrpSpPr>
+        <p:cNvPr id="1" name=""/>
+        <p:cNvGrpSpPr/>
+        <p:nvPr/>
+      </p:nvGrpSpPr>
+      <p:grpSpPr>
+        <a:xfrm>
+          <a:off x="0" y="0"/>
+          <a:ext cx="0" cy="0"/>
+          <a:chOff x="0" y="0"/>
+          <a:chExt cx="0" cy="0"/>
+        </a:xfrm>
+      </p:grpSpPr>
+      <p:sp>
+        <p:nvSpPr>
           <p:cNvPr id="2" name="内容占位符 1">
             <a:extLst>
               <a:ext uri="{FF2B5EF4-FFF2-40B4-BE49-F238E27FC236}">
@@ -6181,7 +7183,7 @@
 </p:sld>
 </file>
 
-<file path=ppt/slides/slide11.xml><?xml version="1.0" encoding="utf-8"?>
+<file path=ppt/slides/slide12.xml><?xml version="1.0" encoding="utf-8"?>
 <p:sld xmlns:a="http://schemas.openxmlformats.org/drawingml/2006/main" xmlns:r="http://schemas.openxmlformats.org/officeDocument/2006/relationships" xmlns:p="http://schemas.openxmlformats.org/presentationml/2006/main">
   <p:cSld>
     <p:spTree>
@@ -7024,7 +8026,7 @@
 </p:sld>
 </file>
 
-<file path=ppt/slides/slide12.xml><?xml version="1.0" encoding="utf-8"?>
+<file path=ppt/slides/slide13.xml><?xml version="1.0" encoding="utf-8"?>
 <p:sld xmlns:a="http://schemas.openxmlformats.org/drawingml/2006/main" xmlns:r="http://schemas.openxmlformats.org/officeDocument/2006/relationships" xmlns:p="http://schemas.openxmlformats.org/presentationml/2006/main">
   <p:cSld>
     <p:spTree>
@@ -7082,7 +8084,7 @@
 </p:sld>
 </file>
 
-<file path=ppt/slides/slide13.xml><?xml version="1.0" encoding="utf-8"?>
+<file path=ppt/slides/slide14.xml><?xml version="1.0" encoding="utf-8"?>
 <p:sld xmlns:a="http://schemas.openxmlformats.org/drawingml/2006/main" xmlns:r="http://schemas.openxmlformats.org/officeDocument/2006/relationships" xmlns:p="http://schemas.openxmlformats.org/presentationml/2006/main">
   <p:cSld>
     <p:spTree>
@@ -7794,7 +8796,7 @@
 </p:sld>
 </file>
 
-<file path=ppt/slides/slide14.xml><?xml version="1.0" encoding="utf-8"?>
+<file path=ppt/slides/slide15.xml><?xml version="1.0" encoding="utf-8"?>
 <p:sld xmlns:a="http://schemas.openxmlformats.org/drawingml/2006/main" xmlns:r="http://schemas.openxmlformats.org/officeDocument/2006/relationships" xmlns:p="http://schemas.openxmlformats.org/presentationml/2006/main">
   <p:cSld>
     <p:spTree>
@@ -8025,8 +9027,8 @@
           </a:p>
         </p:txBody>
       </p:sp>
-      <mc:AlternateContent xmlns:mc="http://schemas.openxmlformats.org/markup-compatibility/2006">
-        <mc:Choice xmlns:a14="http://schemas.microsoft.com/office/drawing/2010/main" Requires="a14">
+      <mc:AlternateContent xmlns:mc="http://schemas.openxmlformats.org/markup-compatibility/2006" xmlns:a14="http://schemas.microsoft.com/office/drawing/2010/main">
+        <mc:Choice Requires="a14">
           <p:sp>
             <p:nvSpPr>
               <p:cNvPr id="9" name="Rectangle 1">
@@ -8537,14 +9539,14 @@
                         <m:sty m:val="p"/>
                       </m:rPr>
                       <a:rPr lang="en-US" altLang="zh-CN" sz="1600" i="1">
-                        <a:latin typeface="+mj-ea"/>
+                        <a:latin typeface="Cambria Math" panose="02040503050406030204" pitchFamily="18" charset="0"/>
                         <a:ea typeface="+mj-ea"/>
                       </a:rPr>
                       <m:t>A</m:t>
                     </m:r>
                     <m:r>
                       <a:rPr lang="en-US" altLang="zh-CN" sz="1600" i="1" baseline="-25000">
-                        <a:latin typeface="+mj-ea"/>
+                        <a:latin typeface="Cambria Math" panose="02040503050406030204" pitchFamily="18" charset="0"/>
                         <a:ea typeface="+mj-ea"/>
                       </a:rPr>
                       <m:t>2 </m:t>
@@ -8702,14 +9704,14 @@
                   <m:oMath xmlns:m="http://schemas.openxmlformats.org/officeDocument/2006/math">
                     <m:r>
                       <a:rPr lang="en-US" altLang="zh-CN" sz="1600" i="1">
-                        <a:latin typeface="+mj-ea"/>
+                        <a:latin typeface="Cambria Math" panose="02040503050406030204" pitchFamily="18" charset="0"/>
                         <a:ea typeface="+mj-ea"/>
                       </a:rPr>
                       <m:t>𝐴</m:t>
                     </m:r>
                     <m:r>
                       <a:rPr lang="en-US" altLang="zh-CN" sz="1600" i="1" baseline="-25000">
-                        <a:latin typeface="+mj-ea"/>
+                        <a:latin typeface="Cambria Math" panose="02040503050406030204" pitchFamily="18" charset="0"/>
                         <a:ea typeface="+mj-ea"/>
                       </a:rPr>
                       <m:t>2</m:t>
@@ -8866,14 +9868,14 @@
                   <m:oMath xmlns:m="http://schemas.openxmlformats.org/officeDocument/2006/math">
                     <m:r>
                       <a:rPr lang="en-US" altLang="zh-CN" sz="1600" i="1">
-                        <a:latin typeface="+mj-ea"/>
+                        <a:latin typeface="Cambria Math" panose="02040503050406030204" pitchFamily="18" charset="0"/>
                         <a:ea typeface="+mj-ea"/>
                       </a:rPr>
                       <m:t>𝐴</m:t>
                     </m:r>
                     <m:r>
                       <a:rPr lang="en-US" altLang="zh-CN" sz="1600" i="1" baseline="-25000">
-                        <a:latin typeface="+mj-ea"/>
+                        <a:latin typeface="Cambria Math" panose="02040503050406030204" pitchFamily="18" charset="0"/>
                         <a:ea typeface="+mj-ea"/>
                       </a:rPr>
                       <m:t>2</m:t>
@@ -8912,14 +9914,14 @@
                   <m:oMath xmlns:m="http://schemas.openxmlformats.org/officeDocument/2006/math">
                     <m:r>
                       <a:rPr lang="en-US" altLang="zh-CN" sz="1600" b="0" i="1" smtClean="0">
-                        <a:latin typeface="+mj-ea"/>
+                        <a:latin typeface="Cambria Math" panose="02040503050406030204" pitchFamily="18" charset="0"/>
                         <a:ea typeface="+mj-ea"/>
                       </a:rPr>
                       <m:t>𝐵</m:t>
                     </m:r>
                     <m:r>
                       <a:rPr lang="en-US" altLang="zh-CN" sz="1600" i="1" baseline="-25000">
-                        <a:latin typeface="+mj-ea"/>
+                        <a:latin typeface="Cambria Math" panose="02040503050406030204" pitchFamily="18" charset="0"/>
                         <a:ea typeface="+mj-ea"/>
                       </a:rPr>
                       <m:t>2 </m:t>
@@ -8979,21 +9981,21 @@
                   <m:oMath xmlns:m="http://schemas.openxmlformats.org/officeDocument/2006/math">
                     <m:r>
                       <a:rPr lang="en-US" altLang="zh-CN" sz="1600" i="1">
-                        <a:latin typeface="+mj-ea"/>
+                        <a:latin typeface="Cambria Math" panose="02040503050406030204" pitchFamily="18" charset="0"/>
                         <a:ea typeface="+mj-ea"/>
                       </a:rPr>
                       <m:t>𝐴</m:t>
                     </m:r>
                     <m:r>
                       <a:rPr lang="en-US" altLang="zh-CN" sz="1600" b="0" i="1" baseline="-25000" smtClean="0">
-                        <a:latin typeface="+mj-ea"/>
+                        <a:latin typeface="Cambria Math" panose="02040503050406030204" pitchFamily="18" charset="0"/>
                         <a:ea typeface="+mj-ea"/>
                       </a:rPr>
                       <m:t>3</m:t>
                     </m:r>
                     <m:r>
                       <a:rPr lang="en-US" altLang="zh-CN" sz="1600" i="1" baseline="-25000">
-                        <a:latin typeface="+mj-ea"/>
+                        <a:latin typeface="Cambria Math" panose="02040503050406030204" pitchFamily="18" charset="0"/>
                         <a:ea typeface="+mj-ea"/>
                       </a:rPr>
                       <m:t> </m:t>
@@ -9210,7 +10212,7 @@
             </p:txBody>
           </p:sp>
         </mc:Choice>
-        <mc:Fallback>
+        <mc:Fallback xmlns="">
           <p:sp>
             <p:nvSpPr>
               <p:cNvPr id="9" name="Rectangle 1">
@@ -9816,7 +10818,7 @@
 </p:sld>
 </file>
 
-<file path=ppt/slides/slide15.xml><?xml version="1.0" encoding="utf-8"?>
+<file path=ppt/slides/slide16.xml><?xml version="1.0" encoding="utf-8"?>
 <p:sld xmlns:a="http://schemas.openxmlformats.org/drawingml/2006/main" xmlns:r="http://schemas.openxmlformats.org/officeDocument/2006/relationships" xmlns:p="http://schemas.openxmlformats.org/presentationml/2006/main">
   <p:cSld>
     <p:spTree>
@@ -9989,7 +10991,7 @@
 </p:sld>
 </file>
 
-<file path=ppt/slides/slide16.xml><?xml version="1.0" encoding="utf-8"?>
+<file path=ppt/slides/slide17.xml><?xml version="1.0" encoding="utf-8"?>
 <p:sld xmlns:a="http://schemas.openxmlformats.org/drawingml/2006/main" xmlns:r="http://schemas.openxmlformats.org/officeDocument/2006/relationships" xmlns:p="http://schemas.openxmlformats.org/presentationml/2006/main">
   <p:cSld>
     <p:spTree>
@@ -10827,7 +11829,7 @@
 </p:sld>
 </file>
 
-<file path=ppt/slides/slide17.xml><?xml version="1.0" encoding="utf-8"?>
+<file path=ppt/slides/slide18.xml><?xml version="1.0" encoding="utf-8"?>
 <p:sld xmlns:a="http://schemas.openxmlformats.org/drawingml/2006/main" xmlns:r="http://schemas.openxmlformats.org/officeDocument/2006/relationships" xmlns:p="http://schemas.openxmlformats.org/presentationml/2006/main">
   <p:cSld>
     <p:spTree>
@@ -11769,7 +12771,7 @@
 </p:sld>
 </file>
 
-<file path=ppt/slides/slide18.xml><?xml version="1.0" encoding="utf-8"?>
+<file path=ppt/slides/slide19.xml><?xml version="1.0" encoding="utf-8"?>
 <p:sld xmlns:a="http://schemas.openxmlformats.org/drawingml/2006/main" xmlns:r="http://schemas.openxmlformats.org/officeDocument/2006/relationships" xmlns:p="http://schemas.openxmlformats.org/presentationml/2006/main">
   <p:cSld>
     <p:spTree>
@@ -11827,7 +12829,832 @@
 </p:sld>
 </file>
 
-<file path=ppt/slides/slide19.xml><?xml version="1.0" encoding="utf-8"?>
+<file path=ppt/slides/slide2.xml><?xml version="1.0" encoding="utf-8"?>
+<p:sld xmlns:a="http://schemas.openxmlformats.org/drawingml/2006/main" xmlns:r="http://schemas.openxmlformats.org/officeDocument/2006/relationships" xmlns:p="http://schemas.openxmlformats.org/presentationml/2006/main">
+  <p:cSld>
+    <p:spTree>
+      <p:nvGrpSpPr>
+        <p:cNvPr id="1" name=""/>
+        <p:cNvGrpSpPr/>
+        <p:nvPr/>
+      </p:nvGrpSpPr>
+      <p:grpSpPr>
+        <a:xfrm>
+          <a:off x="0" y="0"/>
+          <a:ext cx="0" cy="0"/>
+          <a:chOff x="0" y="0"/>
+          <a:chExt cx="0" cy="0"/>
+        </a:xfrm>
+      </p:grpSpPr>
+      <p:sp>
+        <p:nvSpPr>
+          <p:cNvPr id="2" name="文本占位符 1">
+            <a:extLst>
+              <a:ext uri="{FF2B5EF4-FFF2-40B4-BE49-F238E27FC236}">
+                <a16:creationId xmlns:a16="http://schemas.microsoft.com/office/drawing/2014/main" id="{17BFF5EF-6516-46FC-9FBA-4E84A970787A}"/>
+              </a:ext>
+            </a:extLst>
+          </p:cNvPr>
+          <p:cNvSpPr>
+            <a:spLocks noGrp="1"/>
+          </p:cNvSpPr>
+          <p:nvPr>
+            <p:ph type="body" sz="quarter" idx="10"/>
+          </p:nvPr>
+        </p:nvSpPr>
+        <p:spPr>
+          <a:xfrm>
+            <a:off x="2286000" y="1050654"/>
+            <a:ext cx="3543300" cy="3197495"/>
+          </a:xfrm>
+        </p:spPr>
+        <p:txBody>
+          <a:bodyPr/>
+          <a:lstStyle/>
+          <a:p>
+            <a:r>
+              <a:rPr lang="zh-CN" altLang="en-US" dirty="0"/>
+              <a:t>向量的基本知识回顾</a:t>
+            </a:r>
+            <a:endParaRPr lang="en-US" altLang="zh-CN" dirty="0"/>
+          </a:p>
+          <a:p>
+            <a:r>
+              <a:rPr lang="zh-CN" altLang="en-US" dirty="0"/>
+              <a:t>列向量</a:t>
+            </a:r>
+            <a:endParaRPr lang="en-US" altLang="zh-CN" dirty="0"/>
+          </a:p>
+          <a:p>
+            <a:r>
+              <a:rPr lang="zh-CN" altLang="en-US" dirty="0"/>
+              <a:t>使用</a:t>
+            </a:r>
+            <a:r>
+              <a:rPr lang="en-US" altLang="zh-CN" dirty="0"/>
+              <a:t>Python</a:t>
+            </a:r>
+            <a:r>
+              <a:rPr lang="zh-CN" altLang="en-US" dirty="0"/>
+              <a:t>语言描述向量</a:t>
+            </a:r>
+            <a:endParaRPr lang="en-US" altLang="zh-CN" dirty="0"/>
+          </a:p>
+          <a:p>
+            <a:r>
+              <a:rPr lang="zh-CN" altLang="en-US" dirty="0"/>
+              <a:t>向量的加法和数乘</a:t>
+            </a:r>
+            <a:endParaRPr lang="en-US" altLang="zh-CN" dirty="0"/>
+          </a:p>
+          <a:p>
+            <a:r>
+              <a:rPr lang="zh-CN" altLang="en-US" dirty="0"/>
+              <a:t>向量间的乘法</a:t>
+            </a:r>
+            <a:endParaRPr lang="en-US" altLang="zh-CN" dirty="0"/>
+          </a:p>
+          <a:p>
+            <a:r>
+              <a:rPr lang="zh-CN" altLang="en-US" dirty="0"/>
+              <a:t>向量的线性组合</a:t>
+            </a:r>
+          </a:p>
+        </p:txBody>
+      </p:sp>
+      <p:sp>
+        <p:nvSpPr>
+          <p:cNvPr id="3" name="标题 2">
+            <a:extLst>
+              <a:ext uri="{FF2B5EF4-FFF2-40B4-BE49-F238E27FC236}">
+                <a16:creationId xmlns:a16="http://schemas.microsoft.com/office/drawing/2014/main" id="{AABAEDC6-1FED-43CF-9434-EA815848C5DF}"/>
+              </a:ext>
+            </a:extLst>
+          </p:cNvPr>
+          <p:cNvSpPr>
+            <a:spLocks noGrp="1"/>
+          </p:cNvSpPr>
+          <p:nvPr>
+            <p:ph type="title"/>
+          </p:nvPr>
+        </p:nvSpPr>
+        <p:spPr>
+          <a:xfrm>
+            <a:off x="0" y="161755"/>
+            <a:ext cx="6858000" cy="369332"/>
+          </a:xfrm>
+        </p:spPr>
+        <p:txBody>
+          <a:bodyPr/>
+          <a:lstStyle/>
+          <a:p>
+            <a:r>
+              <a:rPr lang="zh-CN" altLang="en-US" dirty="0"/>
+              <a:t>第</a:t>
+            </a:r>
+            <a:r>
+              <a:rPr lang="en-US" altLang="zh-CN" dirty="0"/>
+              <a:t>2</a:t>
+            </a:r>
+            <a:r>
+              <a:rPr lang="zh-CN" altLang="en-US" dirty="0"/>
+              <a:t>讲 描述空间的工具：向量</a:t>
+            </a:r>
+          </a:p>
+        </p:txBody>
+      </p:sp>
+    </p:spTree>
+    <p:extLst>
+      <p:ext uri="{BB962C8B-B14F-4D97-AF65-F5344CB8AC3E}">
+        <p14:creationId xmlns:p14="http://schemas.microsoft.com/office/powerpoint/2010/main" val="4002327640"/>
+      </p:ext>
+    </p:extLst>
+  </p:cSld>
+  <p:clrMapOvr>
+    <a:masterClrMapping/>
+  </p:clrMapOvr>
+  <p:timing>
+    <p:tnLst>
+      <p:par>
+        <p:cTn id="1" dur="indefinite" restart="never" nodeType="tmRoot">
+          <p:childTnLst>
+            <p:seq concurrent="1" nextAc="seek">
+              <p:cTn id="2" dur="indefinite" nodeType="mainSeq">
+                <p:childTnLst>
+                  <p:par>
+                    <p:cTn id="3" fill="hold">
+                      <p:stCondLst>
+                        <p:cond delay="indefinite"/>
+                        <p:cond evt="onBegin" delay="0">
+                          <p:tn val="2"/>
+                        </p:cond>
+                      </p:stCondLst>
+                      <p:childTnLst>
+                        <p:par>
+                          <p:cTn id="4" fill="hold">
+                            <p:stCondLst>
+                              <p:cond delay="0"/>
+                            </p:stCondLst>
+                            <p:childTnLst>
+                              <p:par>
+                                <p:cTn id="5" presetID="42" presetClass="entr" presetSubtype="0" fill="hold" nodeType="afterEffect">
+                                  <p:stCondLst>
+                                    <p:cond delay="0"/>
+                                  </p:stCondLst>
+                                  <p:childTnLst>
+                                    <p:set>
+                                      <p:cBhvr>
+                                        <p:cTn id="6" dur="1" fill="hold">
+                                          <p:stCondLst>
+                                            <p:cond delay="0"/>
+                                          </p:stCondLst>
+                                        </p:cTn>
+                                        <p:tgtEl>
+                                          <p:spTgt spid="2">
+                                            <p:txEl>
+                                              <p:pRg st="0" end="0"/>
+                                            </p:txEl>
+                                          </p:spTgt>
+                                        </p:tgtEl>
+                                        <p:attrNameLst>
+                                          <p:attrName>style.visibility</p:attrName>
+                                        </p:attrNameLst>
+                                      </p:cBhvr>
+                                      <p:to>
+                                        <p:strVal val="visible"/>
+                                      </p:to>
+                                    </p:set>
+                                    <p:animEffect transition="in" filter="fade">
+                                      <p:cBhvr>
+                                        <p:cTn id="7" dur="1000"/>
+                                        <p:tgtEl>
+                                          <p:spTgt spid="2">
+                                            <p:txEl>
+                                              <p:pRg st="0" end="0"/>
+                                            </p:txEl>
+                                          </p:spTgt>
+                                        </p:tgtEl>
+                                      </p:cBhvr>
+                                    </p:animEffect>
+                                    <p:anim calcmode="lin" valueType="num">
+                                      <p:cBhvr>
+                                        <p:cTn id="8" dur="1000" fill="hold"/>
+                                        <p:tgtEl>
+                                          <p:spTgt spid="2">
+                                            <p:txEl>
+                                              <p:pRg st="0" end="0"/>
+                                            </p:txEl>
+                                          </p:spTgt>
+                                        </p:tgtEl>
+                                        <p:attrNameLst>
+                                          <p:attrName>ppt_x</p:attrName>
+                                        </p:attrNameLst>
+                                      </p:cBhvr>
+                                      <p:tavLst>
+                                        <p:tav tm="0">
+                                          <p:val>
+                                            <p:strVal val="#ppt_x"/>
+                                          </p:val>
+                                        </p:tav>
+                                        <p:tav tm="100000">
+                                          <p:val>
+                                            <p:strVal val="#ppt_x"/>
+                                          </p:val>
+                                        </p:tav>
+                                      </p:tavLst>
+                                    </p:anim>
+                                    <p:anim calcmode="lin" valueType="num">
+                                      <p:cBhvr>
+                                        <p:cTn id="9" dur="1000" fill="hold"/>
+                                        <p:tgtEl>
+                                          <p:spTgt spid="2">
+                                            <p:txEl>
+                                              <p:pRg st="0" end="0"/>
+                                            </p:txEl>
+                                          </p:spTgt>
+                                        </p:tgtEl>
+                                        <p:attrNameLst>
+                                          <p:attrName>ppt_y</p:attrName>
+                                        </p:attrNameLst>
+                                      </p:cBhvr>
+                                      <p:tavLst>
+                                        <p:tav tm="0">
+                                          <p:val>
+                                            <p:strVal val="#ppt_y+.1"/>
+                                          </p:val>
+                                        </p:tav>
+                                        <p:tav tm="100000">
+                                          <p:val>
+                                            <p:strVal val="#ppt_y"/>
+                                          </p:val>
+                                        </p:tav>
+                                      </p:tavLst>
+                                    </p:anim>
+                                  </p:childTnLst>
+                                </p:cTn>
+                              </p:par>
+                            </p:childTnLst>
+                          </p:cTn>
+                        </p:par>
+                        <p:par>
+                          <p:cTn id="10" fill="hold">
+                            <p:stCondLst>
+                              <p:cond delay="1000"/>
+                            </p:stCondLst>
+                            <p:childTnLst>
+                              <p:par>
+                                <p:cTn id="11" presetID="42" presetClass="entr" presetSubtype="0" fill="hold" nodeType="afterEffect">
+                                  <p:stCondLst>
+                                    <p:cond delay="0"/>
+                                  </p:stCondLst>
+                                  <p:childTnLst>
+                                    <p:set>
+                                      <p:cBhvr>
+                                        <p:cTn id="12" dur="1" fill="hold">
+                                          <p:stCondLst>
+                                            <p:cond delay="0"/>
+                                          </p:stCondLst>
+                                        </p:cTn>
+                                        <p:tgtEl>
+                                          <p:spTgt spid="2">
+                                            <p:txEl>
+                                              <p:pRg st="1" end="1"/>
+                                            </p:txEl>
+                                          </p:spTgt>
+                                        </p:tgtEl>
+                                        <p:attrNameLst>
+                                          <p:attrName>style.visibility</p:attrName>
+                                        </p:attrNameLst>
+                                      </p:cBhvr>
+                                      <p:to>
+                                        <p:strVal val="visible"/>
+                                      </p:to>
+                                    </p:set>
+                                    <p:animEffect transition="in" filter="fade">
+                                      <p:cBhvr>
+                                        <p:cTn id="13" dur="1000"/>
+                                        <p:tgtEl>
+                                          <p:spTgt spid="2">
+                                            <p:txEl>
+                                              <p:pRg st="1" end="1"/>
+                                            </p:txEl>
+                                          </p:spTgt>
+                                        </p:tgtEl>
+                                      </p:cBhvr>
+                                    </p:animEffect>
+                                    <p:anim calcmode="lin" valueType="num">
+                                      <p:cBhvr>
+                                        <p:cTn id="14" dur="1000" fill="hold"/>
+                                        <p:tgtEl>
+                                          <p:spTgt spid="2">
+                                            <p:txEl>
+                                              <p:pRg st="1" end="1"/>
+                                            </p:txEl>
+                                          </p:spTgt>
+                                        </p:tgtEl>
+                                        <p:attrNameLst>
+                                          <p:attrName>ppt_x</p:attrName>
+                                        </p:attrNameLst>
+                                      </p:cBhvr>
+                                      <p:tavLst>
+                                        <p:tav tm="0">
+                                          <p:val>
+                                            <p:strVal val="#ppt_x"/>
+                                          </p:val>
+                                        </p:tav>
+                                        <p:tav tm="100000">
+                                          <p:val>
+                                            <p:strVal val="#ppt_x"/>
+                                          </p:val>
+                                        </p:tav>
+                                      </p:tavLst>
+                                    </p:anim>
+                                    <p:anim calcmode="lin" valueType="num">
+                                      <p:cBhvr>
+                                        <p:cTn id="15" dur="1000" fill="hold"/>
+                                        <p:tgtEl>
+                                          <p:spTgt spid="2">
+                                            <p:txEl>
+                                              <p:pRg st="1" end="1"/>
+                                            </p:txEl>
+                                          </p:spTgt>
+                                        </p:tgtEl>
+                                        <p:attrNameLst>
+                                          <p:attrName>ppt_y</p:attrName>
+                                        </p:attrNameLst>
+                                      </p:cBhvr>
+                                      <p:tavLst>
+                                        <p:tav tm="0">
+                                          <p:val>
+                                            <p:strVal val="#ppt_y+.1"/>
+                                          </p:val>
+                                        </p:tav>
+                                        <p:tav tm="100000">
+                                          <p:val>
+                                            <p:strVal val="#ppt_y"/>
+                                          </p:val>
+                                        </p:tav>
+                                      </p:tavLst>
+                                    </p:anim>
+                                  </p:childTnLst>
+                                </p:cTn>
+                              </p:par>
+                            </p:childTnLst>
+                          </p:cTn>
+                        </p:par>
+                        <p:par>
+                          <p:cTn id="16" fill="hold">
+                            <p:stCondLst>
+                              <p:cond delay="2000"/>
+                            </p:stCondLst>
+                            <p:childTnLst>
+                              <p:par>
+                                <p:cTn id="17" presetID="42" presetClass="entr" presetSubtype="0" fill="hold" nodeType="afterEffect">
+                                  <p:stCondLst>
+                                    <p:cond delay="0"/>
+                                  </p:stCondLst>
+                                  <p:childTnLst>
+                                    <p:set>
+                                      <p:cBhvr>
+                                        <p:cTn id="18" dur="1" fill="hold">
+                                          <p:stCondLst>
+                                            <p:cond delay="0"/>
+                                          </p:stCondLst>
+                                        </p:cTn>
+                                        <p:tgtEl>
+                                          <p:spTgt spid="2">
+                                            <p:txEl>
+                                              <p:pRg st="2" end="2"/>
+                                            </p:txEl>
+                                          </p:spTgt>
+                                        </p:tgtEl>
+                                        <p:attrNameLst>
+                                          <p:attrName>style.visibility</p:attrName>
+                                        </p:attrNameLst>
+                                      </p:cBhvr>
+                                      <p:to>
+                                        <p:strVal val="visible"/>
+                                      </p:to>
+                                    </p:set>
+                                    <p:animEffect transition="in" filter="fade">
+                                      <p:cBhvr>
+                                        <p:cTn id="19" dur="1000"/>
+                                        <p:tgtEl>
+                                          <p:spTgt spid="2">
+                                            <p:txEl>
+                                              <p:pRg st="2" end="2"/>
+                                            </p:txEl>
+                                          </p:spTgt>
+                                        </p:tgtEl>
+                                      </p:cBhvr>
+                                    </p:animEffect>
+                                    <p:anim calcmode="lin" valueType="num">
+                                      <p:cBhvr>
+                                        <p:cTn id="20" dur="1000" fill="hold"/>
+                                        <p:tgtEl>
+                                          <p:spTgt spid="2">
+                                            <p:txEl>
+                                              <p:pRg st="2" end="2"/>
+                                            </p:txEl>
+                                          </p:spTgt>
+                                        </p:tgtEl>
+                                        <p:attrNameLst>
+                                          <p:attrName>ppt_x</p:attrName>
+                                        </p:attrNameLst>
+                                      </p:cBhvr>
+                                      <p:tavLst>
+                                        <p:tav tm="0">
+                                          <p:val>
+                                            <p:strVal val="#ppt_x"/>
+                                          </p:val>
+                                        </p:tav>
+                                        <p:tav tm="100000">
+                                          <p:val>
+                                            <p:strVal val="#ppt_x"/>
+                                          </p:val>
+                                        </p:tav>
+                                      </p:tavLst>
+                                    </p:anim>
+                                    <p:anim calcmode="lin" valueType="num">
+                                      <p:cBhvr>
+                                        <p:cTn id="21" dur="1000" fill="hold"/>
+                                        <p:tgtEl>
+                                          <p:spTgt spid="2">
+                                            <p:txEl>
+                                              <p:pRg st="2" end="2"/>
+                                            </p:txEl>
+                                          </p:spTgt>
+                                        </p:tgtEl>
+                                        <p:attrNameLst>
+                                          <p:attrName>ppt_y</p:attrName>
+                                        </p:attrNameLst>
+                                      </p:cBhvr>
+                                      <p:tavLst>
+                                        <p:tav tm="0">
+                                          <p:val>
+                                            <p:strVal val="#ppt_y+.1"/>
+                                          </p:val>
+                                        </p:tav>
+                                        <p:tav tm="100000">
+                                          <p:val>
+                                            <p:strVal val="#ppt_y"/>
+                                          </p:val>
+                                        </p:tav>
+                                      </p:tavLst>
+                                    </p:anim>
+                                  </p:childTnLst>
+                                </p:cTn>
+                              </p:par>
+                            </p:childTnLst>
+                          </p:cTn>
+                        </p:par>
+                        <p:par>
+                          <p:cTn id="22" fill="hold">
+                            <p:stCondLst>
+                              <p:cond delay="3000"/>
+                            </p:stCondLst>
+                            <p:childTnLst>
+                              <p:par>
+                                <p:cTn id="23" presetID="42" presetClass="entr" presetSubtype="0" fill="hold" nodeType="afterEffect">
+                                  <p:stCondLst>
+                                    <p:cond delay="0"/>
+                                  </p:stCondLst>
+                                  <p:childTnLst>
+                                    <p:set>
+                                      <p:cBhvr>
+                                        <p:cTn id="24" dur="1" fill="hold">
+                                          <p:stCondLst>
+                                            <p:cond delay="0"/>
+                                          </p:stCondLst>
+                                        </p:cTn>
+                                        <p:tgtEl>
+                                          <p:spTgt spid="2">
+                                            <p:txEl>
+                                              <p:pRg st="3" end="3"/>
+                                            </p:txEl>
+                                          </p:spTgt>
+                                        </p:tgtEl>
+                                        <p:attrNameLst>
+                                          <p:attrName>style.visibility</p:attrName>
+                                        </p:attrNameLst>
+                                      </p:cBhvr>
+                                      <p:to>
+                                        <p:strVal val="visible"/>
+                                      </p:to>
+                                    </p:set>
+                                    <p:animEffect transition="in" filter="fade">
+                                      <p:cBhvr>
+                                        <p:cTn id="25" dur="1000"/>
+                                        <p:tgtEl>
+                                          <p:spTgt spid="2">
+                                            <p:txEl>
+                                              <p:pRg st="3" end="3"/>
+                                            </p:txEl>
+                                          </p:spTgt>
+                                        </p:tgtEl>
+                                      </p:cBhvr>
+                                    </p:animEffect>
+                                    <p:anim calcmode="lin" valueType="num">
+                                      <p:cBhvr>
+                                        <p:cTn id="26" dur="1000" fill="hold"/>
+                                        <p:tgtEl>
+                                          <p:spTgt spid="2">
+                                            <p:txEl>
+                                              <p:pRg st="3" end="3"/>
+                                            </p:txEl>
+                                          </p:spTgt>
+                                        </p:tgtEl>
+                                        <p:attrNameLst>
+                                          <p:attrName>ppt_x</p:attrName>
+                                        </p:attrNameLst>
+                                      </p:cBhvr>
+                                      <p:tavLst>
+                                        <p:tav tm="0">
+                                          <p:val>
+                                            <p:strVal val="#ppt_x"/>
+                                          </p:val>
+                                        </p:tav>
+                                        <p:tav tm="100000">
+                                          <p:val>
+                                            <p:strVal val="#ppt_x"/>
+                                          </p:val>
+                                        </p:tav>
+                                      </p:tavLst>
+                                    </p:anim>
+                                    <p:anim calcmode="lin" valueType="num">
+                                      <p:cBhvr>
+                                        <p:cTn id="27" dur="1000" fill="hold"/>
+                                        <p:tgtEl>
+                                          <p:spTgt spid="2">
+                                            <p:txEl>
+                                              <p:pRg st="3" end="3"/>
+                                            </p:txEl>
+                                          </p:spTgt>
+                                        </p:tgtEl>
+                                        <p:attrNameLst>
+                                          <p:attrName>ppt_y</p:attrName>
+                                        </p:attrNameLst>
+                                      </p:cBhvr>
+                                      <p:tavLst>
+                                        <p:tav tm="0">
+                                          <p:val>
+                                            <p:strVal val="#ppt_y+.1"/>
+                                          </p:val>
+                                        </p:tav>
+                                        <p:tav tm="100000">
+                                          <p:val>
+                                            <p:strVal val="#ppt_y"/>
+                                          </p:val>
+                                        </p:tav>
+                                      </p:tavLst>
+                                    </p:anim>
+                                  </p:childTnLst>
+                                </p:cTn>
+                              </p:par>
+                            </p:childTnLst>
+                          </p:cTn>
+                        </p:par>
+                        <p:par>
+                          <p:cTn id="28" fill="hold">
+                            <p:stCondLst>
+                              <p:cond delay="4000"/>
+                            </p:stCondLst>
+                            <p:childTnLst>
+                              <p:par>
+                                <p:cTn id="29" presetID="42" presetClass="entr" presetSubtype="0" fill="hold" nodeType="afterEffect">
+                                  <p:stCondLst>
+                                    <p:cond delay="0"/>
+                                  </p:stCondLst>
+                                  <p:childTnLst>
+                                    <p:set>
+                                      <p:cBhvr>
+                                        <p:cTn id="30" dur="1" fill="hold">
+                                          <p:stCondLst>
+                                            <p:cond delay="0"/>
+                                          </p:stCondLst>
+                                        </p:cTn>
+                                        <p:tgtEl>
+                                          <p:spTgt spid="2">
+                                            <p:txEl>
+                                              <p:pRg st="4" end="4"/>
+                                            </p:txEl>
+                                          </p:spTgt>
+                                        </p:tgtEl>
+                                        <p:attrNameLst>
+                                          <p:attrName>style.visibility</p:attrName>
+                                        </p:attrNameLst>
+                                      </p:cBhvr>
+                                      <p:to>
+                                        <p:strVal val="visible"/>
+                                      </p:to>
+                                    </p:set>
+                                    <p:animEffect transition="in" filter="fade">
+                                      <p:cBhvr>
+                                        <p:cTn id="31" dur="1000"/>
+                                        <p:tgtEl>
+                                          <p:spTgt spid="2">
+                                            <p:txEl>
+                                              <p:pRg st="4" end="4"/>
+                                            </p:txEl>
+                                          </p:spTgt>
+                                        </p:tgtEl>
+                                      </p:cBhvr>
+                                    </p:animEffect>
+                                    <p:anim calcmode="lin" valueType="num">
+                                      <p:cBhvr>
+                                        <p:cTn id="32" dur="1000" fill="hold"/>
+                                        <p:tgtEl>
+                                          <p:spTgt spid="2">
+                                            <p:txEl>
+                                              <p:pRg st="4" end="4"/>
+                                            </p:txEl>
+                                          </p:spTgt>
+                                        </p:tgtEl>
+                                        <p:attrNameLst>
+                                          <p:attrName>ppt_x</p:attrName>
+                                        </p:attrNameLst>
+                                      </p:cBhvr>
+                                      <p:tavLst>
+                                        <p:tav tm="0">
+                                          <p:val>
+                                            <p:strVal val="#ppt_x"/>
+                                          </p:val>
+                                        </p:tav>
+                                        <p:tav tm="100000">
+                                          <p:val>
+                                            <p:strVal val="#ppt_x"/>
+                                          </p:val>
+                                        </p:tav>
+                                      </p:tavLst>
+                                    </p:anim>
+                                    <p:anim calcmode="lin" valueType="num">
+                                      <p:cBhvr>
+                                        <p:cTn id="33" dur="1000" fill="hold"/>
+                                        <p:tgtEl>
+                                          <p:spTgt spid="2">
+                                            <p:txEl>
+                                              <p:pRg st="4" end="4"/>
+                                            </p:txEl>
+                                          </p:spTgt>
+                                        </p:tgtEl>
+                                        <p:attrNameLst>
+                                          <p:attrName>ppt_y</p:attrName>
+                                        </p:attrNameLst>
+                                      </p:cBhvr>
+                                      <p:tavLst>
+                                        <p:tav tm="0">
+                                          <p:val>
+                                            <p:strVal val="#ppt_y+.1"/>
+                                          </p:val>
+                                        </p:tav>
+                                        <p:tav tm="100000">
+                                          <p:val>
+                                            <p:strVal val="#ppt_y"/>
+                                          </p:val>
+                                        </p:tav>
+                                      </p:tavLst>
+                                    </p:anim>
+                                  </p:childTnLst>
+                                </p:cTn>
+                              </p:par>
+                            </p:childTnLst>
+                          </p:cTn>
+                        </p:par>
+                        <p:par>
+                          <p:cTn id="34" fill="hold">
+                            <p:stCondLst>
+                              <p:cond delay="5000"/>
+                            </p:stCondLst>
+                            <p:childTnLst>
+                              <p:par>
+                                <p:cTn id="35" presetID="42" presetClass="entr" presetSubtype="0" fill="hold" nodeType="afterEffect">
+                                  <p:stCondLst>
+                                    <p:cond delay="0"/>
+                                  </p:stCondLst>
+                                  <p:childTnLst>
+                                    <p:set>
+                                      <p:cBhvr>
+                                        <p:cTn id="36" dur="1" fill="hold">
+                                          <p:stCondLst>
+                                            <p:cond delay="0"/>
+                                          </p:stCondLst>
+                                        </p:cTn>
+                                        <p:tgtEl>
+                                          <p:spTgt spid="2">
+                                            <p:txEl>
+                                              <p:pRg st="5" end="5"/>
+                                            </p:txEl>
+                                          </p:spTgt>
+                                        </p:tgtEl>
+                                        <p:attrNameLst>
+                                          <p:attrName>style.visibility</p:attrName>
+                                        </p:attrNameLst>
+                                      </p:cBhvr>
+                                      <p:to>
+                                        <p:strVal val="visible"/>
+                                      </p:to>
+                                    </p:set>
+                                    <p:animEffect transition="in" filter="fade">
+                                      <p:cBhvr>
+                                        <p:cTn id="37" dur="1000"/>
+                                        <p:tgtEl>
+                                          <p:spTgt spid="2">
+                                            <p:txEl>
+                                              <p:pRg st="5" end="5"/>
+                                            </p:txEl>
+                                          </p:spTgt>
+                                        </p:tgtEl>
+                                      </p:cBhvr>
+                                    </p:animEffect>
+                                    <p:anim calcmode="lin" valueType="num">
+                                      <p:cBhvr>
+                                        <p:cTn id="38" dur="1000" fill="hold"/>
+                                        <p:tgtEl>
+                                          <p:spTgt spid="2">
+                                            <p:txEl>
+                                              <p:pRg st="5" end="5"/>
+                                            </p:txEl>
+                                          </p:spTgt>
+                                        </p:tgtEl>
+                                        <p:attrNameLst>
+                                          <p:attrName>ppt_x</p:attrName>
+                                        </p:attrNameLst>
+                                      </p:cBhvr>
+                                      <p:tavLst>
+                                        <p:tav tm="0">
+                                          <p:val>
+                                            <p:strVal val="#ppt_x"/>
+                                          </p:val>
+                                        </p:tav>
+                                        <p:tav tm="100000">
+                                          <p:val>
+                                            <p:strVal val="#ppt_x"/>
+                                          </p:val>
+                                        </p:tav>
+                                      </p:tavLst>
+                                    </p:anim>
+                                    <p:anim calcmode="lin" valueType="num">
+                                      <p:cBhvr>
+                                        <p:cTn id="39" dur="1000" fill="hold"/>
+                                        <p:tgtEl>
+                                          <p:spTgt spid="2">
+                                            <p:txEl>
+                                              <p:pRg st="5" end="5"/>
+                                            </p:txEl>
+                                          </p:spTgt>
+                                        </p:tgtEl>
+                                        <p:attrNameLst>
+                                          <p:attrName>ppt_y</p:attrName>
+                                        </p:attrNameLst>
+                                      </p:cBhvr>
+                                      <p:tavLst>
+                                        <p:tav tm="0">
+                                          <p:val>
+                                            <p:strVal val="#ppt_y+.1"/>
+                                          </p:val>
+                                        </p:tav>
+                                        <p:tav tm="100000">
+                                          <p:val>
+                                            <p:strVal val="#ppt_y"/>
+                                          </p:val>
+                                        </p:tav>
+                                      </p:tavLst>
+                                    </p:anim>
+                                  </p:childTnLst>
+                                </p:cTn>
+                              </p:par>
+                            </p:childTnLst>
+                          </p:cTn>
+                        </p:par>
+                      </p:childTnLst>
+                    </p:cTn>
+                  </p:par>
+                </p:childTnLst>
+              </p:cTn>
+              <p:prevCondLst>
+                <p:cond evt="onPrev" delay="0">
+                  <p:tgtEl>
+                    <p:sldTgt/>
+                  </p:tgtEl>
+                </p:cond>
+              </p:prevCondLst>
+              <p:nextCondLst>
+                <p:cond evt="onNext" delay="0">
+                  <p:tgtEl>
+                    <p:sldTgt/>
+                  </p:tgtEl>
+                </p:cond>
+              </p:nextCondLst>
+            </p:seq>
+          </p:childTnLst>
+        </p:cTn>
+      </p:par>
+    </p:tnLst>
+  </p:timing>
+</p:sld>
+</file>
+
+<file path=ppt/slides/slide20.xml><?xml version="1.0" encoding="utf-8"?>
 <p:sld xmlns:a="http://schemas.openxmlformats.org/drawingml/2006/main" xmlns:r="http://schemas.openxmlformats.org/officeDocument/2006/relationships" xmlns:p="http://schemas.openxmlformats.org/presentationml/2006/main">
   <p:cSld>
     <p:spTree>
@@ -12591,832 +14418,7 @@
 </p:sld>
 </file>
 
-<file path=ppt/slides/slide2.xml><?xml version="1.0" encoding="utf-8"?>
-<p:sld xmlns:a="http://schemas.openxmlformats.org/drawingml/2006/main" xmlns:r="http://schemas.openxmlformats.org/officeDocument/2006/relationships" xmlns:p="http://schemas.openxmlformats.org/presentationml/2006/main">
-  <p:cSld>
-    <p:spTree>
-      <p:nvGrpSpPr>
-        <p:cNvPr id="1" name=""/>
-        <p:cNvGrpSpPr/>
-        <p:nvPr/>
-      </p:nvGrpSpPr>
-      <p:grpSpPr>
-        <a:xfrm>
-          <a:off x="0" y="0"/>
-          <a:ext cx="0" cy="0"/>
-          <a:chOff x="0" y="0"/>
-          <a:chExt cx="0" cy="0"/>
-        </a:xfrm>
-      </p:grpSpPr>
-      <p:sp>
-        <p:nvSpPr>
-          <p:cNvPr id="2" name="文本占位符 1">
-            <a:extLst>
-              <a:ext uri="{FF2B5EF4-FFF2-40B4-BE49-F238E27FC236}">
-                <a16:creationId xmlns:a16="http://schemas.microsoft.com/office/drawing/2014/main" id="{17BFF5EF-6516-46FC-9FBA-4E84A970787A}"/>
-              </a:ext>
-            </a:extLst>
-          </p:cNvPr>
-          <p:cNvSpPr>
-            <a:spLocks noGrp="1"/>
-          </p:cNvSpPr>
-          <p:nvPr>
-            <p:ph type="body" sz="quarter" idx="10"/>
-          </p:nvPr>
-        </p:nvSpPr>
-        <p:spPr>
-          <a:xfrm>
-            <a:off x="2286000" y="1050654"/>
-            <a:ext cx="3543300" cy="3197495"/>
-          </a:xfrm>
-        </p:spPr>
-        <p:txBody>
-          <a:bodyPr/>
-          <a:lstStyle/>
-          <a:p>
-            <a:r>
-              <a:rPr lang="zh-CN" altLang="en-US" dirty="0"/>
-              <a:t>向量的基本知识回顾</a:t>
-            </a:r>
-            <a:endParaRPr lang="en-US" altLang="zh-CN" dirty="0"/>
-          </a:p>
-          <a:p>
-            <a:r>
-              <a:rPr lang="zh-CN" altLang="en-US" dirty="0"/>
-              <a:t>列向量</a:t>
-            </a:r>
-            <a:endParaRPr lang="en-US" altLang="zh-CN" dirty="0"/>
-          </a:p>
-          <a:p>
-            <a:r>
-              <a:rPr lang="zh-CN" altLang="en-US" dirty="0"/>
-              <a:t>使用</a:t>
-            </a:r>
-            <a:r>
-              <a:rPr lang="en-US" altLang="zh-CN" dirty="0"/>
-              <a:t>Python</a:t>
-            </a:r>
-            <a:r>
-              <a:rPr lang="zh-CN" altLang="en-US" dirty="0"/>
-              <a:t>语言描述向量</a:t>
-            </a:r>
-            <a:endParaRPr lang="en-US" altLang="zh-CN" dirty="0"/>
-          </a:p>
-          <a:p>
-            <a:r>
-              <a:rPr lang="zh-CN" altLang="en-US" dirty="0"/>
-              <a:t>向量的加法和数乘</a:t>
-            </a:r>
-            <a:endParaRPr lang="en-US" altLang="zh-CN" dirty="0"/>
-          </a:p>
-          <a:p>
-            <a:r>
-              <a:rPr lang="zh-CN" altLang="en-US" dirty="0"/>
-              <a:t>向量间的乘法</a:t>
-            </a:r>
-            <a:endParaRPr lang="en-US" altLang="zh-CN" dirty="0"/>
-          </a:p>
-          <a:p>
-            <a:r>
-              <a:rPr lang="zh-CN" altLang="en-US" dirty="0"/>
-              <a:t>向量的线性组合</a:t>
-            </a:r>
-          </a:p>
-        </p:txBody>
-      </p:sp>
-      <p:sp>
-        <p:nvSpPr>
-          <p:cNvPr id="3" name="标题 2">
-            <a:extLst>
-              <a:ext uri="{FF2B5EF4-FFF2-40B4-BE49-F238E27FC236}">
-                <a16:creationId xmlns:a16="http://schemas.microsoft.com/office/drawing/2014/main" id="{AABAEDC6-1FED-43CF-9434-EA815848C5DF}"/>
-              </a:ext>
-            </a:extLst>
-          </p:cNvPr>
-          <p:cNvSpPr>
-            <a:spLocks noGrp="1"/>
-          </p:cNvSpPr>
-          <p:nvPr>
-            <p:ph type="title"/>
-          </p:nvPr>
-        </p:nvSpPr>
-        <p:spPr>
-          <a:xfrm>
-            <a:off x="0" y="161755"/>
-            <a:ext cx="6858000" cy="369332"/>
-          </a:xfrm>
-        </p:spPr>
-        <p:txBody>
-          <a:bodyPr/>
-          <a:lstStyle/>
-          <a:p>
-            <a:r>
-              <a:rPr lang="zh-CN" altLang="en-US" dirty="0"/>
-              <a:t>第</a:t>
-            </a:r>
-            <a:r>
-              <a:rPr lang="en-US" altLang="zh-CN" dirty="0"/>
-              <a:t>2</a:t>
-            </a:r>
-            <a:r>
-              <a:rPr lang="zh-CN" altLang="en-US" dirty="0"/>
-              <a:t>讲 描述空间的工具：向量</a:t>
-            </a:r>
-          </a:p>
-        </p:txBody>
-      </p:sp>
-    </p:spTree>
-    <p:extLst>
-      <p:ext uri="{BB962C8B-B14F-4D97-AF65-F5344CB8AC3E}">
-        <p14:creationId xmlns:p14="http://schemas.microsoft.com/office/powerpoint/2010/main" val="4002327640"/>
-      </p:ext>
-    </p:extLst>
-  </p:cSld>
-  <p:clrMapOvr>
-    <a:masterClrMapping/>
-  </p:clrMapOvr>
-  <p:timing>
-    <p:tnLst>
-      <p:par>
-        <p:cTn id="1" dur="indefinite" restart="never" nodeType="tmRoot">
-          <p:childTnLst>
-            <p:seq concurrent="1" nextAc="seek">
-              <p:cTn id="2" dur="indefinite" nodeType="mainSeq">
-                <p:childTnLst>
-                  <p:par>
-                    <p:cTn id="3" fill="hold">
-                      <p:stCondLst>
-                        <p:cond delay="indefinite"/>
-                        <p:cond evt="onBegin" delay="0">
-                          <p:tn val="2"/>
-                        </p:cond>
-                      </p:stCondLst>
-                      <p:childTnLst>
-                        <p:par>
-                          <p:cTn id="4" fill="hold">
-                            <p:stCondLst>
-                              <p:cond delay="0"/>
-                            </p:stCondLst>
-                            <p:childTnLst>
-                              <p:par>
-                                <p:cTn id="5" presetID="42" presetClass="entr" presetSubtype="0" fill="hold" nodeType="afterEffect">
-                                  <p:stCondLst>
-                                    <p:cond delay="0"/>
-                                  </p:stCondLst>
-                                  <p:childTnLst>
-                                    <p:set>
-                                      <p:cBhvr>
-                                        <p:cTn id="6" dur="1" fill="hold">
-                                          <p:stCondLst>
-                                            <p:cond delay="0"/>
-                                          </p:stCondLst>
-                                        </p:cTn>
-                                        <p:tgtEl>
-                                          <p:spTgt spid="2">
-                                            <p:txEl>
-                                              <p:pRg st="0" end="0"/>
-                                            </p:txEl>
-                                          </p:spTgt>
-                                        </p:tgtEl>
-                                        <p:attrNameLst>
-                                          <p:attrName>style.visibility</p:attrName>
-                                        </p:attrNameLst>
-                                      </p:cBhvr>
-                                      <p:to>
-                                        <p:strVal val="visible"/>
-                                      </p:to>
-                                    </p:set>
-                                    <p:animEffect transition="in" filter="fade">
-                                      <p:cBhvr>
-                                        <p:cTn id="7" dur="1000"/>
-                                        <p:tgtEl>
-                                          <p:spTgt spid="2">
-                                            <p:txEl>
-                                              <p:pRg st="0" end="0"/>
-                                            </p:txEl>
-                                          </p:spTgt>
-                                        </p:tgtEl>
-                                      </p:cBhvr>
-                                    </p:animEffect>
-                                    <p:anim calcmode="lin" valueType="num">
-                                      <p:cBhvr>
-                                        <p:cTn id="8" dur="1000" fill="hold"/>
-                                        <p:tgtEl>
-                                          <p:spTgt spid="2">
-                                            <p:txEl>
-                                              <p:pRg st="0" end="0"/>
-                                            </p:txEl>
-                                          </p:spTgt>
-                                        </p:tgtEl>
-                                        <p:attrNameLst>
-                                          <p:attrName>ppt_x</p:attrName>
-                                        </p:attrNameLst>
-                                      </p:cBhvr>
-                                      <p:tavLst>
-                                        <p:tav tm="0">
-                                          <p:val>
-                                            <p:strVal val="#ppt_x"/>
-                                          </p:val>
-                                        </p:tav>
-                                        <p:tav tm="100000">
-                                          <p:val>
-                                            <p:strVal val="#ppt_x"/>
-                                          </p:val>
-                                        </p:tav>
-                                      </p:tavLst>
-                                    </p:anim>
-                                    <p:anim calcmode="lin" valueType="num">
-                                      <p:cBhvr>
-                                        <p:cTn id="9" dur="1000" fill="hold"/>
-                                        <p:tgtEl>
-                                          <p:spTgt spid="2">
-                                            <p:txEl>
-                                              <p:pRg st="0" end="0"/>
-                                            </p:txEl>
-                                          </p:spTgt>
-                                        </p:tgtEl>
-                                        <p:attrNameLst>
-                                          <p:attrName>ppt_y</p:attrName>
-                                        </p:attrNameLst>
-                                      </p:cBhvr>
-                                      <p:tavLst>
-                                        <p:tav tm="0">
-                                          <p:val>
-                                            <p:strVal val="#ppt_y+.1"/>
-                                          </p:val>
-                                        </p:tav>
-                                        <p:tav tm="100000">
-                                          <p:val>
-                                            <p:strVal val="#ppt_y"/>
-                                          </p:val>
-                                        </p:tav>
-                                      </p:tavLst>
-                                    </p:anim>
-                                  </p:childTnLst>
-                                </p:cTn>
-                              </p:par>
-                            </p:childTnLst>
-                          </p:cTn>
-                        </p:par>
-                        <p:par>
-                          <p:cTn id="10" fill="hold">
-                            <p:stCondLst>
-                              <p:cond delay="1000"/>
-                            </p:stCondLst>
-                            <p:childTnLst>
-                              <p:par>
-                                <p:cTn id="11" presetID="42" presetClass="entr" presetSubtype="0" fill="hold" nodeType="afterEffect">
-                                  <p:stCondLst>
-                                    <p:cond delay="0"/>
-                                  </p:stCondLst>
-                                  <p:childTnLst>
-                                    <p:set>
-                                      <p:cBhvr>
-                                        <p:cTn id="12" dur="1" fill="hold">
-                                          <p:stCondLst>
-                                            <p:cond delay="0"/>
-                                          </p:stCondLst>
-                                        </p:cTn>
-                                        <p:tgtEl>
-                                          <p:spTgt spid="2">
-                                            <p:txEl>
-                                              <p:pRg st="1" end="1"/>
-                                            </p:txEl>
-                                          </p:spTgt>
-                                        </p:tgtEl>
-                                        <p:attrNameLst>
-                                          <p:attrName>style.visibility</p:attrName>
-                                        </p:attrNameLst>
-                                      </p:cBhvr>
-                                      <p:to>
-                                        <p:strVal val="visible"/>
-                                      </p:to>
-                                    </p:set>
-                                    <p:animEffect transition="in" filter="fade">
-                                      <p:cBhvr>
-                                        <p:cTn id="13" dur="1000"/>
-                                        <p:tgtEl>
-                                          <p:spTgt spid="2">
-                                            <p:txEl>
-                                              <p:pRg st="1" end="1"/>
-                                            </p:txEl>
-                                          </p:spTgt>
-                                        </p:tgtEl>
-                                      </p:cBhvr>
-                                    </p:animEffect>
-                                    <p:anim calcmode="lin" valueType="num">
-                                      <p:cBhvr>
-                                        <p:cTn id="14" dur="1000" fill="hold"/>
-                                        <p:tgtEl>
-                                          <p:spTgt spid="2">
-                                            <p:txEl>
-                                              <p:pRg st="1" end="1"/>
-                                            </p:txEl>
-                                          </p:spTgt>
-                                        </p:tgtEl>
-                                        <p:attrNameLst>
-                                          <p:attrName>ppt_x</p:attrName>
-                                        </p:attrNameLst>
-                                      </p:cBhvr>
-                                      <p:tavLst>
-                                        <p:tav tm="0">
-                                          <p:val>
-                                            <p:strVal val="#ppt_x"/>
-                                          </p:val>
-                                        </p:tav>
-                                        <p:tav tm="100000">
-                                          <p:val>
-                                            <p:strVal val="#ppt_x"/>
-                                          </p:val>
-                                        </p:tav>
-                                      </p:tavLst>
-                                    </p:anim>
-                                    <p:anim calcmode="lin" valueType="num">
-                                      <p:cBhvr>
-                                        <p:cTn id="15" dur="1000" fill="hold"/>
-                                        <p:tgtEl>
-                                          <p:spTgt spid="2">
-                                            <p:txEl>
-                                              <p:pRg st="1" end="1"/>
-                                            </p:txEl>
-                                          </p:spTgt>
-                                        </p:tgtEl>
-                                        <p:attrNameLst>
-                                          <p:attrName>ppt_y</p:attrName>
-                                        </p:attrNameLst>
-                                      </p:cBhvr>
-                                      <p:tavLst>
-                                        <p:tav tm="0">
-                                          <p:val>
-                                            <p:strVal val="#ppt_y+.1"/>
-                                          </p:val>
-                                        </p:tav>
-                                        <p:tav tm="100000">
-                                          <p:val>
-                                            <p:strVal val="#ppt_y"/>
-                                          </p:val>
-                                        </p:tav>
-                                      </p:tavLst>
-                                    </p:anim>
-                                  </p:childTnLst>
-                                </p:cTn>
-                              </p:par>
-                            </p:childTnLst>
-                          </p:cTn>
-                        </p:par>
-                        <p:par>
-                          <p:cTn id="16" fill="hold">
-                            <p:stCondLst>
-                              <p:cond delay="2000"/>
-                            </p:stCondLst>
-                            <p:childTnLst>
-                              <p:par>
-                                <p:cTn id="17" presetID="42" presetClass="entr" presetSubtype="0" fill="hold" nodeType="afterEffect">
-                                  <p:stCondLst>
-                                    <p:cond delay="0"/>
-                                  </p:stCondLst>
-                                  <p:childTnLst>
-                                    <p:set>
-                                      <p:cBhvr>
-                                        <p:cTn id="18" dur="1" fill="hold">
-                                          <p:stCondLst>
-                                            <p:cond delay="0"/>
-                                          </p:stCondLst>
-                                        </p:cTn>
-                                        <p:tgtEl>
-                                          <p:spTgt spid="2">
-                                            <p:txEl>
-                                              <p:pRg st="2" end="2"/>
-                                            </p:txEl>
-                                          </p:spTgt>
-                                        </p:tgtEl>
-                                        <p:attrNameLst>
-                                          <p:attrName>style.visibility</p:attrName>
-                                        </p:attrNameLst>
-                                      </p:cBhvr>
-                                      <p:to>
-                                        <p:strVal val="visible"/>
-                                      </p:to>
-                                    </p:set>
-                                    <p:animEffect transition="in" filter="fade">
-                                      <p:cBhvr>
-                                        <p:cTn id="19" dur="1000"/>
-                                        <p:tgtEl>
-                                          <p:spTgt spid="2">
-                                            <p:txEl>
-                                              <p:pRg st="2" end="2"/>
-                                            </p:txEl>
-                                          </p:spTgt>
-                                        </p:tgtEl>
-                                      </p:cBhvr>
-                                    </p:animEffect>
-                                    <p:anim calcmode="lin" valueType="num">
-                                      <p:cBhvr>
-                                        <p:cTn id="20" dur="1000" fill="hold"/>
-                                        <p:tgtEl>
-                                          <p:spTgt spid="2">
-                                            <p:txEl>
-                                              <p:pRg st="2" end="2"/>
-                                            </p:txEl>
-                                          </p:spTgt>
-                                        </p:tgtEl>
-                                        <p:attrNameLst>
-                                          <p:attrName>ppt_x</p:attrName>
-                                        </p:attrNameLst>
-                                      </p:cBhvr>
-                                      <p:tavLst>
-                                        <p:tav tm="0">
-                                          <p:val>
-                                            <p:strVal val="#ppt_x"/>
-                                          </p:val>
-                                        </p:tav>
-                                        <p:tav tm="100000">
-                                          <p:val>
-                                            <p:strVal val="#ppt_x"/>
-                                          </p:val>
-                                        </p:tav>
-                                      </p:tavLst>
-                                    </p:anim>
-                                    <p:anim calcmode="lin" valueType="num">
-                                      <p:cBhvr>
-                                        <p:cTn id="21" dur="1000" fill="hold"/>
-                                        <p:tgtEl>
-                                          <p:spTgt spid="2">
-                                            <p:txEl>
-                                              <p:pRg st="2" end="2"/>
-                                            </p:txEl>
-                                          </p:spTgt>
-                                        </p:tgtEl>
-                                        <p:attrNameLst>
-                                          <p:attrName>ppt_y</p:attrName>
-                                        </p:attrNameLst>
-                                      </p:cBhvr>
-                                      <p:tavLst>
-                                        <p:tav tm="0">
-                                          <p:val>
-                                            <p:strVal val="#ppt_y+.1"/>
-                                          </p:val>
-                                        </p:tav>
-                                        <p:tav tm="100000">
-                                          <p:val>
-                                            <p:strVal val="#ppt_y"/>
-                                          </p:val>
-                                        </p:tav>
-                                      </p:tavLst>
-                                    </p:anim>
-                                  </p:childTnLst>
-                                </p:cTn>
-                              </p:par>
-                            </p:childTnLst>
-                          </p:cTn>
-                        </p:par>
-                        <p:par>
-                          <p:cTn id="22" fill="hold">
-                            <p:stCondLst>
-                              <p:cond delay="3000"/>
-                            </p:stCondLst>
-                            <p:childTnLst>
-                              <p:par>
-                                <p:cTn id="23" presetID="42" presetClass="entr" presetSubtype="0" fill="hold" nodeType="afterEffect">
-                                  <p:stCondLst>
-                                    <p:cond delay="0"/>
-                                  </p:stCondLst>
-                                  <p:childTnLst>
-                                    <p:set>
-                                      <p:cBhvr>
-                                        <p:cTn id="24" dur="1" fill="hold">
-                                          <p:stCondLst>
-                                            <p:cond delay="0"/>
-                                          </p:stCondLst>
-                                        </p:cTn>
-                                        <p:tgtEl>
-                                          <p:spTgt spid="2">
-                                            <p:txEl>
-                                              <p:pRg st="3" end="3"/>
-                                            </p:txEl>
-                                          </p:spTgt>
-                                        </p:tgtEl>
-                                        <p:attrNameLst>
-                                          <p:attrName>style.visibility</p:attrName>
-                                        </p:attrNameLst>
-                                      </p:cBhvr>
-                                      <p:to>
-                                        <p:strVal val="visible"/>
-                                      </p:to>
-                                    </p:set>
-                                    <p:animEffect transition="in" filter="fade">
-                                      <p:cBhvr>
-                                        <p:cTn id="25" dur="1000"/>
-                                        <p:tgtEl>
-                                          <p:spTgt spid="2">
-                                            <p:txEl>
-                                              <p:pRg st="3" end="3"/>
-                                            </p:txEl>
-                                          </p:spTgt>
-                                        </p:tgtEl>
-                                      </p:cBhvr>
-                                    </p:animEffect>
-                                    <p:anim calcmode="lin" valueType="num">
-                                      <p:cBhvr>
-                                        <p:cTn id="26" dur="1000" fill="hold"/>
-                                        <p:tgtEl>
-                                          <p:spTgt spid="2">
-                                            <p:txEl>
-                                              <p:pRg st="3" end="3"/>
-                                            </p:txEl>
-                                          </p:spTgt>
-                                        </p:tgtEl>
-                                        <p:attrNameLst>
-                                          <p:attrName>ppt_x</p:attrName>
-                                        </p:attrNameLst>
-                                      </p:cBhvr>
-                                      <p:tavLst>
-                                        <p:tav tm="0">
-                                          <p:val>
-                                            <p:strVal val="#ppt_x"/>
-                                          </p:val>
-                                        </p:tav>
-                                        <p:tav tm="100000">
-                                          <p:val>
-                                            <p:strVal val="#ppt_x"/>
-                                          </p:val>
-                                        </p:tav>
-                                      </p:tavLst>
-                                    </p:anim>
-                                    <p:anim calcmode="lin" valueType="num">
-                                      <p:cBhvr>
-                                        <p:cTn id="27" dur="1000" fill="hold"/>
-                                        <p:tgtEl>
-                                          <p:spTgt spid="2">
-                                            <p:txEl>
-                                              <p:pRg st="3" end="3"/>
-                                            </p:txEl>
-                                          </p:spTgt>
-                                        </p:tgtEl>
-                                        <p:attrNameLst>
-                                          <p:attrName>ppt_y</p:attrName>
-                                        </p:attrNameLst>
-                                      </p:cBhvr>
-                                      <p:tavLst>
-                                        <p:tav tm="0">
-                                          <p:val>
-                                            <p:strVal val="#ppt_y+.1"/>
-                                          </p:val>
-                                        </p:tav>
-                                        <p:tav tm="100000">
-                                          <p:val>
-                                            <p:strVal val="#ppt_y"/>
-                                          </p:val>
-                                        </p:tav>
-                                      </p:tavLst>
-                                    </p:anim>
-                                  </p:childTnLst>
-                                </p:cTn>
-                              </p:par>
-                            </p:childTnLst>
-                          </p:cTn>
-                        </p:par>
-                        <p:par>
-                          <p:cTn id="28" fill="hold">
-                            <p:stCondLst>
-                              <p:cond delay="4000"/>
-                            </p:stCondLst>
-                            <p:childTnLst>
-                              <p:par>
-                                <p:cTn id="29" presetID="42" presetClass="entr" presetSubtype="0" fill="hold" nodeType="afterEffect">
-                                  <p:stCondLst>
-                                    <p:cond delay="0"/>
-                                  </p:stCondLst>
-                                  <p:childTnLst>
-                                    <p:set>
-                                      <p:cBhvr>
-                                        <p:cTn id="30" dur="1" fill="hold">
-                                          <p:stCondLst>
-                                            <p:cond delay="0"/>
-                                          </p:stCondLst>
-                                        </p:cTn>
-                                        <p:tgtEl>
-                                          <p:spTgt spid="2">
-                                            <p:txEl>
-                                              <p:pRg st="4" end="4"/>
-                                            </p:txEl>
-                                          </p:spTgt>
-                                        </p:tgtEl>
-                                        <p:attrNameLst>
-                                          <p:attrName>style.visibility</p:attrName>
-                                        </p:attrNameLst>
-                                      </p:cBhvr>
-                                      <p:to>
-                                        <p:strVal val="visible"/>
-                                      </p:to>
-                                    </p:set>
-                                    <p:animEffect transition="in" filter="fade">
-                                      <p:cBhvr>
-                                        <p:cTn id="31" dur="1000"/>
-                                        <p:tgtEl>
-                                          <p:spTgt spid="2">
-                                            <p:txEl>
-                                              <p:pRg st="4" end="4"/>
-                                            </p:txEl>
-                                          </p:spTgt>
-                                        </p:tgtEl>
-                                      </p:cBhvr>
-                                    </p:animEffect>
-                                    <p:anim calcmode="lin" valueType="num">
-                                      <p:cBhvr>
-                                        <p:cTn id="32" dur="1000" fill="hold"/>
-                                        <p:tgtEl>
-                                          <p:spTgt spid="2">
-                                            <p:txEl>
-                                              <p:pRg st="4" end="4"/>
-                                            </p:txEl>
-                                          </p:spTgt>
-                                        </p:tgtEl>
-                                        <p:attrNameLst>
-                                          <p:attrName>ppt_x</p:attrName>
-                                        </p:attrNameLst>
-                                      </p:cBhvr>
-                                      <p:tavLst>
-                                        <p:tav tm="0">
-                                          <p:val>
-                                            <p:strVal val="#ppt_x"/>
-                                          </p:val>
-                                        </p:tav>
-                                        <p:tav tm="100000">
-                                          <p:val>
-                                            <p:strVal val="#ppt_x"/>
-                                          </p:val>
-                                        </p:tav>
-                                      </p:tavLst>
-                                    </p:anim>
-                                    <p:anim calcmode="lin" valueType="num">
-                                      <p:cBhvr>
-                                        <p:cTn id="33" dur="1000" fill="hold"/>
-                                        <p:tgtEl>
-                                          <p:spTgt spid="2">
-                                            <p:txEl>
-                                              <p:pRg st="4" end="4"/>
-                                            </p:txEl>
-                                          </p:spTgt>
-                                        </p:tgtEl>
-                                        <p:attrNameLst>
-                                          <p:attrName>ppt_y</p:attrName>
-                                        </p:attrNameLst>
-                                      </p:cBhvr>
-                                      <p:tavLst>
-                                        <p:tav tm="0">
-                                          <p:val>
-                                            <p:strVal val="#ppt_y+.1"/>
-                                          </p:val>
-                                        </p:tav>
-                                        <p:tav tm="100000">
-                                          <p:val>
-                                            <p:strVal val="#ppt_y"/>
-                                          </p:val>
-                                        </p:tav>
-                                      </p:tavLst>
-                                    </p:anim>
-                                  </p:childTnLst>
-                                </p:cTn>
-                              </p:par>
-                            </p:childTnLst>
-                          </p:cTn>
-                        </p:par>
-                        <p:par>
-                          <p:cTn id="34" fill="hold">
-                            <p:stCondLst>
-                              <p:cond delay="5000"/>
-                            </p:stCondLst>
-                            <p:childTnLst>
-                              <p:par>
-                                <p:cTn id="35" presetID="42" presetClass="entr" presetSubtype="0" fill="hold" nodeType="afterEffect">
-                                  <p:stCondLst>
-                                    <p:cond delay="0"/>
-                                  </p:stCondLst>
-                                  <p:childTnLst>
-                                    <p:set>
-                                      <p:cBhvr>
-                                        <p:cTn id="36" dur="1" fill="hold">
-                                          <p:stCondLst>
-                                            <p:cond delay="0"/>
-                                          </p:stCondLst>
-                                        </p:cTn>
-                                        <p:tgtEl>
-                                          <p:spTgt spid="2">
-                                            <p:txEl>
-                                              <p:pRg st="5" end="5"/>
-                                            </p:txEl>
-                                          </p:spTgt>
-                                        </p:tgtEl>
-                                        <p:attrNameLst>
-                                          <p:attrName>style.visibility</p:attrName>
-                                        </p:attrNameLst>
-                                      </p:cBhvr>
-                                      <p:to>
-                                        <p:strVal val="visible"/>
-                                      </p:to>
-                                    </p:set>
-                                    <p:animEffect transition="in" filter="fade">
-                                      <p:cBhvr>
-                                        <p:cTn id="37" dur="1000"/>
-                                        <p:tgtEl>
-                                          <p:spTgt spid="2">
-                                            <p:txEl>
-                                              <p:pRg st="5" end="5"/>
-                                            </p:txEl>
-                                          </p:spTgt>
-                                        </p:tgtEl>
-                                      </p:cBhvr>
-                                    </p:animEffect>
-                                    <p:anim calcmode="lin" valueType="num">
-                                      <p:cBhvr>
-                                        <p:cTn id="38" dur="1000" fill="hold"/>
-                                        <p:tgtEl>
-                                          <p:spTgt spid="2">
-                                            <p:txEl>
-                                              <p:pRg st="5" end="5"/>
-                                            </p:txEl>
-                                          </p:spTgt>
-                                        </p:tgtEl>
-                                        <p:attrNameLst>
-                                          <p:attrName>ppt_x</p:attrName>
-                                        </p:attrNameLst>
-                                      </p:cBhvr>
-                                      <p:tavLst>
-                                        <p:tav tm="0">
-                                          <p:val>
-                                            <p:strVal val="#ppt_x"/>
-                                          </p:val>
-                                        </p:tav>
-                                        <p:tav tm="100000">
-                                          <p:val>
-                                            <p:strVal val="#ppt_x"/>
-                                          </p:val>
-                                        </p:tav>
-                                      </p:tavLst>
-                                    </p:anim>
-                                    <p:anim calcmode="lin" valueType="num">
-                                      <p:cBhvr>
-                                        <p:cTn id="39" dur="1000" fill="hold"/>
-                                        <p:tgtEl>
-                                          <p:spTgt spid="2">
-                                            <p:txEl>
-                                              <p:pRg st="5" end="5"/>
-                                            </p:txEl>
-                                          </p:spTgt>
-                                        </p:tgtEl>
-                                        <p:attrNameLst>
-                                          <p:attrName>ppt_y</p:attrName>
-                                        </p:attrNameLst>
-                                      </p:cBhvr>
-                                      <p:tavLst>
-                                        <p:tav tm="0">
-                                          <p:val>
-                                            <p:strVal val="#ppt_y+.1"/>
-                                          </p:val>
-                                        </p:tav>
-                                        <p:tav tm="100000">
-                                          <p:val>
-                                            <p:strVal val="#ppt_y"/>
-                                          </p:val>
-                                        </p:tav>
-                                      </p:tavLst>
-                                    </p:anim>
-                                  </p:childTnLst>
-                                </p:cTn>
-                              </p:par>
-                            </p:childTnLst>
-                          </p:cTn>
-                        </p:par>
-                      </p:childTnLst>
-                    </p:cTn>
-                  </p:par>
-                </p:childTnLst>
-              </p:cTn>
-              <p:prevCondLst>
-                <p:cond evt="onPrev" delay="0">
-                  <p:tgtEl>
-                    <p:sldTgt/>
-                  </p:tgtEl>
-                </p:cond>
-              </p:prevCondLst>
-              <p:nextCondLst>
-                <p:cond evt="onNext" delay="0">
-                  <p:tgtEl>
-                    <p:sldTgt/>
-                  </p:tgtEl>
-                </p:cond>
-              </p:nextCondLst>
-            </p:seq>
-          </p:childTnLst>
-        </p:cTn>
-      </p:par>
-    </p:tnLst>
-  </p:timing>
-</p:sld>
-</file>
-
-<file path=ppt/slides/slide20.xml><?xml version="1.0" encoding="utf-8"?>
+<file path=ppt/slides/slide21.xml><?xml version="1.0" encoding="utf-8"?>
 <p:sld xmlns:a="http://schemas.openxmlformats.org/drawingml/2006/main" xmlns:r="http://schemas.openxmlformats.org/officeDocument/2006/relationships" xmlns:p="http://schemas.openxmlformats.org/presentationml/2006/main">
   <p:cSld>
     <p:spTree>
@@ -13944,7 +14946,7 @@
 </p:sld>
 </file>
 
-<file path=ppt/slides/slide21.xml><?xml version="1.0" encoding="utf-8"?>
+<file path=ppt/slides/slide22.xml><?xml version="1.0" encoding="utf-8"?>
 <p:sld xmlns:a="http://schemas.openxmlformats.org/drawingml/2006/main" xmlns:r="http://schemas.openxmlformats.org/officeDocument/2006/relationships" xmlns:p="http://schemas.openxmlformats.org/presentationml/2006/main">
   <p:cSld>
     <p:spTree>
@@ -14859,7 +15861,7 @@
 </p:sld>
 </file>
 
-<file path=ppt/slides/slide22.xml><?xml version="1.0" encoding="utf-8"?>
+<file path=ppt/slides/slide23.xml><?xml version="1.0" encoding="utf-8"?>
 <p:sld xmlns:a="http://schemas.openxmlformats.org/drawingml/2006/main" xmlns:r="http://schemas.openxmlformats.org/officeDocument/2006/relationships" xmlns:p="http://schemas.openxmlformats.org/presentationml/2006/main">
   <p:cSld>
     <p:spTree>
@@ -14917,7 +15919,7 @@
 </p:sld>
 </file>
 
-<file path=ppt/slides/slide23.xml><?xml version="1.0" encoding="utf-8"?>
+<file path=ppt/slides/slide24.xml><?xml version="1.0" encoding="utf-8"?>
 <p:sld xmlns:a="http://schemas.openxmlformats.org/drawingml/2006/main" xmlns:r="http://schemas.openxmlformats.org/officeDocument/2006/relationships" xmlns:p="http://schemas.openxmlformats.org/presentationml/2006/main">
   <p:cSld>
     <p:spTree>
@@ -15601,7 +16603,7 @@
 </p:sld>
 </file>
 
-<file path=ppt/slides/slide24.xml><?xml version="1.0" encoding="utf-8"?>
+<file path=ppt/slides/slide25.xml><?xml version="1.0" encoding="utf-8"?>
 <p:sld xmlns:a="http://schemas.openxmlformats.org/drawingml/2006/main" xmlns:r="http://schemas.openxmlformats.org/officeDocument/2006/relationships" xmlns:p="http://schemas.openxmlformats.org/presentationml/2006/main">
   <p:cSld>
     <p:spTree>
@@ -15827,7 +16829,7 @@
 </p:sld>
 </file>
 
-<file path=ppt/slides/slide25.xml><?xml version="1.0" encoding="utf-8"?>
+<file path=ppt/slides/slide26.xml><?xml version="1.0" encoding="utf-8"?>
 <p:sld xmlns:a="http://schemas.openxmlformats.org/drawingml/2006/main" xmlns:r="http://schemas.openxmlformats.org/officeDocument/2006/relationships" xmlns:p="http://schemas.openxmlformats.org/presentationml/2006/main">
   <p:cSld>
     <p:spTree>
@@ -16302,7 +17304,7 @@
 </p:sld>
 </file>
 
-<file path=ppt/slides/slide26.xml><?xml version="1.0" encoding="utf-8"?>
+<file path=ppt/slides/slide27.xml><?xml version="1.0" encoding="utf-8"?>
 <p:sld xmlns:a="http://schemas.openxmlformats.org/drawingml/2006/main" xmlns:r="http://schemas.openxmlformats.org/officeDocument/2006/relationships" xmlns:p="http://schemas.openxmlformats.org/presentationml/2006/main">
   <p:cSld>
     <p:spTree>
@@ -16693,7 +17695,7 @@
 </p:sld>
 </file>
 
-<file path=ppt/slides/slide27.xml><?xml version="1.0" encoding="utf-8"?>
+<file path=ppt/slides/slide28.xml><?xml version="1.0" encoding="utf-8"?>
 <p:sld xmlns:a="http://schemas.openxmlformats.org/drawingml/2006/main" xmlns:r="http://schemas.openxmlformats.org/officeDocument/2006/relationships" xmlns:p="http://schemas.openxmlformats.org/presentationml/2006/main">
   <p:cSld>
     <p:spTree>
@@ -17120,7 +18122,7 @@
 </p:sld>
 </file>
 
-<file path=ppt/slides/slide28.xml><?xml version="1.0" encoding="utf-8"?>
+<file path=ppt/slides/slide29.xml><?xml version="1.0" encoding="utf-8"?>
 <p:sld xmlns:a="http://schemas.openxmlformats.org/drawingml/2006/main" xmlns:r="http://schemas.openxmlformats.org/officeDocument/2006/relationships" xmlns:p="http://schemas.openxmlformats.org/presentationml/2006/main">
   <p:cSld>
     <p:spTree>
@@ -17178,7 +18180,443 @@
 </p:sld>
 </file>
 
-<file path=ppt/slides/slide29.xml><?xml version="1.0" encoding="utf-8"?>
+<file path=ppt/slides/slide3.xml><?xml version="1.0" encoding="utf-8"?>
+<p:sld xmlns:a="http://schemas.openxmlformats.org/drawingml/2006/main" xmlns:r="http://schemas.openxmlformats.org/officeDocument/2006/relationships" xmlns:p="http://schemas.openxmlformats.org/presentationml/2006/main">
+  <p:cSld>
+    <p:spTree>
+      <p:nvGrpSpPr>
+        <p:cNvPr id="1" name=""/>
+        <p:cNvGrpSpPr/>
+        <p:nvPr/>
+      </p:nvGrpSpPr>
+      <p:grpSpPr>
+        <a:xfrm>
+          <a:off x="0" y="0"/>
+          <a:ext cx="0" cy="0"/>
+          <a:chOff x="0" y="0"/>
+          <a:chExt cx="0" cy="0"/>
+        </a:xfrm>
+      </p:grpSpPr>
+      <p:sp>
+        <p:nvSpPr>
+          <p:cNvPr id="2" name="文本占位符 1">
+            <a:extLst>
+              <a:ext uri="{FF2B5EF4-FFF2-40B4-BE49-F238E27FC236}">
+                <a16:creationId xmlns:a16="http://schemas.microsoft.com/office/drawing/2014/main" id="{53C30AF7-48F8-4092-80DF-09C587B12521}"/>
+              </a:ext>
+            </a:extLst>
+          </p:cNvPr>
+          <p:cNvSpPr>
+            <a:spLocks noGrp="1"/>
+          </p:cNvSpPr>
+          <p:nvPr>
+            <p:ph type="body" sz="quarter" idx="10"/>
+          </p:nvPr>
+        </p:nvSpPr>
+        <p:spPr>
+          <a:xfrm>
+            <a:off x="0" y="678490"/>
+            <a:ext cx="6858000" cy="369332"/>
+          </a:xfrm>
+        </p:spPr>
+        <p:txBody>
+          <a:bodyPr/>
+          <a:lstStyle/>
+          <a:p>
+            <a:r>
+              <a:rPr lang="zh-CN" altLang="en-US" dirty="0"/>
+              <a:t>总体说明</a:t>
+            </a:r>
+          </a:p>
+        </p:txBody>
+      </p:sp>
+      <p:sp>
+        <p:nvSpPr>
+          <p:cNvPr id="3" name="内容占位符 2">
+            <a:extLst>
+              <a:ext uri="{FF2B5EF4-FFF2-40B4-BE49-F238E27FC236}">
+                <a16:creationId xmlns:a16="http://schemas.microsoft.com/office/drawing/2014/main" id="{816478B3-A188-4D53-8EEF-A0BAF0611FC2}"/>
+              </a:ext>
+            </a:extLst>
+          </p:cNvPr>
+          <p:cNvSpPr>
+            <a:spLocks noGrp="1"/>
+          </p:cNvSpPr>
+          <p:nvPr>
+            <p:ph sz="quarter" idx="11"/>
+          </p:nvPr>
+        </p:nvSpPr>
+        <p:spPr>
+          <a:xfrm>
+            <a:off x="0" y="1047822"/>
+            <a:ext cx="6858000" cy="3124793"/>
+          </a:xfrm>
+        </p:spPr>
+        <p:txBody>
+          <a:bodyPr/>
+          <a:lstStyle/>
+          <a:p>
+            <a:r>
+              <a:rPr lang="zh-CN" altLang="en-US" sz="2400" dirty="0"/>
+              <a:t>       </a:t>
+            </a:r>
+            <a:r>
+              <a:rPr lang="zh-CN" altLang="en-US" sz="2400" dirty="0">
+                <a:solidFill>
+                  <a:srgbClr val="0000FF"/>
+                </a:solidFill>
+              </a:rPr>
+              <a:t>空间</a:t>
+            </a:r>
+            <a:r>
+              <a:rPr lang="zh-CN" altLang="en-US" sz="2400" dirty="0"/>
+              <a:t>是贯穿</a:t>
+            </a:r>
+            <a:r>
+              <a:rPr lang="zh-CN" altLang="en-US" sz="2400" b="1" dirty="0"/>
+              <a:t>线性代数</a:t>
+            </a:r>
+            <a:r>
+              <a:rPr lang="zh-CN" altLang="en-US" sz="2400" dirty="0"/>
+              <a:t>整个领域的</a:t>
+            </a:r>
+            <a:r>
+              <a:rPr lang="zh-CN" altLang="en-US" sz="2400" dirty="0">
+                <a:solidFill>
+                  <a:srgbClr val="FF0000"/>
+                </a:solidFill>
+              </a:rPr>
+              <a:t>主干</a:t>
+            </a:r>
+            <a:r>
+              <a:rPr lang="zh-CN" altLang="en-US" sz="2400" dirty="0"/>
+              <a:t>和</a:t>
+            </a:r>
+            <a:r>
+              <a:rPr lang="zh-CN" altLang="en-US" sz="2400" dirty="0">
+                <a:solidFill>
+                  <a:srgbClr val="FF0000"/>
+                </a:solidFill>
+              </a:rPr>
+              <a:t>核心</a:t>
+            </a:r>
+            <a:r>
+              <a:rPr lang="zh-CN" altLang="en-US" sz="2400" dirty="0"/>
+              <a:t>概念，我们所有的</a:t>
+            </a:r>
+            <a:r>
+              <a:rPr lang="zh-CN" altLang="en-US" sz="2400" dirty="0">
+                <a:solidFill>
+                  <a:schemeClr val="accent6">
+                    <a:lumMod val="75000"/>
+                  </a:schemeClr>
+                </a:solidFill>
+              </a:rPr>
+              <a:t>概念</a:t>
+            </a:r>
+            <a:r>
+              <a:rPr lang="zh-CN" altLang="en-US" sz="2400" dirty="0"/>
+              <a:t>和</a:t>
+            </a:r>
+            <a:r>
+              <a:rPr lang="zh-CN" altLang="en-US" sz="2400" dirty="0">
+                <a:solidFill>
+                  <a:schemeClr val="accent6">
+                    <a:lumMod val="75000"/>
+                  </a:schemeClr>
+                </a:solidFill>
+              </a:rPr>
+              <a:t>应用</a:t>
+            </a:r>
+            <a:r>
+              <a:rPr lang="zh-CN" altLang="en-US" sz="2400" dirty="0"/>
+              <a:t>都会构架在</a:t>
+            </a:r>
+            <a:r>
+              <a:rPr lang="zh-CN" altLang="en-US" sz="2400" dirty="0">
+                <a:solidFill>
+                  <a:srgbClr val="0000FF"/>
+                </a:solidFill>
+              </a:rPr>
+              <a:t>空间</a:t>
+            </a:r>
+            <a:r>
+              <a:rPr lang="zh-CN" altLang="en-US" sz="2400" dirty="0"/>
+              <a:t>这个逻辑实体上。而</a:t>
+            </a:r>
+            <a:r>
+              <a:rPr lang="zh-CN" altLang="en-US" sz="2400" dirty="0">
+                <a:solidFill>
+                  <a:srgbClr val="0000FF"/>
+                </a:solidFill>
+              </a:rPr>
+              <a:t>向量</a:t>
+            </a:r>
+            <a:r>
+              <a:rPr lang="zh-CN" altLang="en-US" sz="2400" dirty="0"/>
+              <a:t>和</a:t>
+            </a:r>
+            <a:r>
+              <a:rPr lang="zh-CN" altLang="en-US" sz="2400" dirty="0">
+                <a:solidFill>
+                  <a:srgbClr val="0000FF"/>
+                </a:solidFill>
+              </a:rPr>
+              <a:t>矩阵</a:t>
+            </a:r>
+            <a:r>
+              <a:rPr lang="zh-CN" altLang="en-US" sz="2400" dirty="0"/>
+              <a:t>就是我们用来填充这个实体的工具，包括运算、映射、降维、投影、近似求解、特征提取等，都将建立在基于</a:t>
+            </a:r>
+            <a:r>
+              <a:rPr lang="zh-CN" altLang="en-US" sz="2400" dirty="0">
+                <a:solidFill>
+                  <a:schemeClr val="accent6">
+                    <a:lumMod val="75000"/>
+                  </a:schemeClr>
+                </a:solidFill>
+              </a:rPr>
+              <a:t>矩阵</a:t>
+            </a:r>
+            <a:r>
+              <a:rPr lang="zh-CN" altLang="en-US" sz="2400" dirty="0"/>
+              <a:t>和</a:t>
+            </a:r>
+            <a:r>
+              <a:rPr lang="zh-CN" altLang="en-US" sz="2400" dirty="0">
+                <a:solidFill>
+                  <a:schemeClr val="accent6">
+                    <a:lumMod val="75000"/>
+                  </a:schemeClr>
+                </a:solidFill>
+              </a:rPr>
+              <a:t>向量</a:t>
+            </a:r>
+            <a:r>
+              <a:rPr lang="zh-CN" altLang="en-US" sz="2400" dirty="0"/>
+              <a:t>的</a:t>
+            </a:r>
+            <a:r>
+              <a:rPr lang="zh-CN" altLang="en-US" sz="2400" dirty="0">
+                <a:solidFill>
+                  <a:srgbClr val="0000FF"/>
+                </a:solidFill>
+              </a:rPr>
+              <a:t>空间</a:t>
+            </a:r>
+            <a:r>
+              <a:rPr lang="zh-CN" altLang="en-US" sz="2400" dirty="0"/>
+              <a:t>中实现。</a:t>
+            </a:r>
+          </a:p>
+        </p:txBody>
+      </p:sp>
+      <p:sp>
+        <p:nvSpPr>
+          <p:cNvPr id="4" name="标题 3">
+            <a:extLst>
+              <a:ext uri="{FF2B5EF4-FFF2-40B4-BE49-F238E27FC236}">
+                <a16:creationId xmlns:a16="http://schemas.microsoft.com/office/drawing/2014/main" id="{23A922BA-DCA0-4C82-B1D3-D1FE7DBDA170}"/>
+              </a:ext>
+            </a:extLst>
+          </p:cNvPr>
+          <p:cNvSpPr>
+            <a:spLocks noGrp="1"/>
+          </p:cNvSpPr>
+          <p:nvPr>
+            <p:ph type="title"/>
+          </p:nvPr>
+        </p:nvSpPr>
+        <p:spPr>
+          <a:xfrm>
+            <a:off x="0" y="161755"/>
+            <a:ext cx="6858000" cy="369332"/>
+          </a:xfrm>
+        </p:spPr>
+        <p:txBody>
+          <a:bodyPr/>
+          <a:lstStyle/>
+          <a:p>
+            <a:r>
+              <a:rPr lang="zh-CN" altLang="en-US" dirty="0"/>
+              <a:t>第</a:t>
+            </a:r>
+            <a:r>
+              <a:rPr lang="en-US" altLang="zh-CN" dirty="0"/>
+              <a:t>2</a:t>
+            </a:r>
+            <a:r>
+              <a:rPr lang="zh-CN" altLang="en-US" dirty="0"/>
+              <a:t>讲 描述空间的工具：向量</a:t>
+            </a:r>
+          </a:p>
+        </p:txBody>
+      </p:sp>
+    </p:spTree>
+    <p:extLst>
+      <p:ext uri="{BB962C8B-B14F-4D97-AF65-F5344CB8AC3E}">
+        <p14:creationId xmlns:p14="http://schemas.microsoft.com/office/powerpoint/2010/main" val="1045179212"/>
+      </p:ext>
+    </p:extLst>
+  </p:cSld>
+  <p:clrMapOvr>
+    <a:masterClrMapping/>
+  </p:clrMapOvr>
+  <p:timing>
+    <p:tnLst>
+      <p:par>
+        <p:cTn id="1" dur="indefinite" restart="never" nodeType="tmRoot">
+          <p:childTnLst>
+            <p:seq concurrent="1" nextAc="seek">
+              <p:cTn id="2" dur="indefinite" nodeType="mainSeq">
+                <p:childTnLst>
+                  <p:par>
+                    <p:cTn id="3" fill="hold">
+                      <p:stCondLst>
+                        <p:cond delay="indefinite"/>
+                        <p:cond evt="onBegin" delay="0">
+                          <p:tn val="2"/>
+                        </p:cond>
+                      </p:stCondLst>
+                      <p:childTnLst>
+                        <p:par>
+                          <p:cTn id="4" fill="hold">
+                            <p:stCondLst>
+                              <p:cond delay="0"/>
+                            </p:stCondLst>
+                            <p:childTnLst>
+                              <p:par>
+                                <p:cTn id="5" presetID="42" presetClass="entr" presetSubtype="0" fill="hold" grpId="0" nodeType="afterEffect">
+                                  <p:stCondLst>
+                                    <p:cond delay="0"/>
+                                  </p:stCondLst>
+                                  <p:childTnLst>
+                                    <p:set>
+                                      <p:cBhvr>
+                                        <p:cTn id="6" dur="1" fill="hold">
+                                          <p:stCondLst>
+                                            <p:cond delay="0"/>
+                                          </p:stCondLst>
+                                        </p:cTn>
+                                        <p:tgtEl>
+                                          <p:spTgt spid="3">
+                                            <p:txEl>
+                                              <p:pRg st="0" end="0"/>
+                                            </p:txEl>
+                                          </p:spTgt>
+                                        </p:tgtEl>
+                                        <p:attrNameLst>
+                                          <p:attrName>style.visibility</p:attrName>
+                                        </p:attrNameLst>
+                                      </p:cBhvr>
+                                      <p:to>
+                                        <p:strVal val="visible"/>
+                                      </p:to>
+                                    </p:set>
+                                    <p:animEffect transition="in" filter="fade">
+                                      <p:cBhvr>
+                                        <p:cTn id="7" dur="1000"/>
+                                        <p:tgtEl>
+                                          <p:spTgt spid="3">
+                                            <p:txEl>
+                                              <p:pRg st="0" end="0"/>
+                                            </p:txEl>
+                                          </p:spTgt>
+                                        </p:tgtEl>
+                                      </p:cBhvr>
+                                    </p:animEffect>
+                                    <p:anim calcmode="lin" valueType="num">
+                                      <p:cBhvr>
+                                        <p:cTn id="8" dur="1000" fill="hold"/>
+                                        <p:tgtEl>
+                                          <p:spTgt spid="3">
+                                            <p:txEl>
+                                              <p:pRg st="0" end="0"/>
+                                            </p:txEl>
+                                          </p:spTgt>
+                                        </p:tgtEl>
+                                        <p:attrNameLst>
+                                          <p:attrName>ppt_x</p:attrName>
+                                        </p:attrNameLst>
+                                      </p:cBhvr>
+                                      <p:tavLst>
+                                        <p:tav tm="0">
+                                          <p:val>
+                                            <p:strVal val="#ppt_x"/>
+                                          </p:val>
+                                        </p:tav>
+                                        <p:tav tm="100000">
+                                          <p:val>
+                                            <p:strVal val="#ppt_x"/>
+                                          </p:val>
+                                        </p:tav>
+                                      </p:tavLst>
+                                    </p:anim>
+                                    <p:anim calcmode="lin" valueType="num">
+                                      <p:cBhvr>
+                                        <p:cTn id="9" dur="1000" fill="hold"/>
+                                        <p:tgtEl>
+                                          <p:spTgt spid="3">
+                                            <p:txEl>
+                                              <p:pRg st="0" end="0"/>
+                                            </p:txEl>
+                                          </p:spTgt>
+                                        </p:tgtEl>
+                                        <p:attrNameLst>
+                                          <p:attrName>ppt_y</p:attrName>
+                                        </p:attrNameLst>
+                                      </p:cBhvr>
+                                      <p:tavLst>
+                                        <p:tav tm="0">
+                                          <p:val>
+                                            <p:strVal val="#ppt_y+.1"/>
+                                          </p:val>
+                                        </p:tav>
+                                        <p:tav tm="100000">
+                                          <p:val>
+                                            <p:strVal val="#ppt_y"/>
+                                          </p:val>
+                                        </p:tav>
+                                      </p:tavLst>
+                                    </p:anim>
+                                  </p:childTnLst>
+                                </p:cTn>
+                              </p:par>
+                            </p:childTnLst>
+                          </p:cTn>
+                        </p:par>
+                      </p:childTnLst>
+                    </p:cTn>
+                  </p:par>
+                </p:childTnLst>
+              </p:cTn>
+              <p:prevCondLst>
+                <p:cond evt="onPrev" delay="0">
+                  <p:tgtEl>
+                    <p:sldTgt/>
+                  </p:tgtEl>
+                </p:cond>
+              </p:prevCondLst>
+              <p:nextCondLst>
+                <p:cond evt="onNext" delay="0">
+                  <p:tgtEl>
+                    <p:sldTgt/>
+                  </p:tgtEl>
+                </p:cond>
+              </p:nextCondLst>
+            </p:seq>
+          </p:childTnLst>
+        </p:cTn>
+      </p:par>
+    </p:tnLst>
+    <p:bldLst>
+      <p:bldP spid="3" grpId="0" build="p"/>
+    </p:bldLst>
+  </p:timing>
+</p:sld>
+</file>
+
+<file path=ppt/slides/slide30.xml><?xml version="1.0" encoding="utf-8"?>
 <p:sld xmlns:a="http://schemas.openxmlformats.org/drawingml/2006/main" xmlns:r="http://schemas.openxmlformats.org/officeDocument/2006/relationships" xmlns:p="http://schemas.openxmlformats.org/presentationml/2006/main">
   <p:cSld>
     <p:spTree>
@@ -18600,443 +20038,7 @@
 </p:sld>
 </file>
 
-<file path=ppt/slides/slide3.xml><?xml version="1.0" encoding="utf-8"?>
-<p:sld xmlns:a="http://schemas.openxmlformats.org/drawingml/2006/main" xmlns:r="http://schemas.openxmlformats.org/officeDocument/2006/relationships" xmlns:p="http://schemas.openxmlformats.org/presentationml/2006/main">
-  <p:cSld>
-    <p:spTree>
-      <p:nvGrpSpPr>
-        <p:cNvPr id="1" name=""/>
-        <p:cNvGrpSpPr/>
-        <p:nvPr/>
-      </p:nvGrpSpPr>
-      <p:grpSpPr>
-        <a:xfrm>
-          <a:off x="0" y="0"/>
-          <a:ext cx="0" cy="0"/>
-          <a:chOff x="0" y="0"/>
-          <a:chExt cx="0" cy="0"/>
-        </a:xfrm>
-      </p:grpSpPr>
-      <p:sp>
-        <p:nvSpPr>
-          <p:cNvPr id="2" name="文本占位符 1">
-            <a:extLst>
-              <a:ext uri="{FF2B5EF4-FFF2-40B4-BE49-F238E27FC236}">
-                <a16:creationId xmlns:a16="http://schemas.microsoft.com/office/drawing/2014/main" id="{53C30AF7-48F8-4092-80DF-09C587B12521}"/>
-              </a:ext>
-            </a:extLst>
-          </p:cNvPr>
-          <p:cNvSpPr>
-            <a:spLocks noGrp="1"/>
-          </p:cNvSpPr>
-          <p:nvPr>
-            <p:ph type="body" sz="quarter" idx="10"/>
-          </p:nvPr>
-        </p:nvSpPr>
-        <p:spPr>
-          <a:xfrm>
-            <a:off x="0" y="678490"/>
-            <a:ext cx="6858000" cy="369332"/>
-          </a:xfrm>
-        </p:spPr>
-        <p:txBody>
-          <a:bodyPr/>
-          <a:lstStyle/>
-          <a:p>
-            <a:r>
-              <a:rPr lang="zh-CN" altLang="en-US" dirty="0"/>
-              <a:t>总体说明</a:t>
-            </a:r>
-          </a:p>
-        </p:txBody>
-      </p:sp>
-      <p:sp>
-        <p:nvSpPr>
-          <p:cNvPr id="3" name="内容占位符 2">
-            <a:extLst>
-              <a:ext uri="{FF2B5EF4-FFF2-40B4-BE49-F238E27FC236}">
-                <a16:creationId xmlns:a16="http://schemas.microsoft.com/office/drawing/2014/main" id="{816478B3-A188-4D53-8EEF-A0BAF0611FC2}"/>
-              </a:ext>
-            </a:extLst>
-          </p:cNvPr>
-          <p:cNvSpPr>
-            <a:spLocks noGrp="1"/>
-          </p:cNvSpPr>
-          <p:nvPr>
-            <p:ph sz="quarter" idx="11"/>
-          </p:nvPr>
-        </p:nvSpPr>
-        <p:spPr>
-          <a:xfrm>
-            <a:off x="0" y="1047822"/>
-            <a:ext cx="6858000" cy="3124793"/>
-          </a:xfrm>
-        </p:spPr>
-        <p:txBody>
-          <a:bodyPr/>
-          <a:lstStyle/>
-          <a:p>
-            <a:r>
-              <a:rPr lang="zh-CN" altLang="en-US" sz="2400" dirty="0"/>
-              <a:t>       </a:t>
-            </a:r>
-            <a:r>
-              <a:rPr lang="zh-CN" altLang="en-US" sz="2400" dirty="0">
-                <a:solidFill>
-                  <a:srgbClr val="0000FF"/>
-                </a:solidFill>
-              </a:rPr>
-              <a:t>空间</a:t>
-            </a:r>
-            <a:r>
-              <a:rPr lang="zh-CN" altLang="en-US" sz="2400" dirty="0"/>
-              <a:t>是贯穿</a:t>
-            </a:r>
-            <a:r>
-              <a:rPr lang="zh-CN" altLang="en-US" sz="2400" b="1" dirty="0"/>
-              <a:t>线性代数</a:t>
-            </a:r>
-            <a:r>
-              <a:rPr lang="zh-CN" altLang="en-US" sz="2400" dirty="0"/>
-              <a:t>整个领域的</a:t>
-            </a:r>
-            <a:r>
-              <a:rPr lang="zh-CN" altLang="en-US" sz="2400" dirty="0">
-                <a:solidFill>
-                  <a:srgbClr val="FF0000"/>
-                </a:solidFill>
-              </a:rPr>
-              <a:t>主干</a:t>
-            </a:r>
-            <a:r>
-              <a:rPr lang="zh-CN" altLang="en-US" sz="2400" dirty="0"/>
-              <a:t>和</a:t>
-            </a:r>
-            <a:r>
-              <a:rPr lang="zh-CN" altLang="en-US" sz="2400" dirty="0">
-                <a:solidFill>
-                  <a:srgbClr val="FF0000"/>
-                </a:solidFill>
-              </a:rPr>
-              <a:t>核心</a:t>
-            </a:r>
-            <a:r>
-              <a:rPr lang="zh-CN" altLang="en-US" sz="2400" dirty="0"/>
-              <a:t>概念，我们所有的</a:t>
-            </a:r>
-            <a:r>
-              <a:rPr lang="zh-CN" altLang="en-US" sz="2400" dirty="0">
-                <a:solidFill>
-                  <a:schemeClr val="accent6">
-                    <a:lumMod val="75000"/>
-                  </a:schemeClr>
-                </a:solidFill>
-              </a:rPr>
-              <a:t>概念</a:t>
-            </a:r>
-            <a:r>
-              <a:rPr lang="zh-CN" altLang="en-US" sz="2400" dirty="0"/>
-              <a:t>和</a:t>
-            </a:r>
-            <a:r>
-              <a:rPr lang="zh-CN" altLang="en-US" sz="2400" dirty="0">
-                <a:solidFill>
-                  <a:schemeClr val="accent6">
-                    <a:lumMod val="75000"/>
-                  </a:schemeClr>
-                </a:solidFill>
-              </a:rPr>
-              <a:t>应用</a:t>
-            </a:r>
-            <a:r>
-              <a:rPr lang="zh-CN" altLang="en-US" sz="2400" dirty="0"/>
-              <a:t>都会构架在</a:t>
-            </a:r>
-            <a:r>
-              <a:rPr lang="zh-CN" altLang="en-US" sz="2400" dirty="0">
-                <a:solidFill>
-                  <a:srgbClr val="0000FF"/>
-                </a:solidFill>
-              </a:rPr>
-              <a:t>空间</a:t>
-            </a:r>
-            <a:r>
-              <a:rPr lang="zh-CN" altLang="en-US" sz="2400" dirty="0"/>
-              <a:t>这个逻辑实体上。而</a:t>
-            </a:r>
-            <a:r>
-              <a:rPr lang="zh-CN" altLang="en-US" sz="2400" dirty="0">
-                <a:solidFill>
-                  <a:srgbClr val="0000FF"/>
-                </a:solidFill>
-              </a:rPr>
-              <a:t>向量</a:t>
-            </a:r>
-            <a:r>
-              <a:rPr lang="zh-CN" altLang="en-US" sz="2400" dirty="0"/>
-              <a:t>和</a:t>
-            </a:r>
-            <a:r>
-              <a:rPr lang="zh-CN" altLang="en-US" sz="2400" dirty="0">
-                <a:solidFill>
-                  <a:srgbClr val="0000FF"/>
-                </a:solidFill>
-              </a:rPr>
-              <a:t>矩阵</a:t>
-            </a:r>
-            <a:r>
-              <a:rPr lang="zh-CN" altLang="en-US" sz="2400" dirty="0"/>
-              <a:t>就是我们用来填充这个实体的工具，包括运算、映射、降维、投影、近似求解、特征提取等，都将建立在基于</a:t>
-            </a:r>
-            <a:r>
-              <a:rPr lang="zh-CN" altLang="en-US" sz="2400" dirty="0">
-                <a:solidFill>
-                  <a:schemeClr val="accent6">
-                    <a:lumMod val="75000"/>
-                  </a:schemeClr>
-                </a:solidFill>
-              </a:rPr>
-              <a:t>矩阵</a:t>
-            </a:r>
-            <a:r>
-              <a:rPr lang="zh-CN" altLang="en-US" sz="2400" dirty="0"/>
-              <a:t>和</a:t>
-            </a:r>
-            <a:r>
-              <a:rPr lang="zh-CN" altLang="en-US" sz="2400" dirty="0">
-                <a:solidFill>
-                  <a:schemeClr val="accent6">
-                    <a:lumMod val="75000"/>
-                  </a:schemeClr>
-                </a:solidFill>
-              </a:rPr>
-              <a:t>向量</a:t>
-            </a:r>
-            <a:r>
-              <a:rPr lang="zh-CN" altLang="en-US" sz="2400" dirty="0"/>
-              <a:t>的</a:t>
-            </a:r>
-            <a:r>
-              <a:rPr lang="zh-CN" altLang="en-US" sz="2400" dirty="0">
-                <a:solidFill>
-                  <a:srgbClr val="0000FF"/>
-                </a:solidFill>
-              </a:rPr>
-              <a:t>空间</a:t>
-            </a:r>
-            <a:r>
-              <a:rPr lang="zh-CN" altLang="en-US" sz="2400" dirty="0"/>
-              <a:t>中实现。</a:t>
-            </a:r>
-          </a:p>
-        </p:txBody>
-      </p:sp>
-      <p:sp>
-        <p:nvSpPr>
-          <p:cNvPr id="4" name="标题 3">
-            <a:extLst>
-              <a:ext uri="{FF2B5EF4-FFF2-40B4-BE49-F238E27FC236}">
-                <a16:creationId xmlns:a16="http://schemas.microsoft.com/office/drawing/2014/main" id="{23A922BA-DCA0-4C82-B1D3-D1FE7DBDA170}"/>
-              </a:ext>
-            </a:extLst>
-          </p:cNvPr>
-          <p:cNvSpPr>
-            <a:spLocks noGrp="1"/>
-          </p:cNvSpPr>
-          <p:nvPr>
-            <p:ph type="title"/>
-          </p:nvPr>
-        </p:nvSpPr>
-        <p:spPr>
-          <a:xfrm>
-            <a:off x="0" y="161755"/>
-            <a:ext cx="6858000" cy="369332"/>
-          </a:xfrm>
-        </p:spPr>
-        <p:txBody>
-          <a:bodyPr/>
-          <a:lstStyle/>
-          <a:p>
-            <a:r>
-              <a:rPr lang="zh-CN" altLang="en-US" dirty="0"/>
-              <a:t>第</a:t>
-            </a:r>
-            <a:r>
-              <a:rPr lang="en-US" altLang="zh-CN" dirty="0"/>
-              <a:t>2</a:t>
-            </a:r>
-            <a:r>
-              <a:rPr lang="zh-CN" altLang="en-US" dirty="0"/>
-              <a:t>讲 描述空间的工具：向量</a:t>
-            </a:r>
-          </a:p>
-        </p:txBody>
-      </p:sp>
-    </p:spTree>
-    <p:extLst>
-      <p:ext uri="{BB962C8B-B14F-4D97-AF65-F5344CB8AC3E}">
-        <p14:creationId xmlns:p14="http://schemas.microsoft.com/office/powerpoint/2010/main" val="1045179212"/>
-      </p:ext>
-    </p:extLst>
-  </p:cSld>
-  <p:clrMapOvr>
-    <a:masterClrMapping/>
-  </p:clrMapOvr>
-  <p:timing>
-    <p:tnLst>
-      <p:par>
-        <p:cTn id="1" dur="indefinite" restart="never" nodeType="tmRoot">
-          <p:childTnLst>
-            <p:seq concurrent="1" nextAc="seek">
-              <p:cTn id="2" dur="indefinite" nodeType="mainSeq">
-                <p:childTnLst>
-                  <p:par>
-                    <p:cTn id="3" fill="hold">
-                      <p:stCondLst>
-                        <p:cond delay="indefinite"/>
-                        <p:cond evt="onBegin" delay="0">
-                          <p:tn val="2"/>
-                        </p:cond>
-                      </p:stCondLst>
-                      <p:childTnLst>
-                        <p:par>
-                          <p:cTn id="4" fill="hold">
-                            <p:stCondLst>
-                              <p:cond delay="0"/>
-                            </p:stCondLst>
-                            <p:childTnLst>
-                              <p:par>
-                                <p:cTn id="5" presetID="42" presetClass="entr" presetSubtype="0" fill="hold" grpId="0" nodeType="afterEffect">
-                                  <p:stCondLst>
-                                    <p:cond delay="0"/>
-                                  </p:stCondLst>
-                                  <p:childTnLst>
-                                    <p:set>
-                                      <p:cBhvr>
-                                        <p:cTn id="6" dur="1" fill="hold">
-                                          <p:stCondLst>
-                                            <p:cond delay="0"/>
-                                          </p:stCondLst>
-                                        </p:cTn>
-                                        <p:tgtEl>
-                                          <p:spTgt spid="3">
-                                            <p:txEl>
-                                              <p:pRg st="0" end="0"/>
-                                            </p:txEl>
-                                          </p:spTgt>
-                                        </p:tgtEl>
-                                        <p:attrNameLst>
-                                          <p:attrName>style.visibility</p:attrName>
-                                        </p:attrNameLst>
-                                      </p:cBhvr>
-                                      <p:to>
-                                        <p:strVal val="visible"/>
-                                      </p:to>
-                                    </p:set>
-                                    <p:animEffect transition="in" filter="fade">
-                                      <p:cBhvr>
-                                        <p:cTn id="7" dur="1000"/>
-                                        <p:tgtEl>
-                                          <p:spTgt spid="3">
-                                            <p:txEl>
-                                              <p:pRg st="0" end="0"/>
-                                            </p:txEl>
-                                          </p:spTgt>
-                                        </p:tgtEl>
-                                      </p:cBhvr>
-                                    </p:animEffect>
-                                    <p:anim calcmode="lin" valueType="num">
-                                      <p:cBhvr>
-                                        <p:cTn id="8" dur="1000" fill="hold"/>
-                                        <p:tgtEl>
-                                          <p:spTgt spid="3">
-                                            <p:txEl>
-                                              <p:pRg st="0" end="0"/>
-                                            </p:txEl>
-                                          </p:spTgt>
-                                        </p:tgtEl>
-                                        <p:attrNameLst>
-                                          <p:attrName>ppt_x</p:attrName>
-                                        </p:attrNameLst>
-                                      </p:cBhvr>
-                                      <p:tavLst>
-                                        <p:tav tm="0">
-                                          <p:val>
-                                            <p:strVal val="#ppt_x"/>
-                                          </p:val>
-                                        </p:tav>
-                                        <p:tav tm="100000">
-                                          <p:val>
-                                            <p:strVal val="#ppt_x"/>
-                                          </p:val>
-                                        </p:tav>
-                                      </p:tavLst>
-                                    </p:anim>
-                                    <p:anim calcmode="lin" valueType="num">
-                                      <p:cBhvr>
-                                        <p:cTn id="9" dur="1000" fill="hold"/>
-                                        <p:tgtEl>
-                                          <p:spTgt spid="3">
-                                            <p:txEl>
-                                              <p:pRg st="0" end="0"/>
-                                            </p:txEl>
-                                          </p:spTgt>
-                                        </p:tgtEl>
-                                        <p:attrNameLst>
-                                          <p:attrName>ppt_y</p:attrName>
-                                        </p:attrNameLst>
-                                      </p:cBhvr>
-                                      <p:tavLst>
-                                        <p:tav tm="0">
-                                          <p:val>
-                                            <p:strVal val="#ppt_y+.1"/>
-                                          </p:val>
-                                        </p:tav>
-                                        <p:tav tm="100000">
-                                          <p:val>
-                                            <p:strVal val="#ppt_y"/>
-                                          </p:val>
-                                        </p:tav>
-                                      </p:tavLst>
-                                    </p:anim>
-                                  </p:childTnLst>
-                                </p:cTn>
-                              </p:par>
-                            </p:childTnLst>
-                          </p:cTn>
-                        </p:par>
-                      </p:childTnLst>
-                    </p:cTn>
-                  </p:par>
-                </p:childTnLst>
-              </p:cTn>
-              <p:prevCondLst>
-                <p:cond evt="onPrev" delay="0">
-                  <p:tgtEl>
-                    <p:sldTgt/>
-                  </p:tgtEl>
-                </p:cond>
-              </p:prevCondLst>
-              <p:nextCondLst>
-                <p:cond evt="onNext" delay="0">
-                  <p:tgtEl>
-                    <p:sldTgt/>
-                  </p:tgtEl>
-                </p:cond>
-              </p:nextCondLst>
-            </p:seq>
-          </p:childTnLst>
-        </p:cTn>
-      </p:par>
-    </p:tnLst>
-    <p:bldLst>
-      <p:bldP spid="3" grpId="0" build="p"/>
-    </p:bldLst>
-  </p:timing>
-</p:sld>
-</file>
-
-<file path=ppt/slides/slide30.xml><?xml version="1.0" encoding="utf-8"?>
+<file path=ppt/slides/slide31.xml><?xml version="1.0" encoding="utf-8"?>
 <p:sld xmlns:a="http://schemas.openxmlformats.org/drawingml/2006/main" xmlns:r="http://schemas.openxmlformats.org/officeDocument/2006/relationships" xmlns:p="http://schemas.openxmlformats.org/presentationml/2006/main">
   <p:cSld>
     <p:spTree>
@@ -20707,7 +21709,7 @@
 </p:sld>
 </file>
 
-<file path=ppt/slides/slide31.xml><?xml version="1.0" encoding="utf-8"?>
+<file path=ppt/slides/slide32.xml><?xml version="1.0" encoding="utf-8"?>
 <p:sld xmlns:a="http://schemas.openxmlformats.org/drawingml/2006/main" xmlns:r="http://schemas.openxmlformats.org/officeDocument/2006/relationships" xmlns:p="http://schemas.openxmlformats.org/presentationml/2006/main">
   <p:cSld>
     <p:spTree>
@@ -21617,7 +22619,7 @@
 </p:sld>
 </file>
 
-<file path=ppt/slides/slide32.xml><?xml version="1.0" encoding="utf-8"?>
+<file path=ppt/slides/slide33.xml><?xml version="1.0" encoding="utf-8"?>
 <p:sld xmlns:a="http://schemas.openxmlformats.org/drawingml/2006/main" xmlns:r="http://schemas.openxmlformats.org/officeDocument/2006/relationships" xmlns:p="http://schemas.openxmlformats.org/presentationml/2006/main">
   <p:cSld>
     <p:spTree>
@@ -22398,7 +23400,7 @@
 </p:sld>
 </file>
 
-<file path=ppt/slides/slide33.xml><?xml version="1.0" encoding="utf-8"?>
+<file path=ppt/slides/slide34.xml><?xml version="1.0" encoding="utf-8"?>
 <p:sld xmlns:a="http://schemas.openxmlformats.org/drawingml/2006/main" xmlns:r="http://schemas.openxmlformats.org/officeDocument/2006/relationships" xmlns:p="http://schemas.openxmlformats.org/presentationml/2006/main">
   <p:cSld>
     <p:spTree>
@@ -23087,7 +24089,7 @@
 </p:sld>
 </file>
 
-<file path=ppt/slides/slide34.xml><?xml version="1.0" encoding="utf-8"?>
+<file path=ppt/slides/slide35.xml><?xml version="1.0" encoding="utf-8"?>
 <p:sld xmlns:a="http://schemas.openxmlformats.org/drawingml/2006/main" xmlns:r="http://schemas.openxmlformats.org/officeDocument/2006/relationships" xmlns:p="http://schemas.openxmlformats.org/presentationml/2006/main">
   <p:cSld>
     <p:spTree>
@@ -23724,7 +24726,7 @@
 </p:sld>
 </file>
 
-<file path=ppt/slides/slide35.xml><?xml version="1.0" encoding="utf-8"?>
+<file path=ppt/slides/slide36.xml><?xml version="1.0" encoding="utf-8"?>
 <p:sld xmlns:a="http://schemas.openxmlformats.org/drawingml/2006/main" xmlns:r="http://schemas.openxmlformats.org/officeDocument/2006/relationships" xmlns:p="http://schemas.openxmlformats.org/presentationml/2006/main">
   <p:cSld>
     <p:spTree>
@@ -24759,7 +25761,7 @@
 </p:sld>
 </file>
 
-<file path=ppt/slides/slide36.xml><?xml version="1.0" encoding="utf-8"?>
+<file path=ppt/slides/slide37.xml><?xml version="1.0" encoding="utf-8"?>
 <p:sld xmlns:a="http://schemas.openxmlformats.org/drawingml/2006/main" xmlns:r="http://schemas.openxmlformats.org/officeDocument/2006/relationships" xmlns:p="http://schemas.openxmlformats.org/presentationml/2006/main">
   <p:cSld>
     <p:spTree>
@@ -26471,7 +27473,7 @@
 </p:sld>
 </file>
 
-<file path=ppt/slides/slide37.xml><?xml version="1.0" encoding="utf-8"?>
+<file path=ppt/slides/slide38.xml><?xml version="1.0" encoding="utf-8"?>
 <p:sld xmlns:a="http://schemas.openxmlformats.org/drawingml/2006/main" xmlns:r="http://schemas.openxmlformats.org/officeDocument/2006/relationships" xmlns:p="http://schemas.openxmlformats.org/presentationml/2006/main">
   <p:cSld>
     <p:spTree>
@@ -27587,7 +28589,7 @@
 </p:sld>
 </file>
 
-<file path=ppt/slides/slide38.xml><?xml version="1.0" encoding="utf-8"?>
+<file path=ppt/slides/slide39.xml><?xml version="1.0" encoding="utf-8"?>
 <p:sld xmlns:a="http://schemas.openxmlformats.org/drawingml/2006/main" xmlns:r="http://schemas.openxmlformats.org/officeDocument/2006/relationships" xmlns:p="http://schemas.openxmlformats.org/presentationml/2006/main">
   <p:cSld>
     <p:spTree>
@@ -29154,7 +30156,65 @@
 </p:sld>
 </file>
 
-<file path=ppt/slides/slide39.xml><?xml version="1.0" encoding="utf-8"?>
+<file path=ppt/slides/slide4.xml><?xml version="1.0" encoding="utf-8"?>
+<p:sld xmlns:a="http://schemas.openxmlformats.org/drawingml/2006/main" xmlns:r="http://schemas.openxmlformats.org/officeDocument/2006/relationships" xmlns:p="http://schemas.openxmlformats.org/presentationml/2006/main">
+  <p:cSld>
+    <p:spTree>
+      <p:nvGrpSpPr>
+        <p:cNvPr id="1" name=""/>
+        <p:cNvGrpSpPr/>
+        <p:nvPr/>
+      </p:nvGrpSpPr>
+      <p:grpSpPr>
+        <a:xfrm>
+          <a:off x="0" y="0"/>
+          <a:ext cx="0" cy="0"/>
+          <a:chOff x="0" y="0"/>
+          <a:chExt cx="0" cy="0"/>
+        </a:xfrm>
+      </p:grpSpPr>
+      <p:sp>
+        <p:nvSpPr>
+          <p:cNvPr id="2" name="内容占位符 1">
+            <a:extLst>
+              <a:ext uri="{FF2B5EF4-FFF2-40B4-BE49-F238E27FC236}">
+                <a16:creationId xmlns:a16="http://schemas.microsoft.com/office/drawing/2014/main" id="{AA78C246-056A-4B00-94E0-D96D5962B3CD}"/>
+              </a:ext>
+            </a:extLst>
+          </p:cNvPr>
+          <p:cNvSpPr>
+            <a:spLocks noGrp="1"/>
+          </p:cNvSpPr>
+          <p:nvPr>
+            <p:ph sz="quarter" idx="10"/>
+          </p:nvPr>
+        </p:nvSpPr>
+        <p:spPr/>
+        <p:txBody>
+          <a:bodyPr/>
+          <a:lstStyle/>
+          <a:p>
+            <a:r>
+              <a:rPr lang="zh-CN" altLang="en-US" dirty="0"/>
+              <a:t>向量的基本知识回顾</a:t>
+            </a:r>
+          </a:p>
+        </p:txBody>
+      </p:sp>
+    </p:spTree>
+    <p:extLst>
+      <p:ext uri="{BB962C8B-B14F-4D97-AF65-F5344CB8AC3E}">
+        <p14:creationId xmlns:p14="http://schemas.microsoft.com/office/powerpoint/2010/main" val="1828779101"/>
+      </p:ext>
+    </p:extLst>
+  </p:cSld>
+  <p:clrMapOvr>
+    <a:masterClrMapping/>
+  </p:clrMapOvr>
+</p:sld>
+</file>
+
+<file path=ppt/slides/slide40.xml><?xml version="1.0" encoding="utf-8"?>
 <p:sld xmlns:a="http://schemas.openxmlformats.org/drawingml/2006/main" xmlns:r="http://schemas.openxmlformats.org/officeDocument/2006/relationships" xmlns:p="http://schemas.openxmlformats.org/presentationml/2006/main">
   <p:cSld>
     <p:spTree>
@@ -30028,65 +31088,7 @@
 </p:sld>
 </file>
 
-<file path=ppt/slides/slide4.xml><?xml version="1.0" encoding="utf-8"?>
-<p:sld xmlns:a="http://schemas.openxmlformats.org/drawingml/2006/main" xmlns:r="http://schemas.openxmlformats.org/officeDocument/2006/relationships" xmlns:p="http://schemas.openxmlformats.org/presentationml/2006/main">
-  <p:cSld>
-    <p:spTree>
-      <p:nvGrpSpPr>
-        <p:cNvPr id="1" name=""/>
-        <p:cNvGrpSpPr/>
-        <p:nvPr/>
-      </p:nvGrpSpPr>
-      <p:grpSpPr>
-        <a:xfrm>
-          <a:off x="0" y="0"/>
-          <a:ext cx="0" cy="0"/>
-          <a:chOff x="0" y="0"/>
-          <a:chExt cx="0" cy="0"/>
-        </a:xfrm>
-      </p:grpSpPr>
-      <p:sp>
-        <p:nvSpPr>
-          <p:cNvPr id="2" name="内容占位符 1">
-            <a:extLst>
-              <a:ext uri="{FF2B5EF4-FFF2-40B4-BE49-F238E27FC236}">
-                <a16:creationId xmlns:a16="http://schemas.microsoft.com/office/drawing/2014/main" id="{AA78C246-056A-4B00-94E0-D96D5962B3CD}"/>
-              </a:ext>
-            </a:extLst>
-          </p:cNvPr>
-          <p:cNvSpPr>
-            <a:spLocks noGrp="1"/>
-          </p:cNvSpPr>
-          <p:nvPr>
-            <p:ph sz="quarter" idx="10"/>
-          </p:nvPr>
-        </p:nvSpPr>
-        <p:spPr/>
-        <p:txBody>
-          <a:bodyPr/>
-          <a:lstStyle/>
-          <a:p>
-            <a:r>
-              <a:rPr lang="zh-CN" altLang="en-US" dirty="0"/>
-              <a:t>向量的基本知识回顾</a:t>
-            </a:r>
-          </a:p>
-        </p:txBody>
-      </p:sp>
-    </p:spTree>
-    <p:extLst>
-      <p:ext uri="{BB962C8B-B14F-4D97-AF65-F5344CB8AC3E}">
-        <p14:creationId xmlns:p14="http://schemas.microsoft.com/office/powerpoint/2010/main" val="1828779101"/>
-      </p:ext>
-    </p:extLst>
-  </p:cSld>
-  <p:clrMapOvr>
-    <a:masterClrMapping/>
-  </p:clrMapOvr>
-</p:sld>
-</file>
-
-<file path=ppt/slides/slide40.xml><?xml version="1.0" encoding="utf-8"?>
+<file path=ppt/slides/slide41.xml><?xml version="1.0" encoding="utf-8"?>
 <p:sld xmlns:a="http://schemas.openxmlformats.org/drawingml/2006/main" xmlns:r="http://schemas.openxmlformats.org/officeDocument/2006/relationships" xmlns:p="http://schemas.openxmlformats.org/presentationml/2006/main">
   <p:cSld>
     <p:spTree>
@@ -31619,7 +32621,7 @@
 </p:sld>
 </file>
 
-<file path=ppt/slides/slide41.xml><?xml version="1.0" encoding="utf-8"?>
+<file path=ppt/slides/slide42.xml><?xml version="1.0" encoding="utf-8"?>
 <p:sld xmlns:a="http://schemas.openxmlformats.org/drawingml/2006/main" xmlns:r="http://schemas.openxmlformats.org/officeDocument/2006/relationships" xmlns:p="http://schemas.openxmlformats.org/presentationml/2006/main">
   <p:cSld>
     <p:spTree>
@@ -32037,7 +33039,7 @@
 </p:sld>
 </file>
 
-<file path=ppt/slides/slide42.xml><?xml version="1.0" encoding="utf-8"?>
+<file path=ppt/slides/slide43.xml><?xml version="1.0" encoding="utf-8"?>
 <p:sld xmlns:a="http://schemas.openxmlformats.org/drawingml/2006/main" xmlns:r="http://schemas.openxmlformats.org/officeDocument/2006/relationships" xmlns:p="http://schemas.openxmlformats.org/presentationml/2006/main">
   <p:cSld>
     <p:spTree>
@@ -32095,7 +33097,7 @@
 </p:sld>
 </file>
 
-<file path=ppt/slides/slide43.xml><?xml version="1.0" encoding="utf-8"?>
+<file path=ppt/slides/slide44.xml><?xml version="1.0" encoding="utf-8"?>
 <p:sld xmlns:a="http://schemas.openxmlformats.org/drawingml/2006/main" xmlns:r="http://schemas.openxmlformats.org/officeDocument/2006/relationships" xmlns:p="http://schemas.openxmlformats.org/presentationml/2006/main">
   <p:cSld>
     <p:spTree>
@@ -33619,7 +34621,7 @@
 </p:sld>
 </file>
 
-<file path=ppt/slides/slide44.xml><?xml version="1.0" encoding="utf-8"?>
+<file path=ppt/slides/slide45.xml><?xml version="1.0" encoding="utf-8"?>
 <p:sld xmlns:a="http://schemas.openxmlformats.org/drawingml/2006/main" xmlns:r="http://schemas.openxmlformats.org/officeDocument/2006/relationships" xmlns:p="http://schemas.openxmlformats.org/presentationml/2006/main">
   <p:cSld>
     <p:spTree>
@@ -35255,7 +36257,7 @@
 </p:sld>
 </file>
 
-<file path=ppt/slides/slide45.xml><?xml version="1.0" encoding="utf-8"?>
+<file path=ppt/slides/slide46.xml><?xml version="1.0" encoding="utf-8"?>
 <p:sld xmlns:a="http://schemas.openxmlformats.org/drawingml/2006/main" xmlns:r="http://schemas.openxmlformats.org/officeDocument/2006/relationships" xmlns:p="http://schemas.openxmlformats.org/presentationml/2006/main">
   <p:cSld>
     <p:spTree>
@@ -35953,7 +36955,7 @@
 </p:sld>
 </file>
 
-<file path=ppt/slides/slide46.xml><?xml version="1.0" encoding="utf-8"?>
+<file path=ppt/slides/slide47.xml><?xml version="1.0" encoding="utf-8"?>
 <p:sld xmlns:a="http://schemas.openxmlformats.org/drawingml/2006/main" xmlns:r="http://schemas.openxmlformats.org/officeDocument/2006/relationships" xmlns:p="http://schemas.openxmlformats.org/presentationml/2006/main">
   <p:cSld>
     <p:spTree>
@@ -37569,6 +38571,174 @@
 </file>
 
 <file path=ppt/slides/slide6.xml><?xml version="1.0" encoding="utf-8"?>
+<p:sld xmlns:a="http://schemas.openxmlformats.org/drawingml/2006/main" xmlns:r="http://schemas.openxmlformats.org/officeDocument/2006/relationships" xmlns:p="http://schemas.openxmlformats.org/presentationml/2006/main">
+  <p:cSld>
+    <p:spTree>
+      <p:nvGrpSpPr>
+        <p:cNvPr id="1" name=""/>
+        <p:cNvGrpSpPr/>
+        <p:nvPr/>
+      </p:nvGrpSpPr>
+      <p:grpSpPr>
+        <a:xfrm>
+          <a:off x="0" y="0"/>
+          <a:ext cx="0" cy="0"/>
+          <a:chOff x="0" y="0"/>
+          <a:chExt cx="0" cy="0"/>
+        </a:xfrm>
+      </p:grpSpPr>
+      <p:sp>
+        <p:nvSpPr>
+          <p:cNvPr id="4" name="文本占位符 3">
+            <a:extLst>
+              <a:ext uri="{FF2B5EF4-FFF2-40B4-BE49-F238E27FC236}">
+                <a16:creationId xmlns:a16="http://schemas.microsoft.com/office/drawing/2014/main" id="{A71837C1-6983-44D1-A0EA-E31C3AAEB348}"/>
+              </a:ext>
+            </a:extLst>
+          </p:cNvPr>
+          <p:cNvSpPr>
+            <a:spLocks noGrp="1"/>
+          </p:cNvSpPr>
+          <p:nvPr>
+            <p:ph type="body" sz="quarter" idx="10"/>
+          </p:nvPr>
+        </p:nvSpPr>
+        <p:spPr/>
+        <p:txBody>
+          <a:bodyPr/>
+          <a:lstStyle/>
+          <a:p>
+            <a:r>
+              <a:rPr lang="zh-CN" altLang="en-US" dirty="0"/>
+              <a:t>向量的定义</a:t>
+            </a:r>
+          </a:p>
+        </p:txBody>
+      </p:sp>
+      <p:sp>
+        <p:nvSpPr>
+          <p:cNvPr id="3" name="标题 2">
+            <a:extLst>
+              <a:ext uri="{FF2B5EF4-FFF2-40B4-BE49-F238E27FC236}">
+                <a16:creationId xmlns:a16="http://schemas.microsoft.com/office/drawing/2014/main" id="{B3CE6390-350E-4D60-A2A3-45A121506B53}"/>
+              </a:ext>
+            </a:extLst>
+          </p:cNvPr>
+          <p:cNvSpPr>
+            <a:spLocks noGrp="1"/>
+          </p:cNvSpPr>
+          <p:nvPr>
+            <p:ph type="title"/>
+          </p:nvPr>
+        </p:nvSpPr>
+        <p:spPr>
+          <a:xfrm>
+            <a:off x="0" y="161755"/>
+            <a:ext cx="6858000" cy="369332"/>
+          </a:xfrm>
+        </p:spPr>
+        <p:txBody>
+          <a:bodyPr/>
+          <a:lstStyle/>
+          <a:p>
+            <a:r>
+              <a:rPr lang="zh-CN" altLang="en-US" dirty="0"/>
+              <a:t>向量的基本知识回顾</a:t>
+            </a:r>
+          </a:p>
+        </p:txBody>
+      </p:sp>
+      <p:pic>
+        <p:nvPicPr>
+          <p:cNvPr id="2" name="图片 1">
+            <a:extLst>
+              <a:ext uri="{FF2B5EF4-FFF2-40B4-BE49-F238E27FC236}">
+                <a16:creationId xmlns:a16="http://schemas.microsoft.com/office/drawing/2014/main" id="{708AF8AF-3695-4AAA-8D46-947A6573390B}"/>
+              </a:ext>
+            </a:extLst>
+          </p:cNvPr>
+          <p:cNvPicPr>
+            <a:picLocks noChangeAspect="1"/>
+          </p:cNvPicPr>
+          <p:nvPr/>
+        </p:nvPicPr>
+        <p:blipFill>
+          <a:blip r:embed="rId2"/>
+          <a:stretch>
+            <a:fillRect/>
+          </a:stretch>
+        </p:blipFill>
+        <p:spPr>
+          <a:xfrm>
+            <a:off x="5257800" y="3714750"/>
+            <a:ext cx="164606" cy="219475"/>
+          </a:xfrm>
+          <a:prstGeom prst="rect">
+            <a:avLst/>
+          </a:prstGeom>
+        </p:spPr>
+      </p:pic>
+      <p:pic>
+        <p:nvPicPr>
+          <p:cNvPr id="1026" name="Picture 2">
+            <a:extLst>
+              <a:ext uri="{FF2B5EF4-FFF2-40B4-BE49-F238E27FC236}">
+                <a16:creationId xmlns:a16="http://schemas.microsoft.com/office/drawing/2014/main" id="{F1CF449A-AC5E-48FA-AE8A-CE753D5C77A1}"/>
+              </a:ext>
+            </a:extLst>
+          </p:cNvPr>
+          <p:cNvPicPr>
+            <a:picLocks noChangeAspect="1" noChangeArrowheads="1"/>
+          </p:cNvPicPr>
+          <p:nvPr/>
+        </p:nvPicPr>
+        <p:blipFill>
+          <a:blip r:embed="rId3">
+            <a:extLst>
+              <a:ext uri="{28A0092B-C50C-407E-A947-70E740481C1C}">
+                <a14:useLocalDpi xmlns:a14="http://schemas.microsoft.com/office/drawing/2010/main" val="0"/>
+              </a:ext>
+            </a:extLst>
+          </a:blip>
+          <a:srcRect/>
+          <a:stretch>
+            <a:fillRect/>
+          </a:stretch>
+        </p:blipFill>
+        <p:spPr bwMode="auto">
+          <a:xfrm>
+            <a:off x="0" y="1123950"/>
+            <a:ext cx="6858000" cy="3514725"/>
+          </a:xfrm>
+          <a:prstGeom prst="rect">
+            <a:avLst/>
+          </a:prstGeom>
+          <a:noFill/>
+          <a:extLst>
+            <a:ext uri="{909E8E84-426E-40DD-AFC4-6F175D3DCCD1}">
+              <a14:hiddenFill xmlns:a14="http://schemas.microsoft.com/office/drawing/2010/main">
+                <a:solidFill>
+                  <a:srgbClr val="FFFFFF"/>
+                </a:solidFill>
+              </a14:hiddenFill>
+            </a:ext>
+          </a:extLst>
+        </p:spPr>
+      </p:pic>
+    </p:spTree>
+    <p:extLst>
+      <p:ext uri="{BB962C8B-B14F-4D97-AF65-F5344CB8AC3E}">
+        <p14:creationId xmlns:p14="http://schemas.microsoft.com/office/powerpoint/2010/main" val="2240649829"/>
+      </p:ext>
+    </p:extLst>
+  </p:cSld>
+  <p:clrMapOvr>
+    <a:masterClrMapping/>
+  </p:clrMapOvr>
+</p:sld>
+</file>
+
+<file path=ppt/slides/slide7.xml><?xml version="1.0" encoding="utf-8"?>
 <p:sld xmlns:a="http://schemas.openxmlformats.org/drawingml/2006/main" xmlns:r="http://schemas.openxmlformats.org/officeDocument/2006/relationships" xmlns:p="http://schemas.openxmlformats.org/presentationml/2006/main">
   <p:cSld>
     <p:spTree>
@@ -38736,7 +39906,7 @@
 </p:sld>
 </file>
 
-<file path=ppt/slides/slide7.xml><?xml version="1.0" encoding="utf-8"?>
+<file path=ppt/slides/slide8.xml><?xml version="1.0" encoding="utf-8"?>
 <p:sld xmlns:a="http://schemas.openxmlformats.org/drawingml/2006/main" xmlns:r="http://schemas.openxmlformats.org/officeDocument/2006/relationships" xmlns:p="http://schemas.openxmlformats.org/presentationml/2006/main">
   <p:cSld>
     <p:spTree>
@@ -40206,7 +41376,7 @@
 </p:sld>
 </file>
 
-<file path=ppt/slides/slide8.xml><?xml version="1.0" encoding="utf-8"?>
+<file path=ppt/slides/slide9.xml><?xml version="1.0" encoding="utf-8"?>
 <p:sld xmlns:a="http://schemas.openxmlformats.org/drawingml/2006/main" xmlns:r="http://schemas.openxmlformats.org/officeDocument/2006/relationships" xmlns:p="http://schemas.openxmlformats.org/presentationml/2006/main">
   <p:cSld>
     <p:spTree>
@@ -40261,1007 +41431,6 @@
   <p:clrMapOvr>
     <a:masterClrMapping/>
   </p:clrMapOvr>
-</p:sld>
-</file>
-
-<file path=ppt/slides/slide9.xml><?xml version="1.0" encoding="utf-8"?>
-<p:sld xmlns:a="http://schemas.openxmlformats.org/drawingml/2006/main" xmlns:r="http://schemas.openxmlformats.org/officeDocument/2006/relationships" xmlns:p="http://schemas.openxmlformats.org/presentationml/2006/main">
-  <p:cSld>
-    <p:spTree>
-      <p:nvGrpSpPr>
-        <p:cNvPr id="1" name=""/>
-        <p:cNvGrpSpPr/>
-        <p:nvPr/>
-      </p:nvGrpSpPr>
-      <p:grpSpPr>
-        <a:xfrm>
-          <a:off x="0" y="0"/>
-          <a:ext cx="0" cy="0"/>
-          <a:chOff x="0" y="0"/>
-          <a:chExt cx="0" cy="0"/>
-        </a:xfrm>
-      </p:grpSpPr>
-      <p:sp>
-        <p:nvSpPr>
-          <p:cNvPr id="4" name="文本占位符 3">
-            <a:extLst>
-              <a:ext uri="{FF2B5EF4-FFF2-40B4-BE49-F238E27FC236}">
-                <a16:creationId xmlns:a16="http://schemas.microsoft.com/office/drawing/2014/main" id="{7CFA2C62-05FA-4EF8-8E6D-26C78A20356A}"/>
-              </a:ext>
-            </a:extLst>
-          </p:cNvPr>
-          <p:cNvSpPr>
-            <a:spLocks noGrp="1"/>
-          </p:cNvSpPr>
-          <p:nvPr>
-            <p:ph type="body" sz="quarter" idx="10"/>
-          </p:nvPr>
-        </p:nvSpPr>
-        <p:spPr/>
-        <p:txBody>
-          <a:bodyPr/>
-          <a:lstStyle/>
-          <a:p>
-            <a:r>
-              <a:rPr lang="zh-CN" altLang="en-US" dirty="0"/>
-              <a:t>计算机领域主要使用列向量 </a:t>
-            </a:r>
-          </a:p>
-        </p:txBody>
-      </p:sp>
-      <mc:AlternateContent xmlns:mc="http://schemas.openxmlformats.org/markup-compatibility/2006" xmlns:a14="http://schemas.microsoft.com/office/drawing/2010/main">
-        <mc:Choice Requires="a14">
-          <p:sp>
-            <p:nvSpPr>
-              <p:cNvPr id="5" name="内容占位符 4">
-                <a:extLst>
-                  <a:ext uri="{FF2B5EF4-FFF2-40B4-BE49-F238E27FC236}">
-                    <a16:creationId xmlns:a16="http://schemas.microsoft.com/office/drawing/2014/main" id="{5CCA4662-DF9A-4A27-9148-F9B69A7884DE}"/>
-                  </a:ext>
-                </a:extLst>
-              </p:cNvPr>
-              <p:cNvSpPr>
-                <a:spLocks noGrp="1"/>
-              </p:cNvSpPr>
-              <p:nvPr>
-                <p:ph sz="quarter" idx="11"/>
-              </p:nvPr>
-            </p:nvSpPr>
-            <p:spPr>
-              <a:xfrm>
-                <a:off x="0" y="1047822"/>
-                <a:ext cx="6858000" cy="3689563"/>
-              </a:xfrm>
-            </p:spPr>
-            <p:txBody>
-              <a:bodyPr/>
-              <a:lstStyle/>
-              <a:p>
-                <a:r>
-                  <a:rPr lang="zh-CN" altLang="en-US" dirty="0"/>
-                  <a:t>       根据数字的排列方式，向量可以被分为</a:t>
-                </a:r>
-                <a:r>
-                  <a:rPr lang="zh-CN" altLang="en-US" dirty="0">
-                    <a:solidFill>
-                      <a:srgbClr val="0000FF"/>
-                    </a:solidFill>
-                  </a:rPr>
-                  <a:t>行向量</a:t>
-                </a:r>
-                <a:r>
-                  <a:rPr lang="zh-CN" altLang="en-US" dirty="0"/>
-                  <a:t>和</a:t>
-                </a:r>
-                <a:r>
-                  <a:rPr lang="zh-CN" altLang="en-US" dirty="0">
-                    <a:solidFill>
-                      <a:srgbClr val="0000FF"/>
-                    </a:solidFill>
-                  </a:rPr>
-                  <a:t>列向量</a:t>
-                </a:r>
-                <a:r>
-                  <a:rPr lang="zh-CN" altLang="en-US" dirty="0"/>
-                  <a:t>。在计算机领域中，我们常使用</a:t>
-                </a:r>
-                <a:r>
-                  <a:rPr lang="zh-CN" altLang="en-US" b="1" dirty="0">
-                    <a:solidFill>
-                      <a:srgbClr val="FF0000"/>
-                    </a:solidFill>
-                  </a:rPr>
-                  <a:t>列向量</a:t>
-                </a:r>
-                <a:r>
-                  <a:rPr lang="zh-CN" altLang="en-US" dirty="0"/>
-                  <a:t>来</a:t>
-                </a:r>
-                <a:r>
-                  <a:rPr lang="zh-CN" altLang="en-US" dirty="0">
-                    <a:solidFill>
-                      <a:schemeClr val="accent6">
-                        <a:lumMod val="75000"/>
-                      </a:schemeClr>
-                    </a:solidFill>
-                  </a:rPr>
-                  <a:t>表示</a:t>
-                </a:r>
-                <a:r>
-                  <a:rPr lang="zh-CN" altLang="en-US" dirty="0"/>
-                  <a:t>和</a:t>
-                </a:r>
-                <a:r>
-                  <a:rPr lang="zh-CN" altLang="en-US" dirty="0">
-                    <a:solidFill>
-                      <a:schemeClr val="accent6">
-                        <a:lumMod val="75000"/>
-                      </a:schemeClr>
-                    </a:solidFill>
-                  </a:rPr>
-                  <a:t>处理</a:t>
-                </a:r>
-                <a:r>
-                  <a:rPr lang="zh-CN" altLang="en-US" dirty="0"/>
-                  <a:t>向量。例如，将</a:t>
-                </a:r>
-                <a:r>
-                  <a:rPr lang="zh-CN" altLang="en-US" dirty="0">
-                    <a:solidFill>
-                      <a:schemeClr val="accent5">
-                        <a:lumMod val="75000"/>
-                      </a:schemeClr>
-                    </a:solidFill>
-                  </a:rPr>
-                  <a:t>矩阵</a:t>
-                </a:r>
-                <a:r>
-                  <a:rPr lang="en-US" altLang="zh-CN" b="1" i="1" dirty="0">
-                    <a:solidFill>
-                      <a:schemeClr val="accent5">
-                        <a:lumMod val="75000"/>
-                      </a:schemeClr>
-                    </a:solidFill>
-                  </a:rPr>
-                  <a:t>A</a:t>
-                </a:r>
-                <a:r>
-                  <a:rPr lang="zh-CN" altLang="en-US" dirty="0"/>
-                  <a:t>映射到</a:t>
-                </a:r>
-                <a:r>
-                  <a:rPr lang="zh-CN" altLang="en-US" dirty="0">
-                    <a:solidFill>
-                      <a:schemeClr val="accent5">
-                        <a:lumMod val="75000"/>
-                      </a:schemeClr>
-                    </a:solidFill>
-                  </a:rPr>
-                  <a:t>向量</a:t>
-                </a:r>
-                <a:r>
-                  <a:rPr lang="en-US" altLang="zh-CN" b="1" i="1" dirty="0">
-                    <a:solidFill>
-                      <a:schemeClr val="accent5">
-                        <a:lumMod val="75000"/>
-                      </a:schemeClr>
-                    </a:solidFill>
-                  </a:rPr>
-                  <a:t>x</a:t>
-                </a:r>
-                <a:r>
-                  <a:rPr lang="zh-CN" altLang="en-US" dirty="0"/>
-                  <a:t>上时，可以用</a:t>
-                </a:r>
-                <a:r>
-                  <a:rPr lang="en-US" altLang="zh-CN" b="1" i="1" dirty="0"/>
-                  <a:t>Ax </a:t>
-                </a:r>
-                <a:r>
-                  <a:rPr lang="zh-CN" altLang="en-US" dirty="0"/>
-                  <a:t>来表示，最常见的应用是求解</a:t>
-                </a:r>
-                <a:r>
-                  <a:rPr lang="zh-CN" altLang="en-US" dirty="0">
-                    <a:solidFill>
-                      <a:schemeClr val="accent6">
-                        <a:lumMod val="75000"/>
-                      </a:schemeClr>
-                    </a:solidFill>
-                  </a:rPr>
-                  <a:t>方程组</a:t>
-                </a:r>
-                <a:r>
-                  <a:rPr lang="zh-CN" altLang="en-US" dirty="0"/>
-                  <a:t>。列向量通常由</a:t>
-                </a:r>
-                <a:r>
-                  <a:rPr lang="zh-CN" altLang="en-US" dirty="0">
-                    <a:solidFill>
-                      <a:srgbClr val="0000FF"/>
-                    </a:solidFill>
-                  </a:rPr>
-                  <a:t>两种</a:t>
-                </a:r>
-                <a:r>
-                  <a:rPr lang="zh-CN" altLang="en-US" dirty="0"/>
-                  <a:t>表示方法。</a:t>
-                </a:r>
-                <a:endParaRPr lang="en-US" altLang="zh-CN" dirty="0"/>
-              </a:p>
-              <a:p>
-                <a:pPr marL="342900" indent="-342900">
-                  <a:buFont typeface="Wingdings" panose="05000000000000000000" pitchFamily="2" charset="2"/>
-                  <a:buChar char="l"/>
-                </a:pPr>
-                <a:r>
-                  <a:rPr lang="zh-CN" altLang="en-US" dirty="0"/>
-                  <a:t>直观表示：</a:t>
-                </a:r>
-                <a14:m>
-                  <m:oMath xmlns:m="http://schemas.openxmlformats.org/officeDocument/2006/math">
-                    <m:r>
-                      <a:rPr lang="zh-CN" altLang="en-US" i="1" smtClean="0">
-                        <a:latin typeface="Cambria Math" panose="02040503050406030204" pitchFamily="18" charset="0"/>
-                      </a:rPr>
-                      <m:t>𝛼</m:t>
-                    </m:r>
-                    <m:r>
-                      <a:rPr lang="en-US" altLang="zh-CN" i="1">
-                        <a:latin typeface="Cambria Math" panose="02040503050406030204" pitchFamily="18" charset="0"/>
-                      </a:rPr>
-                      <m:t>=</m:t>
-                    </m:r>
-                    <m:d>
-                      <m:dPr>
-                        <m:begChr m:val="["/>
-                        <m:endChr m:val="]"/>
-                        <m:ctrlPr>
-                          <a:rPr lang="en-US" altLang="zh-CN" i="1" smtClean="0">
-                            <a:latin typeface="Cambria Math" panose="02040503050406030204" pitchFamily="18" charset="0"/>
-                          </a:rPr>
-                        </m:ctrlPr>
-                      </m:dPr>
-                      <m:e>
-                        <m:m>
-                          <m:mPr>
-                            <m:mcs>
-                              <m:mc>
-                                <m:mcPr>
-                                  <m:count m:val="1"/>
-                                  <m:mcJc m:val="center"/>
-                                </m:mcPr>
-                              </m:mc>
-                            </m:mcs>
-                            <m:ctrlPr>
-                              <a:rPr lang="en-US" altLang="zh-CN" i="1" smtClean="0">
-                                <a:latin typeface="Cambria Math" panose="02040503050406030204" pitchFamily="18" charset="0"/>
-                              </a:rPr>
-                            </m:ctrlPr>
-                          </m:mPr>
-                          <m:mr>
-                            <m:e>
-                              <m:r>
-                                <m:rPr>
-                                  <m:brk m:alnAt="7"/>
-                                </m:rPr>
-                                <a:rPr lang="en-US" altLang="zh-CN" i="1">
-                                  <a:latin typeface="Cambria Math" panose="02040503050406030204" pitchFamily="18" charset="0"/>
-                                </a:rPr>
-                                <m:t>2</m:t>
-                              </m:r>
-                            </m:e>
-                          </m:mr>
-                          <m:mr>
-                            <m:e>
-                              <m:r>
-                                <a:rPr lang="en-US" altLang="zh-CN" i="1">
-                                  <a:latin typeface="Cambria Math" panose="02040503050406030204" pitchFamily="18" charset="0"/>
-                                </a:rPr>
-                                <m:t>3</m:t>
-                              </m:r>
-                            </m:e>
-                          </m:mr>
-                        </m:m>
-                      </m:e>
-                    </m:d>
-                  </m:oMath>
-                </a14:m>
-                <a:r>
-                  <a:rPr lang="zh-CN" altLang="en-US" dirty="0"/>
-                  <a:t>，</a:t>
-                </a:r>
-                <a14:m>
-                  <m:oMath xmlns:m="http://schemas.openxmlformats.org/officeDocument/2006/math">
-                    <m:r>
-                      <a:rPr lang="zh-CN" altLang="en-US" i="1" smtClean="0">
-                        <a:latin typeface="Cambria Math" panose="02040503050406030204" pitchFamily="18" charset="0"/>
-                      </a:rPr>
-                      <m:t>𝛽</m:t>
-                    </m:r>
-                    <m:r>
-                      <a:rPr lang="en-US" altLang="zh-CN" i="1">
-                        <a:latin typeface="Cambria Math" panose="02040503050406030204" pitchFamily="18" charset="0"/>
-                      </a:rPr>
-                      <m:t>=</m:t>
-                    </m:r>
-                    <m:d>
-                      <m:dPr>
-                        <m:begChr m:val="["/>
-                        <m:endChr m:val="]"/>
-                        <m:ctrlPr>
-                          <a:rPr lang="en-US" altLang="zh-CN" i="1">
-                            <a:latin typeface="Cambria Math" panose="02040503050406030204" pitchFamily="18" charset="0"/>
-                          </a:rPr>
-                        </m:ctrlPr>
-                      </m:dPr>
-                      <m:e>
-                        <m:m>
-                          <m:mPr>
-                            <m:mcs>
-                              <m:mc>
-                                <m:mcPr>
-                                  <m:count m:val="1"/>
-                                  <m:mcJc m:val="center"/>
-                                </m:mcPr>
-                              </m:mc>
-                            </m:mcs>
-                            <m:ctrlPr>
-                              <a:rPr lang="en-US" altLang="zh-CN" i="1">
-                                <a:latin typeface="Cambria Math" panose="02040503050406030204" pitchFamily="18" charset="0"/>
-                              </a:rPr>
-                            </m:ctrlPr>
-                          </m:mPr>
-                          <m:mr>
-                            <m:e>
-                              <m:r>
-                                <m:rPr>
-                                  <m:brk m:alnAt="7"/>
-                                </m:rPr>
-                                <a:rPr lang="en-US" altLang="zh-CN" i="1" smtClean="0">
-                                  <a:latin typeface="Cambria Math" panose="02040503050406030204" pitchFamily="18" charset="0"/>
-                                </a:rPr>
-                                <m:t>2</m:t>
-                              </m:r>
-                            </m:e>
-                          </m:mr>
-                          <m:mr>
-                            <m:e>
-                              <m:eqArr>
-                                <m:eqArrPr>
-                                  <m:ctrlPr>
-                                    <a:rPr lang="en-US" altLang="zh-CN" i="1" smtClean="0">
-                                      <a:latin typeface="Cambria Math" panose="02040503050406030204" pitchFamily="18" charset="0"/>
-                                    </a:rPr>
-                                  </m:ctrlPr>
-                                </m:eqArrPr>
-                                <m:e>
-                                  <m:r>
-                                    <a:rPr lang="en-US" altLang="zh-CN" i="1" smtClean="0">
-                                      <a:latin typeface="Cambria Math" panose="02040503050406030204" pitchFamily="18" charset="0"/>
-                                    </a:rPr>
-                                    <m:t>3</m:t>
-                                  </m:r>
-                                </m:e>
-                                <m:e>
-                                  <m:r>
-                                    <a:rPr lang="en-US" altLang="zh-CN" i="1">
-                                      <a:latin typeface="Cambria Math" panose="02040503050406030204" pitchFamily="18" charset="0"/>
-                                    </a:rPr>
-                                    <m:t>4</m:t>
-                                  </m:r>
-                                </m:e>
-                              </m:eqArr>
-                            </m:e>
-                          </m:mr>
-                        </m:m>
-                      </m:e>
-                    </m:d>
-                  </m:oMath>
-                </a14:m>
-                <a:endParaRPr lang="en-US" altLang="zh-CN" dirty="0"/>
-              </a:p>
-              <a:p>
-                <a:pPr marL="342900" indent="-342900">
-                  <a:buFont typeface="Wingdings" panose="05000000000000000000" pitchFamily="2" charset="2"/>
-                  <a:buChar char="l"/>
-                </a:pPr>
-                <a:endParaRPr lang="en-US" altLang="zh-CN" dirty="0"/>
-              </a:p>
-              <a:p>
-                <a:pPr marL="342900" indent="-342900">
-                  <a:buFont typeface="Wingdings" panose="05000000000000000000" pitchFamily="2" charset="2"/>
-                  <a:buChar char="l"/>
-                </a:pPr>
-                <a:r>
-                  <a:rPr lang="zh-CN" altLang="en-US" dirty="0"/>
-                  <a:t>单行表示</a:t>
-                </a:r>
-                <a:r>
-                  <a:rPr lang="zh-CN" altLang="en-US" dirty="0">
-                    <a:solidFill>
-                      <a:srgbClr val="FF0000"/>
-                    </a:solidFill>
-                  </a:rPr>
-                  <a:t>（更常用）</a:t>
-                </a:r>
-                <a:r>
-                  <a:rPr lang="zh-CN" altLang="en-US" dirty="0"/>
-                  <a:t>：</a:t>
-                </a:r>
-                <a14:m>
-                  <m:oMath xmlns:m="http://schemas.openxmlformats.org/officeDocument/2006/math">
-                    <m:r>
-                      <a:rPr lang="zh-CN" altLang="en-US" i="1">
-                        <a:latin typeface="Cambria Math" panose="02040503050406030204" pitchFamily="18" charset="0"/>
-                      </a:rPr>
-                      <m:t>𝛼</m:t>
-                    </m:r>
-                    <m:r>
-                      <a:rPr lang="en-US" altLang="zh-CN" i="1">
-                        <a:latin typeface="Cambria Math" panose="02040503050406030204" pitchFamily="18" charset="0"/>
-                      </a:rPr>
-                      <m:t>=</m:t>
-                    </m:r>
-                    <m:sSup>
-                      <m:sSupPr>
-                        <m:ctrlPr>
-                          <a:rPr lang="en-US" altLang="zh-CN" i="1" smtClean="0">
-                            <a:latin typeface="Cambria Math" panose="02040503050406030204" pitchFamily="18" charset="0"/>
-                          </a:rPr>
-                        </m:ctrlPr>
-                      </m:sSupPr>
-                      <m:e>
-                        <m:d>
-                          <m:dPr>
-                            <m:begChr m:val="["/>
-                            <m:endChr m:val="]"/>
-                            <m:ctrlPr>
-                              <a:rPr lang="en-US" altLang="zh-CN" i="1">
-                                <a:latin typeface="Cambria Math" panose="02040503050406030204" pitchFamily="18" charset="0"/>
-                              </a:rPr>
-                            </m:ctrlPr>
-                          </m:dPr>
-                          <m:e>
-                            <m:r>
-                              <a:rPr lang="en-US" altLang="zh-CN" i="1">
-                                <a:latin typeface="Cambria Math" panose="02040503050406030204" pitchFamily="18" charset="0"/>
-                              </a:rPr>
-                              <m:t>2, 3</m:t>
-                            </m:r>
-                          </m:e>
-                        </m:d>
-                      </m:e>
-                      <m:sup>
-                        <m:r>
-                          <a:rPr lang="en-US" altLang="zh-CN" b="0" i="1" smtClean="0">
-                            <a:latin typeface="Cambria Math" panose="02040503050406030204" pitchFamily="18" charset="0"/>
-                          </a:rPr>
-                          <m:t>𝑇</m:t>
-                        </m:r>
-                      </m:sup>
-                    </m:sSup>
-                  </m:oMath>
-                </a14:m>
-                <a:r>
-                  <a:rPr lang="zh-CN" altLang="en-US" dirty="0"/>
-                  <a:t>，</a:t>
-                </a:r>
-                <a14:m>
-                  <m:oMath xmlns:m="http://schemas.openxmlformats.org/officeDocument/2006/math">
-                    <m:r>
-                      <a:rPr lang="zh-CN" altLang="en-US" i="1">
-                        <a:latin typeface="Cambria Math" panose="02040503050406030204" pitchFamily="18" charset="0"/>
-                      </a:rPr>
-                      <m:t>𝛽</m:t>
-                    </m:r>
-                    <m:r>
-                      <a:rPr lang="en-US" altLang="zh-CN" i="1">
-                        <a:latin typeface="Cambria Math" panose="02040503050406030204" pitchFamily="18" charset="0"/>
-                      </a:rPr>
-                      <m:t>=</m:t>
-                    </m:r>
-                    <m:sSup>
-                      <m:sSupPr>
-                        <m:ctrlPr>
-                          <a:rPr lang="en-US" altLang="zh-CN" i="1">
-                            <a:latin typeface="Cambria Math" panose="02040503050406030204" pitchFamily="18" charset="0"/>
-                          </a:rPr>
-                        </m:ctrlPr>
-                      </m:sSupPr>
-                      <m:e>
-                        <m:d>
-                          <m:dPr>
-                            <m:begChr m:val="["/>
-                            <m:endChr m:val="]"/>
-                            <m:ctrlPr>
-                              <a:rPr lang="en-US" altLang="zh-CN" i="1">
-                                <a:latin typeface="Cambria Math" panose="02040503050406030204" pitchFamily="18" charset="0"/>
-                              </a:rPr>
-                            </m:ctrlPr>
-                          </m:dPr>
-                          <m:e>
-                            <m:r>
-                              <a:rPr lang="en-US" altLang="zh-CN" i="1">
-                                <a:latin typeface="Cambria Math" panose="02040503050406030204" pitchFamily="18" charset="0"/>
-                              </a:rPr>
-                              <m:t>2, 3, 4</m:t>
-                            </m:r>
-                          </m:e>
-                        </m:d>
-                      </m:e>
-                      <m:sup>
-                        <m:r>
-                          <a:rPr lang="en-US" altLang="zh-CN" i="1">
-                            <a:latin typeface="Cambria Math" panose="02040503050406030204" pitchFamily="18" charset="0"/>
-                          </a:rPr>
-                          <m:t>𝑇</m:t>
-                        </m:r>
-                      </m:sup>
-                    </m:sSup>
-                  </m:oMath>
-                </a14:m>
-                <a:endParaRPr lang="zh-CN" altLang="en-US" dirty="0"/>
-              </a:p>
-            </p:txBody>
-          </p:sp>
-        </mc:Choice>
-        <mc:Fallback xmlns="">
-          <p:sp>
-            <p:nvSpPr>
-              <p:cNvPr id="5" name="内容占位符 4">
-                <a:extLst>
-                  <a:ext uri="{FF2B5EF4-FFF2-40B4-BE49-F238E27FC236}">
-                    <a16:creationId xmlns:a16="http://schemas.microsoft.com/office/drawing/2014/main" id="{5CCA4662-DF9A-4A27-9148-F9B69A7884DE}"/>
-                  </a:ext>
-                </a:extLst>
-              </p:cNvPr>
-              <p:cNvSpPr>
-                <a:spLocks noGrp="1" noRot="1" noChangeAspect="1" noMove="1" noResize="1" noEditPoints="1" noAdjustHandles="1" noChangeArrowheads="1" noChangeShapeType="1" noTextEdit="1"/>
-              </p:cNvSpPr>
-              <p:nvPr>
-                <p:ph sz="quarter" idx="11"/>
-              </p:nvPr>
-            </p:nvSpPr>
-            <p:spPr>
-              <a:xfrm>
-                <a:off x="0" y="1047822"/>
-                <a:ext cx="6858000" cy="3689563"/>
-              </a:xfrm>
-              <a:blipFill>
-                <a:blip r:embed="rId2"/>
-                <a:stretch>
-                  <a:fillRect l="-178" r="-3911"/>
-                </a:stretch>
-              </a:blipFill>
-            </p:spPr>
-            <p:txBody>
-              <a:bodyPr/>
-              <a:lstStyle/>
-              <a:p>
-                <a:r>
-                  <a:rPr lang="zh-CN" altLang="en-US">
-                    <a:noFill/>
-                  </a:rPr>
-                  <a:t> </a:t>
-                </a:r>
-              </a:p>
-            </p:txBody>
-          </p:sp>
-        </mc:Fallback>
-      </mc:AlternateContent>
-      <p:sp>
-        <p:nvSpPr>
-          <p:cNvPr id="3" name="标题 2">
-            <a:extLst>
-              <a:ext uri="{FF2B5EF4-FFF2-40B4-BE49-F238E27FC236}">
-                <a16:creationId xmlns:a16="http://schemas.microsoft.com/office/drawing/2014/main" id="{858D4FE7-087E-4033-B1BF-257E85F974A9}"/>
-              </a:ext>
-            </a:extLst>
-          </p:cNvPr>
-          <p:cNvSpPr>
-            <a:spLocks noGrp="1"/>
-          </p:cNvSpPr>
-          <p:nvPr>
-            <p:ph type="title"/>
-          </p:nvPr>
-        </p:nvSpPr>
-        <p:spPr>
-          <a:xfrm>
-            <a:off x="0" y="161755"/>
-            <a:ext cx="6858000" cy="369332"/>
-          </a:xfrm>
-        </p:spPr>
-        <p:txBody>
-          <a:bodyPr/>
-          <a:lstStyle/>
-          <a:p>
-            <a:r>
-              <a:rPr lang="zh-CN" altLang="en-US"/>
-              <a:t>列向量</a:t>
-            </a:r>
-          </a:p>
-        </p:txBody>
-      </p:sp>
-    </p:spTree>
-    <p:extLst>
-      <p:ext uri="{BB962C8B-B14F-4D97-AF65-F5344CB8AC3E}">
-        <p14:creationId xmlns:p14="http://schemas.microsoft.com/office/powerpoint/2010/main" val="4019000345"/>
-      </p:ext>
-    </p:extLst>
-  </p:cSld>
-  <p:clrMapOvr>
-    <a:masterClrMapping/>
-  </p:clrMapOvr>
-  <p:timing>
-    <p:tnLst>
-      <p:par>
-        <p:cTn id="1" dur="indefinite" restart="never" nodeType="tmRoot">
-          <p:childTnLst>
-            <p:seq concurrent="1" nextAc="seek">
-              <p:cTn id="2" dur="indefinite" nodeType="mainSeq">
-                <p:childTnLst>
-                  <p:par>
-                    <p:cTn id="3" fill="hold">
-                      <p:stCondLst>
-                        <p:cond delay="indefinite"/>
-                        <p:cond evt="onBegin" delay="0">
-                          <p:tn val="2"/>
-                        </p:cond>
-                      </p:stCondLst>
-                      <p:childTnLst>
-                        <p:par>
-                          <p:cTn id="4" fill="hold">
-                            <p:stCondLst>
-                              <p:cond delay="0"/>
-                            </p:stCondLst>
-                            <p:childTnLst>
-                              <p:par>
-                                <p:cTn id="5" presetID="42" presetClass="entr" presetSubtype="0" fill="hold" nodeType="afterEffect">
-                                  <p:stCondLst>
-                                    <p:cond delay="0"/>
-                                  </p:stCondLst>
-                                  <p:childTnLst>
-                                    <p:set>
-                                      <p:cBhvr>
-                                        <p:cTn id="6" dur="1" fill="hold">
-                                          <p:stCondLst>
-                                            <p:cond delay="0"/>
-                                          </p:stCondLst>
-                                        </p:cTn>
-                                        <p:tgtEl>
-                                          <p:spTgt spid="5">
-                                            <p:txEl>
-                                              <p:pRg st="0" end="0"/>
-                                            </p:txEl>
-                                          </p:spTgt>
-                                        </p:tgtEl>
-                                        <p:attrNameLst>
-                                          <p:attrName>style.visibility</p:attrName>
-                                        </p:attrNameLst>
-                                      </p:cBhvr>
-                                      <p:to>
-                                        <p:strVal val="visible"/>
-                                      </p:to>
-                                    </p:set>
-                                    <p:animEffect transition="in" filter="fade">
-                                      <p:cBhvr>
-                                        <p:cTn id="7" dur="1000"/>
-                                        <p:tgtEl>
-                                          <p:spTgt spid="5">
-                                            <p:txEl>
-                                              <p:pRg st="0" end="0"/>
-                                            </p:txEl>
-                                          </p:spTgt>
-                                        </p:tgtEl>
-                                      </p:cBhvr>
-                                    </p:animEffect>
-                                    <p:anim calcmode="lin" valueType="num">
-                                      <p:cBhvr>
-                                        <p:cTn id="8" dur="1000" fill="hold"/>
-                                        <p:tgtEl>
-                                          <p:spTgt spid="5">
-                                            <p:txEl>
-                                              <p:pRg st="0" end="0"/>
-                                            </p:txEl>
-                                          </p:spTgt>
-                                        </p:tgtEl>
-                                        <p:attrNameLst>
-                                          <p:attrName>ppt_x</p:attrName>
-                                        </p:attrNameLst>
-                                      </p:cBhvr>
-                                      <p:tavLst>
-                                        <p:tav tm="0">
-                                          <p:val>
-                                            <p:strVal val="#ppt_x"/>
-                                          </p:val>
-                                        </p:tav>
-                                        <p:tav tm="100000">
-                                          <p:val>
-                                            <p:strVal val="#ppt_x"/>
-                                          </p:val>
-                                        </p:tav>
-                                      </p:tavLst>
-                                    </p:anim>
-                                    <p:anim calcmode="lin" valueType="num">
-                                      <p:cBhvr>
-                                        <p:cTn id="9" dur="1000" fill="hold"/>
-                                        <p:tgtEl>
-                                          <p:spTgt spid="5">
-                                            <p:txEl>
-                                              <p:pRg st="0" end="0"/>
-                                            </p:txEl>
-                                          </p:spTgt>
-                                        </p:tgtEl>
-                                        <p:attrNameLst>
-                                          <p:attrName>ppt_y</p:attrName>
-                                        </p:attrNameLst>
-                                      </p:cBhvr>
-                                      <p:tavLst>
-                                        <p:tav tm="0">
-                                          <p:val>
-                                            <p:strVal val="#ppt_y+.1"/>
-                                          </p:val>
-                                        </p:tav>
-                                        <p:tav tm="100000">
-                                          <p:val>
-                                            <p:strVal val="#ppt_y"/>
-                                          </p:val>
-                                        </p:tav>
-                                      </p:tavLst>
-                                    </p:anim>
-                                  </p:childTnLst>
-                                </p:cTn>
-                              </p:par>
-                            </p:childTnLst>
-                          </p:cTn>
-                        </p:par>
-                      </p:childTnLst>
-                    </p:cTn>
-                  </p:par>
-                  <p:par>
-                    <p:cTn id="10" fill="hold">
-                      <p:stCondLst>
-                        <p:cond delay="indefinite"/>
-                      </p:stCondLst>
-                      <p:childTnLst>
-                        <p:par>
-                          <p:cTn id="11" fill="hold">
-                            <p:stCondLst>
-                              <p:cond delay="0"/>
-                            </p:stCondLst>
-                            <p:childTnLst>
-                              <p:par>
-                                <p:cTn id="12" presetID="42" presetClass="entr" presetSubtype="0" fill="hold" nodeType="clickEffect">
-                                  <p:stCondLst>
-                                    <p:cond delay="0"/>
-                                  </p:stCondLst>
-                                  <p:childTnLst>
-                                    <p:set>
-                                      <p:cBhvr>
-                                        <p:cTn id="13" dur="1" fill="hold">
-                                          <p:stCondLst>
-                                            <p:cond delay="0"/>
-                                          </p:stCondLst>
-                                        </p:cTn>
-                                        <p:tgtEl>
-                                          <p:spTgt spid="5">
-                                            <p:txEl>
-                                              <p:pRg st="1" end="1"/>
-                                            </p:txEl>
-                                          </p:spTgt>
-                                        </p:tgtEl>
-                                        <p:attrNameLst>
-                                          <p:attrName>style.visibility</p:attrName>
-                                        </p:attrNameLst>
-                                      </p:cBhvr>
-                                      <p:to>
-                                        <p:strVal val="visible"/>
-                                      </p:to>
-                                    </p:set>
-                                    <p:animEffect transition="in" filter="fade">
-                                      <p:cBhvr>
-                                        <p:cTn id="14" dur="1000"/>
-                                        <p:tgtEl>
-                                          <p:spTgt spid="5">
-                                            <p:txEl>
-                                              <p:pRg st="1" end="1"/>
-                                            </p:txEl>
-                                          </p:spTgt>
-                                        </p:tgtEl>
-                                      </p:cBhvr>
-                                    </p:animEffect>
-                                    <p:anim calcmode="lin" valueType="num">
-                                      <p:cBhvr>
-                                        <p:cTn id="15" dur="1000" fill="hold"/>
-                                        <p:tgtEl>
-                                          <p:spTgt spid="5">
-                                            <p:txEl>
-                                              <p:pRg st="1" end="1"/>
-                                            </p:txEl>
-                                          </p:spTgt>
-                                        </p:tgtEl>
-                                        <p:attrNameLst>
-                                          <p:attrName>ppt_x</p:attrName>
-                                        </p:attrNameLst>
-                                      </p:cBhvr>
-                                      <p:tavLst>
-                                        <p:tav tm="0">
-                                          <p:val>
-                                            <p:strVal val="#ppt_x"/>
-                                          </p:val>
-                                        </p:tav>
-                                        <p:tav tm="100000">
-                                          <p:val>
-                                            <p:strVal val="#ppt_x"/>
-                                          </p:val>
-                                        </p:tav>
-                                      </p:tavLst>
-                                    </p:anim>
-                                    <p:anim calcmode="lin" valueType="num">
-                                      <p:cBhvr>
-                                        <p:cTn id="16" dur="1000" fill="hold"/>
-                                        <p:tgtEl>
-                                          <p:spTgt spid="5">
-                                            <p:txEl>
-                                              <p:pRg st="1" end="1"/>
-                                            </p:txEl>
-                                          </p:spTgt>
-                                        </p:tgtEl>
-                                        <p:attrNameLst>
-                                          <p:attrName>ppt_y</p:attrName>
-                                        </p:attrNameLst>
-                                      </p:cBhvr>
-                                      <p:tavLst>
-                                        <p:tav tm="0">
-                                          <p:val>
-                                            <p:strVal val="#ppt_y+.1"/>
-                                          </p:val>
-                                        </p:tav>
-                                        <p:tav tm="100000">
-                                          <p:val>
-                                            <p:strVal val="#ppt_y"/>
-                                          </p:val>
-                                        </p:tav>
-                                      </p:tavLst>
-                                    </p:anim>
-                                  </p:childTnLst>
-                                </p:cTn>
-                              </p:par>
-                            </p:childTnLst>
-                          </p:cTn>
-                        </p:par>
-                        <p:par>
-                          <p:cTn id="17" fill="hold">
-                            <p:stCondLst>
-                              <p:cond delay="1000"/>
-                            </p:stCondLst>
-                            <p:childTnLst>
-                              <p:par>
-                                <p:cTn id="18" presetID="42" presetClass="entr" presetSubtype="0" fill="hold" nodeType="afterEffect">
-                                  <p:stCondLst>
-                                    <p:cond delay="0"/>
-                                  </p:stCondLst>
-                                  <p:childTnLst>
-                                    <p:set>
-                                      <p:cBhvr>
-                                        <p:cTn id="19" dur="1" fill="hold">
-                                          <p:stCondLst>
-                                            <p:cond delay="0"/>
-                                          </p:stCondLst>
-                                        </p:cTn>
-                                        <p:tgtEl>
-                                          <p:spTgt spid="5">
-                                            <p:txEl>
-                                              <p:pRg st="3" end="3"/>
-                                            </p:txEl>
-                                          </p:spTgt>
-                                        </p:tgtEl>
-                                        <p:attrNameLst>
-                                          <p:attrName>style.visibility</p:attrName>
-                                        </p:attrNameLst>
-                                      </p:cBhvr>
-                                      <p:to>
-                                        <p:strVal val="visible"/>
-                                      </p:to>
-                                    </p:set>
-                                    <p:animEffect transition="in" filter="fade">
-                                      <p:cBhvr>
-                                        <p:cTn id="20" dur="1000"/>
-                                        <p:tgtEl>
-                                          <p:spTgt spid="5">
-                                            <p:txEl>
-                                              <p:pRg st="3" end="3"/>
-                                            </p:txEl>
-                                          </p:spTgt>
-                                        </p:tgtEl>
-                                      </p:cBhvr>
-                                    </p:animEffect>
-                                    <p:anim calcmode="lin" valueType="num">
-                                      <p:cBhvr>
-                                        <p:cTn id="21" dur="1000" fill="hold"/>
-                                        <p:tgtEl>
-                                          <p:spTgt spid="5">
-                                            <p:txEl>
-                                              <p:pRg st="3" end="3"/>
-                                            </p:txEl>
-                                          </p:spTgt>
-                                        </p:tgtEl>
-                                        <p:attrNameLst>
-                                          <p:attrName>ppt_x</p:attrName>
-                                        </p:attrNameLst>
-                                      </p:cBhvr>
-                                      <p:tavLst>
-                                        <p:tav tm="0">
-                                          <p:val>
-                                            <p:strVal val="#ppt_x"/>
-                                          </p:val>
-                                        </p:tav>
-                                        <p:tav tm="100000">
-                                          <p:val>
-                                            <p:strVal val="#ppt_x"/>
-                                          </p:val>
-                                        </p:tav>
-                                      </p:tavLst>
-                                    </p:anim>
-                                    <p:anim calcmode="lin" valueType="num">
-                                      <p:cBhvr>
-                                        <p:cTn id="22" dur="1000" fill="hold"/>
-                                        <p:tgtEl>
-                                          <p:spTgt spid="5">
-                                            <p:txEl>
-                                              <p:pRg st="3" end="3"/>
-                                            </p:txEl>
-                                          </p:spTgt>
-                                        </p:tgtEl>
-                                        <p:attrNameLst>
-                                          <p:attrName>ppt_y</p:attrName>
-                                        </p:attrNameLst>
-                                      </p:cBhvr>
-                                      <p:tavLst>
-                                        <p:tav tm="0">
-                                          <p:val>
-                                            <p:strVal val="#ppt_y+.1"/>
-                                          </p:val>
-                                        </p:tav>
-                                        <p:tav tm="100000">
-                                          <p:val>
-                                            <p:strVal val="#ppt_y"/>
-                                          </p:val>
-                                        </p:tav>
-                                      </p:tavLst>
-                                    </p:anim>
-                                  </p:childTnLst>
-                                </p:cTn>
-                              </p:par>
-                            </p:childTnLst>
-                          </p:cTn>
-                        </p:par>
-                      </p:childTnLst>
-                    </p:cTn>
-                  </p:par>
-                </p:childTnLst>
-              </p:cTn>
-              <p:prevCondLst>
-                <p:cond evt="onPrev" delay="0">
-                  <p:tgtEl>
-                    <p:sldTgt/>
-                  </p:tgtEl>
-                </p:cond>
-              </p:prevCondLst>
-              <p:nextCondLst>
-                <p:cond evt="onNext" delay="0">
-                  <p:tgtEl>
-                    <p:sldTgt/>
-                  </p:tgtEl>
-                </p:cond>
-              </p:nextCondLst>
-            </p:seq>
-          </p:childTnLst>
-        </p:cTn>
-      </p:par>
-    </p:tnLst>
-  </p:timing>
 </p:sld>
 </file>
 
